--- a/figures/fig1_comb.pptx
+++ b/figures/fig1_comb.pptx
@@ -5026,7 +5026,7 @@
                 <a:latin typeface="Arial" panose="020B0604020202020204" pitchFamily="34" charset="0"/>
                 <a:cs typeface="Arial" panose="020B0604020202020204" pitchFamily="34" charset="0"/>
               </a:rPr>
-              <a:t>AT3G13920.1</a:t>
+              <a:t>AT3G13910.2</a:t>
             </a:r>
           </a:p>
         </p:txBody>
@@ -5086,8 +5086,8 @@
         </p:nvSpPr>
         <p:spPr>
           <a:xfrm>
-            <a:off x="1575331" y="868669"/>
-            <a:ext cx="466794" cy="369332"/>
+            <a:off x="1575331" y="1344157"/>
+            <a:ext cx="338554" cy="369332"/>
           </a:xfrm>
           <a:prstGeom prst="rect">
             <a:avLst/>
@@ -5105,7 +5105,7 @@
                 <a:latin typeface="Arial" panose="020B0604020202020204" pitchFamily="34" charset="0"/>
                 <a:cs typeface="Arial" panose="020B0604020202020204" pitchFamily="34" charset="0"/>
               </a:rPr>
-              <a:t>(a)</a:t>
+              <a:t>A</a:t>
             </a:r>
           </a:p>
         </p:txBody>
@@ -5125,7 +5125,7 @@
         <p:spPr>
           <a:xfrm>
             <a:off x="1583139" y="3616090"/>
-            <a:ext cx="466794" cy="369332"/>
+            <a:ext cx="338554" cy="369332"/>
           </a:xfrm>
           <a:prstGeom prst="rect">
             <a:avLst/>
@@ -5143,7 +5143,7 @@
                 <a:latin typeface="Arial" panose="020B0604020202020204" pitchFamily="34" charset="0"/>
                 <a:cs typeface="Arial" panose="020B0604020202020204" pitchFamily="34" charset="0"/>
               </a:rPr>
-              <a:t>(b)</a:t>
+              <a:t>B</a:t>
             </a:r>
           </a:p>
         </p:txBody>
@@ -5163,7 +5163,7 @@
         <p:spPr>
           <a:xfrm>
             <a:off x="8485078" y="3645415"/>
-            <a:ext cx="453970" cy="369332"/>
+            <a:ext cx="351378" cy="369332"/>
           </a:xfrm>
           <a:prstGeom prst="rect">
             <a:avLst/>
@@ -5181,7 +5181,7 @@
                 <a:latin typeface="Arial" panose="020B0604020202020204" pitchFamily="34" charset="0"/>
                 <a:cs typeface="Arial" panose="020B0604020202020204" pitchFamily="34" charset="0"/>
               </a:rPr>
-              <a:t>(c)</a:t>
+              <a:t>C</a:t>
             </a:r>
           </a:p>
         </p:txBody>

--- a/figures/fig1_comb.pptx
+++ b/figures/fig1_comb.pptx
@@ -261,7 +261,7 @@
           <a:p>
             <a:fld id="{9915773D-6D45-A545-9BEA-022AEEFB4CE4}" type="datetimeFigureOut">
               <a:rPr lang="en-JP" smtClean="0"/>
-              <a:t>2022/10/15</a:t>
+              <a:t>2022/10/25</a:t>
             </a:fld>
             <a:endParaRPr lang="en-JP"/>
           </a:p>
@@ -461,7 +461,7 @@
           <a:p>
             <a:fld id="{9915773D-6D45-A545-9BEA-022AEEFB4CE4}" type="datetimeFigureOut">
               <a:rPr lang="en-JP" smtClean="0"/>
-              <a:t>2022/10/15</a:t>
+              <a:t>2022/10/25</a:t>
             </a:fld>
             <a:endParaRPr lang="en-JP"/>
           </a:p>
@@ -671,7 +671,7 @@
           <a:p>
             <a:fld id="{9915773D-6D45-A545-9BEA-022AEEFB4CE4}" type="datetimeFigureOut">
               <a:rPr lang="en-JP" smtClean="0"/>
-              <a:t>2022/10/15</a:t>
+              <a:t>2022/10/25</a:t>
             </a:fld>
             <a:endParaRPr lang="en-JP"/>
           </a:p>
@@ -871,7 +871,7 @@
           <a:p>
             <a:fld id="{9915773D-6D45-A545-9BEA-022AEEFB4CE4}" type="datetimeFigureOut">
               <a:rPr lang="en-JP" smtClean="0"/>
-              <a:t>2022/10/15</a:t>
+              <a:t>2022/10/25</a:t>
             </a:fld>
             <a:endParaRPr lang="en-JP"/>
           </a:p>
@@ -1147,7 +1147,7 @@
           <a:p>
             <a:fld id="{9915773D-6D45-A545-9BEA-022AEEFB4CE4}" type="datetimeFigureOut">
               <a:rPr lang="en-JP" smtClean="0"/>
-              <a:t>2022/10/15</a:t>
+              <a:t>2022/10/25</a:t>
             </a:fld>
             <a:endParaRPr lang="en-JP"/>
           </a:p>
@@ -1415,7 +1415,7 @@
           <a:p>
             <a:fld id="{9915773D-6D45-A545-9BEA-022AEEFB4CE4}" type="datetimeFigureOut">
               <a:rPr lang="en-JP" smtClean="0"/>
-              <a:t>2022/10/15</a:t>
+              <a:t>2022/10/25</a:t>
             </a:fld>
             <a:endParaRPr lang="en-JP"/>
           </a:p>
@@ -1830,7 +1830,7 @@
           <a:p>
             <a:fld id="{9915773D-6D45-A545-9BEA-022AEEFB4CE4}" type="datetimeFigureOut">
               <a:rPr lang="en-JP" smtClean="0"/>
-              <a:t>2022/10/15</a:t>
+              <a:t>2022/10/25</a:t>
             </a:fld>
             <a:endParaRPr lang="en-JP"/>
           </a:p>
@@ -1972,7 +1972,7 @@
           <a:p>
             <a:fld id="{9915773D-6D45-A545-9BEA-022AEEFB4CE4}" type="datetimeFigureOut">
               <a:rPr lang="en-JP" smtClean="0"/>
-              <a:t>2022/10/15</a:t>
+              <a:t>2022/10/25</a:t>
             </a:fld>
             <a:endParaRPr lang="en-JP"/>
           </a:p>
@@ -2085,7 +2085,7 @@
           <a:p>
             <a:fld id="{9915773D-6D45-A545-9BEA-022AEEFB4CE4}" type="datetimeFigureOut">
               <a:rPr lang="en-JP" smtClean="0"/>
-              <a:t>2022/10/15</a:t>
+              <a:t>2022/10/25</a:t>
             </a:fld>
             <a:endParaRPr lang="en-JP"/>
           </a:p>
@@ -2398,7 +2398,7 @@
           <a:p>
             <a:fld id="{9915773D-6D45-A545-9BEA-022AEEFB4CE4}" type="datetimeFigureOut">
               <a:rPr lang="en-JP" smtClean="0"/>
-              <a:t>2022/10/15</a:t>
+              <a:t>2022/10/25</a:t>
             </a:fld>
             <a:endParaRPr lang="en-JP"/>
           </a:p>
@@ -2687,7 +2687,7 @@
           <a:p>
             <a:fld id="{9915773D-6D45-A545-9BEA-022AEEFB4CE4}" type="datetimeFigureOut">
               <a:rPr lang="en-JP" smtClean="0"/>
-              <a:t>2022/10/15</a:t>
+              <a:t>2022/10/25</a:t>
             </a:fld>
             <a:endParaRPr lang="en-JP"/>
           </a:p>
@@ -2930,7 +2930,7 @@
           <a:p>
             <a:fld id="{9915773D-6D45-A545-9BEA-022AEEFB4CE4}" type="datetimeFigureOut">
               <a:rPr lang="en-JP" smtClean="0"/>
-              <a:t>2022/10/15</a:t>
+              <a:t>2022/10/25</a:t>
             </a:fld>
             <a:endParaRPr lang="en-JP"/>
           </a:p>
@@ -4401,8 +4401,8 @@
         </p:nvSpPr>
         <p:spPr>
           <a:xfrm>
-            <a:off x="2892041" y="2685406"/>
-            <a:ext cx="1955985" cy="276999"/>
+            <a:off x="3245609" y="2685406"/>
+            <a:ext cx="1322798" cy="276999"/>
           </a:xfrm>
           <a:prstGeom prst="rect">
             <a:avLst/>
@@ -4415,16 +4415,6 @@
           </a:bodyPr>
           <a:lstStyle/>
           <a:p>
-            <a:r>
-              <a:rPr lang="en-US" sz="1200" b="1" dirty="0">
-                <a:solidFill>
-                  <a:srgbClr val="FF0000"/>
-                </a:solidFill>
-                <a:latin typeface="Arial" panose="020B0604020202020204" pitchFamily="34" charset="0"/>
-                <a:cs typeface="Arial" panose="020B0604020202020204" pitchFamily="34" charset="0"/>
-              </a:rPr>
-              <a:t>p</a:t>
-            </a:r>
             <a:r>
               <a:rPr lang="en-JP" sz="1200" b="1" dirty="0">
                 <a:solidFill>
@@ -4433,7 +4423,7 @@
                 <a:latin typeface="Arial" panose="020B0604020202020204" pitchFamily="34" charset="0"/>
                 <a:cs typeface="Arial" panose="020B0604020202020204" pitchFamily="34" charset="0"/>
               </a:rPr>
-              <a:t>utative ribosomal gene</a:t>
+              <a:t>ribosomal gene</a:t>
             </a:r>
           </a:p>
         </p:txBody>

--- a/figures/fig1_comb.pptx
+++ b/figures/fig1_comb.pptx
@@ -2,18 +2,18 @@
 <file path=ppt/presentation.xml><?xml version="1.0" encoding="utf-8"?>
 <p:presentation xmlns:a="http://schemas.openxmlformats.org/drawingml/2006/main" xmlns:r="http://schemas.openxmlformats.org/officeDocument/2006/relationships" xmlns:p="http://schemas.openxmlformats.org/presentationml/2006/main" saveSubsetFonts="1" autoCompressPictures="0">
   <p:sldMasterIdLst>
-    <p:sldMasterId id="2147483648" r:id="rId1"/>
+    <p:sldMasterId id="2147483672" r:id="rId1"/>
   </p:sldMasterIdLst>
   <p:sldIdLst>
     <p:sldId id="263" r:id="rId2"/>
   </p:sldIdLst>
-  <p:sldSz cx="12192000" cy="6858000"/>
+  <p:sldSz cx="7559675" cy="6119813"/>
   <p:notesSz cx="6858000" cy="9144000"/>
   <p:defaultTextStyle>
     <a:defPPr>
-      <a:defRPr lang="en-JP"/>
+      <a:defRPr lang="en-US"/>
     </a:defPPr>
-    <a:lvl1pPr marL="0" algn="l" defTabSz="914400" rtl="0" eaLnBrk="1" latinLnBrk="0" hangingPunct="1">
+    <a:lvl1pPr marL="0" algn="l" defTabSz="457200" rtl="0" eaLnBrk="1" latinLnBrk="0" hangingPunct="1">
       <a:defRPr sz="1800" kern="1200">
         <a:solidFill>
           <a:schemeClr val="tx1"/>
@@ -23,7 +23,7 @@
         <a:cs typeface="+mn-cs"/>
       </a:defRPr>
     </a:lvl1pPr>
-    <a:lvl2pPr marL="457200" algn="l" defTabSz="914400" rtl="0" eaLnBrk="1" latinLnBrk="0" hangingPunct="1">
+    <a:lvl2pPr marL="457200" algn="l" defTabSz="457200" rtl="0" eaLnBrk="1" latinLnBrk="0" hangingPunct="1">
       <a:defRPr sz="1800" kern="1200">
         <a:solidFill>
           <a:schemeClr val="tx1"/>
@@ -33,7 +33,7 @@
         <a:cs typeface="+mn-cs"/>
       </a:defRPr>
     </a:lvl2pPr>
-    <a:lvl3pPr marL="914400" algn="l" defTabSz="914400" rtl="0" eaLnBrk="1" latinLnBrk="0" hangingPunct="1">
+    <a:lvl3pPr marL="914400" algn="l" defTabSz="457200" rtl="0" eaLnBrk="1" latinLnBrk="0" hangingPunct="1">
       <a:defRPr sz="1800" kern="1200">
         <a:solidFill>
           <a:schemeClr val="tx1"/>
@@ -43,7 +43,7 @@
         <a:cs typeface="+mn-cs"/>
       </a:defRPr>
     </a:lvl3pPr>
-    <a:lvl4pPr marL="1371600" algn="l" defTabSz="914400" rtl="0" eaLnBrk="1" latinLnBrk="0" hangingPunct="1">
+    <a:lvl4pPr marL="1371600" algn="l" defTabSz="457200" rtl="0" eaLnBrk="1" latinLnBrk="0" hangingPunct="1">
       <a:defRPr sz="1800" kern="1200">
         <a:solidFill>
           <a:schemeClr val="tx1"/>
@@ -53,7 +53,7 @@
         <a:cs typeface="+mn-cs"/>
       </a:defRPr>
     </a:lvl4pPr>
-    <a:lvl5pPr marL="1828800" algn="l" defTabSz="914400" rtl="0" eaLnBrk="1" latinLnBrk="0" hangingPunct="1">
+    <a:lvl5pPr marL="1828800" algn="l" defTabSz="457200" rtl="0" eaLnBrk="1" latinLnBrk="0" hangingPunct="1">
       <a:defRPr sz="1800" kern="1200">
         <a:solidFill>
           <a:schemeClr val="tx1"/>
@@ -63,7 +63,7 @@
         <a:cs typeface="+mn-cs"/>
       </a:defRPr>
     </a:lvl5pPr>
-    <a:lvl6pPr marL="2286000" algn="l" defTabSz="914400" rtl="0" eaLnBrk="1" latinLnBrk="0" hangingPunct="1">
+    <a:lvl6pPr marL="2286000" algn="l" defTabSz="457200" rtl="0" eaLnBrk="1" latinLnBrk="0" hangingPunct="1">
       <a:defRPr sz="1800" kern="1200">
         <a:solidFill>
           <a:schemeClr val="tx1"/>
@@ -73,7 +73,7 @@
         <a:cs typeface="+mn-cs"/>
       </a:defRPr>
     </a:lvl6pPr>
-    <a:lvl7pPr marL="2743200" algn="l" defTabSz="914400" rtl="0" eaLnBrk="1" latinLnBrk="0" hangingPunct="1">
+    <a:lvl7pPr marL="2743200" algn="l" defTabSz="457200" rtl="0" eaLnBrk="1" latinLnBrk="0" hangingPunct="1">
       <a:defRPr sz="1800" kern="1200">
         <a:solidFill>
           <a:schemeClr val="tx1"/>
@@ -83,7 +83,7 @@
         <a:cs typeface="+mn-cs"/>
       </a:defRPr>
     </a:lvl7pPr>
-    <a:lvl8pPr marL="3200400" algn="l" defTabSz="914400" rtl="0" eaLnBrk="1" latinLnBrk="0" hangingPunct="1">
+    <a:lvl8pPr marL="3200400" algn="l" defTabSz="457200" rtl="0" eaLnBrk="1" latinLnBrk="0" hangingPunct="1">
       <a:defRPr sz="1800" kern="1200">
         <a:solidFill>
           <a:schemeClr val="tx1"/>
@@ -93,7 +93,7 @@
         <a:cs typeface="+mn-cs"/>
       </a:defRPr>
     </a:lvl8pPr>
-    <a:lvl9pPr marL="3657600" algn="l" defTabSz="914400" rtl="0" eaLnBrk="1" latinLnBrk="0" hangingPunct="1">
+    <a:lvl9pPr marL="3657600" algn="l" defTabSz="457200" rtl="0" eaLnBrk="1" latinLnBrk="0" hangingPunct="1">
       <a:defRPr sz="1800" kern="1200">
         <a:solidFill>
           <a:schemeClr val="tx1"/>
@@ -131,13 +131,7 @@
       </p:grpSpPr>
       <p:sp>
         <p:nvSpPr>
-          <p:cNvPr id="2" name="Title 1">
-            <a:extLst>
-              <a:ext uri="{FF2B5EF4-FFF2-40B4-BE49-F238E27FC236}">
-                <a16:creationId xmlns:a16="http://schemas.microsoft.com/office/drawing/2014/main" id="{EF0118B2-4837-9E4E-8E3D-63579515DA6A}"/>
-              </a:ext>
-            </a:extLst>
-          </p:cNvPr>
+          <p:cNvPr id="2" name="Title 1"/>
           <p:cNvSpPr>
             <a:spLocks noGrp="1"/>
           </p:cNvSpPr>
@@ -147,15 +141,15 @@
         </p:nvSpPr>
         <p:spPr>
           <a:xfrm>
-            <a:off x="1524000" y="1122363"/>
-            <a:ext cx="9144000" cy="2387600"/>
+            <a:off x="566976" y="1001553"/>
+            <a:ext cx="6425724" cy="2130602"/>
           </a:xfrm>
         </p:spPr>
         <p:txBody>
           <a:bodyPr anchor="b"/>
           <a:lstStyle>
             <a:lvl1pPr algn="ctr">
-              <a:defRPr sz="6000"/>
+              <a:defRPr sz="4960"/>
             </a:lvl1pPr>
           </a:lstStyle>
           <a:p>
@@ -163,19 +157,13 @@
               <a:rPr lang="en-US"/>
               <a:t>Click to edit Master title style</a:t>
             </a:r>
-            <a:endParaRPr lang="en-JP"/>
-          </a:p>
-        </p:txBody>
-      </p:sp>
-      <p:sp>
-        <p:nvSpPr>
-          <p:cNvPr id="3" name="Subtitle 2">
-            <a:extLst>
-              <a:ext uri="{FF2B5EF4-FFF2-40B4-BE49-F238E27FC236}">
-                <a16:creationId xmlns:a16="http://schemas.microsoft.com/office/drawing/2014/main" id="{DCF0CFF6-4F19-2147-BCEC-933E983F9F3C}"/>
-              </a:ext>
-            </a:extLst>
-          </p:cNvPr>
+            <a:endParaRPr lang="en-US" dirty="0"/>
+          </a:p>
+        </p:txBody>
+      </p:sp>
+      <p:sp>
+        <p:nvSpPr>
+          <p:cNvPr id="3" name="Subtitle 2"/>
           <p:cNvSpPr>
             <a:spLocks noGrp="1"/>
           </p:cNvSpPr>
@@ -185,8 +173,8 @@
         </p:nvSpPr>
         <p:spPr>
           <a:xfrm>
-            <a:off x="1524000" y="3602038"/>
-            <a:ext cx="9144000" cy="1655762"/>
+            <a:off x="944960" y="3214319"/>
+            <a:ext cx="5669756" cy="1477538"/>
           </a:xfrm>
         </p:spPr>
         <p:txBody>
@@ -194,39 +182,39 @@
           <a:lstStyle>
             <a:lvl1pPr marL="0" indent="0" algn="ctr">
               <a:buNone/>
-              <a:defRPr sz="2400"/>
+              <a:defRPr sz="1984"/>
             </a:lvl1pPr>
-            <a:lvl2pPr marL="457200" indent="0" algn="ctr">
-              <a:buNone/>
-              <a:defRPr sz="2000"/>
+            <a:lvl2pPr marL="377967" indent="0" algn="ctr">
+              <a:buNone/>
+              <a:defRPr sz="1653"/>
             </a:lvl2pPr>
-            <a:lvl3pPr marL="914400" indent="0" algn="ctr">
-              <a:buNone/>
-              <a:defRPr sz="1800"/>
+            <a:lvl3pPr marL="755934" indent="0" algn="ctr">
+              <a:buNone/>
+              <a:defRPr sz="1488"/>
             </a:lvl3pPr>
-            <a:lvl4pPr marL="1371600" indent="0" algn="ctr">
-              <a:buNone/>
-              <a:defRPr sz="1600"/>
+            <a:lvl4pPr marL="1133902" indent="0" algn="ctr">
+              <a:buNone/>
+              <a:defRPr sz="1323"/>
             </a:lvl4pPr>
-            <a:lvl5pPr marL="1828800" indent="0" algn="ctr">
-              <a:buNone/>
-              <a:defRPr sz="1600"/>
+            <a:lvl5pPr marL="1511869" indent="0" algn="ctr">
+              <a:buNone/>
+              <a:defRPr sz="1323"/>
             </a:lvl5pPr>
-            <a:lvl6pPr marL="2286000" indent="0" algn="ctr">
-              <a:buNone/>
-              <a:defRPr sz="1600"/>
+            <a:lvl6pPr marL="1889836" indent="0" algn="ctr">
+              <a:buNone/>
+              <a:defRPr sz="1323"/>
             </a:lvl6pPr>
-            <a:lvl7pPr marL="2743200" indent="0" algn="ctr">
-              <a:buNone/>
-              <a:defRPr sz="1600"/>
+            <a:lvl7pPr marL="2267803" indent="0" algn="ctr">
+              <a:buNone/>
+              <a:defRPr sz="1323"/>
             </a:lvl7pPr>
-            <a:lvl8pPr marL="3200400" indent="0" algn="ctr">
-              <a:buNone/>
-              <a:defRPr sz="1600"/>
+            <a:lvl8pPr marL="2645771" indent="0" algn="ctr">
+              <a:buNone/>
+              <a:defRPr sz="1323"/>
             </a:lvl8pPr>
-            <a:lvl9pPr marL="3657600" indent="0" algn="ctr">
-              <a:buNone/>
-              <a:defRPr sz="1600"/>
+            <a:lvl9pPr marL="3023738" indent="0" algn="ctr">
+              <a:buNone/>
+              <a:defRPr sz="1323"/>
             </a:lvl9pPr>
           </a:lstStyle>
           <a:p>
@@ -234,19 +222,13 @@
               <a:rPr lang="en-US"/>
               <a:t>Click to edit Master subtitle style</a:t>
             </a:r>
-            <a:endParaRPr lang="en-JP"/>
-          </a:p>
-        </p:txBody>
-      </p:sp>
-      <p:sp>
-        <p:nvSpPr>
-          <p:cNvPr id="4" name="Date Placeholder 3">
-            <a:extLst>
-              <a:ext uri="{FF2B5EF4-FFF2-40B4-BE49-F238E27FC236}">
-                <a16:creationId xmlns:a16="http://schemas.microsoft.com/office/drawing/2014/main" id="{1343A4E3-F02C-CB45-874C-92AA625CCFE5}"/>
-              </a:ext>
-            </a:extLst>
-          </p:cNvPr>
+            <a:endParaRPr lang="en-US" dirty="0"/>
+          </a:p>
+        </p:txBody>
+      </p:sp>
+      <p:sp>
+        <p:nvSpPr>
+          <p:cNvPr id="4" name="Date Placeholder 3"/>
           <p:cNvSpPr>
             <a:spLocks noGrp="1"/>
           </p:cNvSpPr>
@@ -269,13 +251,7 @@
       </p:sp>
       <p:sp>
         <p:nvSpPr>
-          <p:cNvPr id="5" name="Footer Placeholder 4">
-            <a:extLst>
-              <a:ext uri="{FF2B5EF4-FFF2-40B4-BE49-F238E27FC236}">
-                <a16:creationId xmlns:a16="http://schemas.microsoft.com/office/drawing/2014/main" id="{F01A6992-2E5C-7E41-B1A1-548E872FB06E}"/>
-              </a:ext>
-            </a:extLst>
-          </p:cNvPr>
+          <p:cNvPr id="5" name="Footer Placeholder 4"/>
           <p:cNvSpPr>
             <a:spLocks noGrp="1"/>
           </p:cNvSpPr>
@@ -294,13 +270,7 @@
       </p:sp>
       <p:sp>
         <p:nvSpPr>
-          <p:cNvPr id="6" name="Slide Number Placeholder 5">
-            <a:extLst>
-              <a:ext uri="{FF2B5EF4-FFF2-40B4-BE49-F238E27FC236}">
-                <a16:creationId xmlns:a16="http://schemas.microsoft.com/office/drawing/2014/main" id="{3766FAA6-ECC9-AC4E-9D6F-90E3765958B8}"/>
-              </a:ext>
-            </a:extLst>
-          </p:cNvPr>
+          <p:cNvPr id="6" name="Slide Number Placeholder 5"/>
           <p:cNvSpPr>
             <a:spLocks noGrp="1"/>
           </p:cNvSpPr>
@@ -324,7 +294,7 @@
     </p:spTree>
     <p:extLst>
       <p:ext uri="{BB962C8B-B14F-4D97-AF65-F5344CB8AC3E}">
-        <p14:creationId xmlns:p14="http://schemas.microsoft.com/office/powerpoint/2010/main" val="3038654928"/>
+        <p14:creationId xmlns:p14="http://schemas.microsoft.com/office/powerpoint/2010/main" val="255741918"/>
       </p:ext>
     </p:extLst>
   </p:cSld>
@@ -353,13 +323,7 @@
       </p:grpSpPr>
       <p:sp>
         <p:nvSpPr>
-          <p:cNvPr id="2" name="Title 1">
-            <a:extLst>
-              <a:ext uri="{FF2B5EF4-FFF2-40B4-BE49-F238E27FC236}">
-                <a16:creationId xmlns:a16="http://schemas.microsoft.com/office/drawing/2014/main" id="{BDDB0E66-7C6A-424B-A219-05E6E12EE45F}"/>
-              </a:ext>
-            </a:extLst>
-          </p:cNvPr>
+          <p:cNvPr id="2" name="Title 1"/>
           <p:cNvSpPr>
             <a:spLocks noGrp="1"/>
           </p:cNvSpPr>
@@ -376,19 +340,13 @@
               <a:rPr lang="en-US"/>
               <a:t>Click to edit Master title style</a:t>
             </a:r>
-            <a:endParaRPr lang="en-JP"/>
-          </a:p>
-        </p:txBody>
-      </p:sp>
-      <p:sp>
-        <p:nvSpPr>
-          <p:cNvPr id="3" name="Vertical Text Placeholder 2">
-            <a:extLst>
-              <a:ext uri="{FF2B5EF4-FFF2-40B4-BE49-F238E27FC236}">
-                <a16:creationId xmlns:a16="http://schemas.microsoft.com/office/drawing/2014/main" id="{77232823-10AB-B640-976B-15AEB6EAC858}"/>
-              </a:ext>
-            </a:extLst>
-          </p:cNvPr>
+            <a:endParaRPr lang="en-US" dirty="0"/>
+          </a:p>
+        </p:txBody>
+      </p:sp>
+      <p:sp>
+        <p:nvSpPr>
+          <p:cNvPr id="3" name="Vertical Text Placeholder 2"/>
           <p:cNvSpPr>
             <a:spLocks noGrp="1"/>
           </p:cNvSpPr>
@@ -434,19 +392,13 @@
               <a:rPr lang="en-US"/>
               <a:t>Fifth level</a:t>
             </a:r>
-            <a:endParaRPr lang="en-JP"/>
-          </a:p>
-        </p:txBody>
-      </p:sp>
-      <p:sp>
-        <p:nvSpPr>
-          <p:cNvPr id="4" name="Date Placeholder 3">
-            <a:extLst>
-              <a:ext uri="{FF2B5EF4-FFF2-40B4-BE49-F238E27FC236}">
-                <a16:creationId xmlns:a16="http://schemas.microsoft.com/office/drawing/2014/main" id="{79B0EF92-4C20-9940-92F5-DC47880C712E}"/>
-              </a:ext>
-            </a:extLst>
-          </p:cNvPr>
+            <a:endParaRPr lang="en-US" dirty="0"/>
+          </a:p>
+        </p:txBody>
+      </p:sp>
+      <p:sp>
+        <p:nvSpPr>
+          <p:cNvPr id="4" name="Date Placeholder 3"/>
           <p:cNvSpPr>
             <a:spLocks noGrp="1"/>
           </p:cNvSpPr>
@@ -469,13 +421,7 @@
       </p:sp>
       <p:sp>
         <p:nvSpPr>
-          <p:cNvPr id="5" name="Footer Placeholder 4">
-            <a:extLst>
-              <a:ext uri="{FF2B5EF4-FFF2-40B4-BE49-F238E27FC236}">
-                <a16:creationId xmlns:a16="http://schemas.microsoft.com/office/drawing/2014/main" id="{58BAE223-B920-1C43-A08A-66A6F33E20B4}"/>
-              </a:ext>
-            </a:extLst>
-          </p:cNvPr>
+          <p:cNvPr id="5" name="Footer Placeholder 4"/>
           <p:cNvSpPr>
             <a:spLocks noGrp="1"/>
           </p:cNvSpPr>
@@ -494,13 +440,7 @@
       </p:sp>
       <p:sp>
         <p:nvSpPr>
-          <p:cNvPr id="6" name="Slide Number Placeholder 5">
-            <a:extLst>
-              <a:ext uri="{FF2B5EF4-FFF2-40B4-BE49-F238E27FC236}">
-                <a16:creationId xmlns:a16="http://schemas.microsoft.com/office/drawing/2014/main" id="{5121763C-E9C7-7649-AFF2-F5AB8460B24C}"/>
-              </a:ext>
-            </a:extLst>
-          </p:cNvPr>
+          <p:cNvPr id="6" name="Slide Number Placeholder 5"/>
           <p:cNvSpPr>
             <a:spLocks noGrp="1"/>
           </p:cNvSpPr>
@@ -524,7 +464,7 @@
     </p:spTree>
     <p:extLst>
       <p:ext uri="{BB962C8B-B14F-4D97-AF65-F5344CB8AC3E}">
-        <p14:creationId xmlns:p14="http://schemas.microsoft.com/office/powerpoint/2010/main" val="4008353067"/>
+        <p14:creationId xmlns:p14="http://schemas.microsoft.com/office/powerpoint/2010/main" val="702684901"/>
       </p:ext>
     </p:extLst>
   </p:cSld>
@@ -553,13 +493,7 @@
       </p:grpSpPr>
       <p:sp>
         <p:nvSpPr>
-          <p:cNvPr id="2" name="Vertical Title 1">
-            <a:extLst>
-              <a:ext uri="{FF2B5EF4-FFF2-40B4-BE49-F238E27FC236}">
-                <a16:creationId xmlns:a16="http://schemas.microsoft.com/office/drawing/2014/main" id="{E4B49962-7B5D-EE47-919B-04CD0DFE4075}"/>
-              </a:ext>
-            </a:extLst>
-          </p:cNvPr>
+          <p:cNvPr id="2" name="Vertical Title 1"/>
           <p:cNvSpPr>
             <a:spLocks noGrp="1"/>
           </p:cNvSpPr>
@@ -569,8 +503,8 @@
         </p:nvSpPr>
         <p:spPr>
           <a:xfrm>
-            <a:off x="8724900" y="365125"/>
-            <a:ext cx="2628900" cy="5811838"/>
+            <a:off x="5409893" y="325823"/>
+            <a:ext cx="1630055" cy="5186259"/>
           </a:xfrm>
         </p:spPr>
         <p:txBody>
@@ -581,19 +515,13 @@
               <a:rPr lang="en-US"/>
               <a:t>Click to edit Master title style</a:t>
             </a:r>
-            <a:endParaRPr lang="en-JP"/>
-          </a:p>
-        </p:txBody>
-      </p:sp>
-      <p:sp>
-        <p:nvSpPr>
-          <p:cNvPr id="3" name="Vertical Text Placeholder 2">
-            <a:extLst>
-              <a:ext uri="{FF2B5EF4-FFF2-40B4-BE49-F238E27FC236}">
-                <a16:creationId xmlns:a16="http://schemas.microsoft.com/office/drawing/2014/main" id="{DABB3AFC-C903-4B40-8C6B-D45404D4D2D4}"/>
-              </a:ext>
-            </a:extLst>
-          </p:cNvPr>
+            <a:endParaRPr lang="en-US" dirty="0"/>
+          </a:p>
+        </p:txBody>
+      </p:sp>
+      <p:sp>
+        <p:nvSpPr>
+          <p:cNvPr id="3" name="Vertical Text Placeholder 2"/>
           <p:cNvSpPr>
             <a:spLocks noGrp="1"/>
           </p:cNvSpPr>
@@ -603,8 +531,8 @@
         </p:nvSpPr>
         <p:spPr>
           <a:xfrm>
-            <a:off x="838200" y="365125"/>
-            <a:ext cx="7734300" cy="5811838"/>
+            <a:off x="519728" y="325823"/>
+            <a:ext cx="4795669" cy="5186259"/>
           </a:xfrm>
         </p:spPr>
         <p:txBody>
@@ -644,19 +572,13 @@
               <a:rPr lang="en-US"/>
               <a:t>Fifth level</a:t>
             </a:r>
-            <a:endParaRPr lang="en-JP"/>
-          </a:p>
-        </p:txBody>
-      </p:sp>
-      <p:sp>
-        <p:nvSpPr>
-          <p:cNvPr id="4" name="Date Placeholder 3">
-            <a:extLst>
-              <a:ext uri="{FF2B5EF4-FFF2-40B4-BE49-F238E27FC236}">
-                <a16:creationId xmlns:a16="http://schemas.microsoft.com/office/drawing/2014/main" id="{09776833-F4FD-AF44-9027-9D79E902831D}"/>
-              </a:ext>
-            </a:extLst>
-          </p:cNvPr>
+            <a:endParaRPr lang="en-US" dirty="0"/>
+          </a:p>
+        </p:txBody>
+      </p:sp>
+      <p:sp>
+        <p:nvSpPr>
+          <p:cNvPr id="4" name="Date Placeholder 3"/>
           <p:cNvSpPr>
             <a:spLocks noGrp="1"/>
           </p:cNvSpPr>
@@ -679,13 +601,7 @@
       </p:sp>
       <p:sp>
         <p:nvSpPr>
-          <p:cNvPr id="5" name="Footer Placeholder 4">
-            <a:extLst>
-              <a:ext uri="{FF2B5EF4-FFF2-40B4-BE49-F238E27FC236}">
-                <a16:creationId xmlns:a16="http://schemas.microsoft.com/office/drawing/2014/main" id="{0513B306-B3D0-DB42-8C5D-EBBF924CB3D9}"/>
-              </a:ext>
-            </a:extLst>
-          </p:cNvPr>
+          <p:cNvPr id="5" name="Footer Placeholder 4"/>
           <p:cNvSpPr>
             <a:spLocks noGrp="1"/>
           </p:cNvSpPr>
@@ -704,13 +620,7 @@
       </p:sp>
       <p:sp>
         <p:nvSpPr>
-          <p:cNvPr id="6" name="Slide Number Placeholder 5">
-            <a:extLst>
-              <a:ext uri="{FF2B5EF4-FFF2-40B4-BE49-F238E27FC236}">
-                <a16:creationId xmlns:a16="http://schemas.microsoft.com/office/drawing/2014/main" id="{C6046717-0347-714F-8E88-98C0647C12AA}"/>
-              </a:ext>
-            </a:extLst>
-          </p:cNvPr>
+          <p:cNvPr id="6" name="Slide Number Placeholder 5"/>
           <p:cNvSpPr>
             <a:spLocks noGrp="1"/>
           </p:cNvSpPr>
@@ -734,7 +644,7 @@
     </p:spTree>
     <p:extLst>
       <p:ext uri="{BB962C8B-B14F-4D97-AF65-F5344CB8AC3E}">
-        <p14:creationId xmlns:p14="http://schemas.microsoft.com/office/powerpoint/2010/main" val="4293235733"/>
+        <p14:creationId xmlns:p14="http://schemas.microsoft.com/office/powerpoint/2010/main" val="219160631"/>
       </p:ext>
     </p:extLst>
   </p:cSld>
@@ -763,13 +673,7 @@
       </p:grpSpPr>
       <p:sp>
         <p:nvSpPr>
-          <p:cNvPr id="2" name="Title 1">
-            <a:extLst>
-              <a:ext uri="{FF2B5EF4-FFF2-40B4-BE49-F238E27FC236}">
-                <a16:creationId xmlns:a16="http://schemas.microsoft.com/office/drawing/2014/main" id="{AC7DB820-44E2-CB42-90BD-CAFAB17C9F8A}"/>
-              </a:ext>
-            </a:extLst>
-          </p:cNvPr>
+          <p:cNvPr id="2" name="Title 1"/>
           <p:cNvSpPr>
             <a:spLocks noGrp="1"/>
           </p:cNvSpPr>
@@ -786,19 +690,13 @@
               <a:rPr lang="en-US"/>
               <a:t>Click to edit Master title style</a:t>
             </a:r>
-            <a:endParaRPr lang="en-JP"/>
-          </a:p>
-        </p:txBody>
-      </p:sp>
-      <p:sp>
-        <p:nvSpPr>
-          <p:cNvPr id="3" name="Content Placeholder 2">
-            <a:extLst>
-              <a:ext uri="{FF2B5EF4-FFF2-40B4-BE49-F238E27FC236}">
-                <a16:creationId xmlns:a16="http://schemas.microsoft.com/office/drawing/2014/main" id="{2D0E4018-63D9-3046-9080-51BB7B479D3C}"/>
-              </a:ext>
-            </a:extLst>
-          </p:cNvPr>
+            <a:endParaRPr lang="en-US" dirty="0"/>
+          </a:p>
+        </p:txBody>
+      </p:sp>
+      <p:sp>
+        <p:nvSpPr>
+          <p:cNvPr id="3" name="Content Placeholder 2"/>
           <p:cNvSpPr>
             <a:spLocks noGrp="1"/>
           </p:cNvSpPr>
@@ -844,19 +742,13 @@
               <a:rPr lang="en-US"/>
               <a:t>Fifth level</a:t>
             </a:r>
-            <a:endParaRPr lang="en-JP"/>
-          </a:p>
-        </p:txBody>
-      </p:sp>
-      <p:sp>
-        <p:nvSpPr>
-          <p:cNvPr id="4" name="Date Placeholder 3">
-            <a:extLst>
-              <a:ext uri="{FF2B5EF4-FFF2-40B4-BE49-F238E27FC236}">
-                <a16:creationId xmlns:a16="http://schemas.microsoft.com/office/drawing/2014/main" id="{0BB49F89-7586-8042-8EB5-31BAD2671FCB}"/>
-              </a:ext>
-            </a:extLst>
-          </p:cNvPr>
+            <a:endParaRPr lang="en-US" dirty="0"/>
+          </a:p>
+        </p:txBody>
+      </p:sp>
+      <p:sp>
+        <p:nvSpPr>
+          <p:cNvPr id="4" name="Date Placeholder 3"/>
           <p:cNvSpPr>
             <a:spLocks noGrp="1"/>
           </p:cNvSpPr>
@@ -879,13 +771,7 @@
       </p:sp>
       <p:sp>
         <p:nvSpPr>
-          <p:cNvPr id="5" name="Footer Placeholder 4">
-            <a:extLst>
-              <a:ext uri="{FF2B5EF4-FFF2-40B4-BE49-F238E27FC236}">
-                <a16:creationId xmlns:a16="http://schemas.microsoft.com/office/drawing/2014/main" id="{70531C79-A6A2-DD49-B44E-CFBE563EC9E8}"/>
-              </a:ext>
-            </a:extLst>
-          </p:cNvPr>
+          <p:cNvPr id="5" name="Footer Placeholder 4"/>
           <p:cNvSpPr>
             <a:spLocks noGrp="1"/>
           </p:cNvSpPr>
@@ -904,13 +790,7 @@
       </p:sp>
       <p:sp>
         <p:nvSpPr>
-          <p:cNvPr id="6" name="Slide Number Placeholder 5">
-            <a:extLst>
-              <a:ext uri="{FF2B5EF4-FFF2-40B4-BE49-F238E27FC236}">
-                <a16:creationId xmlns:a16="http://schemas.microsoft.com/office/drawing/2014/main" id="{AB2716B3-63D8-1F40-89CF-5CA38D1A2F9C}"/>
-              </a:ext>
-            </a:extLst>
-          </p:cNvPr>
+          <p:cNvPr id="6" name="Slide Number Placeholder 5"/>
           <p:cNvSpPr>
             <a:spLocks noGrp="1"/>
           </p:cNvSpPr>
@@ -934,7 +814,7 @@
     </p:spTree>
     <p:extLst>
       <p:ext uri="{BB962C8B-B14F-4D97-AF65-F5344CB8AC3E}">
-        <p14:creationId xmlns:p14="http://schemas.microsoft.com/office/powerpoint/2010/main" val="1028189629"/>
+        <p14:creationId xmlns:p14="http://schemas.microsoft.com/office/powerpoint/2010/main" val="1082578785"/>
       </p:ext>
     </p:extLst>
   </p:cSld>
@@ -963,13 +843,7 @@
       </p:grpSpPr>
       <p:sp>
         <p:nvSpPr>
-          <p:cNvPr id="2" name="Title 1">
-            <a:extLst>
-              <a:ext uri="{FF2B5EF4-FFF2-40B4-BE49-F238E27FC236}">
-                <a16:creationId xmlns:a16="http://schemas.microsoft.com/office/drawing/2014/main" id="{EA715364-BE7C-134F-87B4-8214F7843784}"/>
-              </a:ext>
-            </a:extLst>
-          </p:cNvPr>
+          <p:cNvPr id="2" name="Title 1"/>
           <p:cNvSpPr>
             <a:spLocks noGrp="1"/>
           </p:cNvSpPr>
@@ -979,15 +853,15 @@
         </p:nvSpPr>
         <p:spPr>
           <a:xfrm>
-            <a:off x="831850" y="1709738"/>
-            <a:ext cx="10515600" cy="2852737"/>
+            <a:off x="515791" y="1525705"/>
+            <a:ext cx="6520220" cy="2545672"/>
           </a:xfrm>
         </p:spPr>
         <p:txBody>
           <a:bodyPr anchor="b"/>
           <a:lstStyle>
             <a:lvl1pPr>
-              <a:defRPr sz="6000"/>
+              <a:defRPr sz="4960"/>
             </a:lvl1pPr>
           </a:lstStyle>
           <a:p>
@@ -995,19 +869,13 @@
               <a:rPr lang="en-US"/>
               <a:t>Click to edit Master title style</a:t>
             </a:r>
-            <a:endParaRPr lang="en-JP"/>
-          </a:p>
-        </p:txBody>
-      </p:sp>
-      <p:sp>
-        <p:nvSpPr>
-          <p:cNvPr id="3" name="Text Placeholder 2">
-            <a:extLst>
-              <a:ext uri="{FF2B5EF4-FFF2-40B4-BE49-F238E27FC236}">
-                <a16:creationId xmlns:a16="http://schemas.microsoft.com/office/drawing/2014/main" id="{708A2478-3479-DA47-8CBD-4E4DCA46F98A}"/>
-              </a:ext>
-            </a:extLst>
-          </p:cNvPr>
+            <a:endParaRPr lang="en-US" dirty="0"/>
+          </a:p>
+        </p:txBody>
+      </p:sp>
+      <p:sp>
+        <p:nvSpPr>
+          <p:cNvPr id="3" name="Text Placeholder 2"/>
           <p:cNvSpPr>
             <a:spLocks noGrp="1"/>
           </p:cNvSpPr>
@@ -1017,8 +885,8 @@
         </p:nvSpPr>
         <p:spPr>
           <a:xfrm>
-            <a:off x="831850" y="4589463"/>
-            <a:ext cx="10515600" cy="1500187"/>
+            <a:off x="515791" y="4095460"/>
+            <a:ext cx="6520220" cy="1338709"/>
           </a:xfrm>
         </p:spPr>
         <p:txBody>
@@ -1026,17 +894,15 @@
           <a:lstStyle>
             <a:lvl1pPr marL="0" indent="0">
               <a:buNone/>
-              <a:defRPr sz="2400">
+              <a:defRPr sz="1984">
                 <a:solidFill>
-                  <a:schemeClr val="tx1">
-                    <a:tint val="75000"/>
-                  </a:schemeClr>
+                  <a:schemeClr val="tx1"/>
                 </a:solidFill>
               </a:defRPr>
             </a:lvl1pPr>
-            <a:lvl2pPr marL="457200" indent="0">
-              <a:buNone/>
-              <a:defRPr sz="2000">
+            <a:lvl2pPr marL="377967" indent="0">
+              <a:buNone/>
+              <a:defRPr sz="1653">
                 <a:solidFill>
                   <a:schemeClr val="tx1">
                     <a:tint val="75000"/>
@@ -1044,9 +910,9 @@
                 </a:solidFill>
               </a:defRPr>
             </a:lvl2pPr>
-            <a:lvl3pPr marL="914400" indent="0">
-              <a:buNone/>
-              <a:defRPr sz="1800">
+            <a:lvl3pPr marL="755934" indent="0">
+              <a:buNone/>
+              <a:defRPr sz="1488">
                 <a:solidFill>
                   <a:schemeClr val="tx1">
                     <a:tint val="75000"/>
@@ -1054,9 +920,9 @@
                 </a:solidFill>
               </a:defRPr>
             </a:lvl3pPr>
-            <a:lvl4pPr marL="1371600" indent="0">
-              <a:buNone/>
-              <a:defRPr sz="1600">
+            <a:lvl4pPr marL="1133902" indent="0">
+              <a:buNone/>
+              <a:defRPr sz="1323">
                 <a:solidFill>
                   <a:schemeClr val="tx1">
                     <a:tint val="75000"/>
@@ -1064,9 +930,9 @@
                 </a:solidFill>
               </a:defRPr>
             </a:lvl4pPr>
-            <a:lvl5pPr marL="1828800" indent="0">
-              <a:buNone/>
-              <a:defRPr sz="1600">
+            <a:lvl5pPr marL="1511869" indent="0">
+              <a:buNone/>
+              <a:defRPr sz="1323">
                 <a:solidFill>
                   <a:schemeClr val="tx1">
                     <a:tint val="75000"/>
@@ -1074,9 +940,9 @@
                 </a:solidFill>
               </a:defRPr>
             </a:lvl5pPr>
-            <a:lvl6pPr marL="2286000" indent="0">
-              <a:buNone/>
-              <a:defRPr sz="1600">
+            <a:lvl6pPr marL="1889836" indent="0">
+              <a:buNone/>
+              <a:defRPr sz="1323">
                 <a:solidFill>
                   <a:schemeClr val="tx1">
                     <a:tint val="75000"/>
@@ -1084,9 +950,9 @@
                 </a:solidFill>
               </a:defRPr>
             </a:lvl6pPr>
-            <a:lvl7pPr marL="2743200" indent="0">
-              <a:buNone/>
-              <a:defRPr sz="1600">
+            <a:lvl7pPr marL="2267803" indent="0">
+              <a:buNone/>
+              <a:defRPr sz="1323">
                 <a:solidFill>
                   <a:schemeClr val="tx1">
                     <a:tint val="75000"/>
@@ -1094,9 +960,9 @@
                 </a:solidFill>
               </a:defRPr>
             </a:lvl7pPr>
-            <a:lvl8pPr marL="3200400" indent="0">
-              <a:buNone/>
-              <a:defRPr sz="1600">
+            <a:lvl8pPr marL="2645771" indent="0">
+              <a:buNone/>
+              <a:defRPr sz="1323">
                 <a:solidFill>
                   <a:schemeClr val="tx1">
                     <a:tint val="75000"/>
@@ -1104,9 +970,9 @@
                 </a:solidFill>
               </a:defRPr>
             </a:lvl8pPr>
-            <a:lvl9pPr marL="3657600" indent="0">
-              <a:buNone/>
-              <a:defRPr sz="1600">
+            <a:lvl9pPr marL="3023738" indent="0">
+              <a:buNone/>
+              <a:defRPr sz="1323">
                 <a:solidFill>
                   <a:schemeClr val="tx1">
                     <a:tint val="75000"/>
@@ -1126,13 +992,7 @@
       </p:sp>
       <p:sp>
         <p:nvSpPr>
-          <p:cNvPr id="4" name="Date Placeholder 3">
-            <a:extLst>
-              <a:ext uri="{FF2B5EF4-FFF2-40B4-BE49-F238E27FC236}">
-                <a16:creationId xmlns:a16="http://schemas.microsoft.com/office/drawing/2014/main" id="{A72567BC-4EDC-E942-8D2B-7CB5A6B068E2}"/>
-              </a:ext>
-            </a:extLst>
-          </p:cNvPr>
+          <p:cNvPr id="4" name="Date Placeholder 3"/>
           <p:cNvSpPr>
             <a:spLocks noGrp="1"/>
           </p:cNvSpPr>
@@ -1155,13 +1015,7 @@
       </p:sp>
       <p:sp>
         <p:nvSpPr>
-          <p:cNvPr id="5" name="Footer Placeholder 4">
-            <a:extLst>
-              <a:ext uri="{FF2B5EF4-FFF2-40B4-BE49-F238E27FC236}">
-                <a16:creationId xmlns:a16="http://schemas.microsoft.com/office/drawing/2014/main" id="{EC4E3F49-8F84-514A-BF1A-6E9D493C6368}"/>
-              </a:ext>
-            </a:extLst>
-          </p:cNvPr>
+          <p:cNvPr id="5" name="Footer Placeholder 4"/>
           <p:cNvSpPr>
             <a:spLocks noGrp="1"/>
           </p:cNvSpPr>
@@ -1180,13 +1034,7 @@
       </p:sp>
       <p:sp>
         <p:nvSpPr>
-          <p:cNvPr id="6" name="Slide Number Placeholder 5">
-            <a:extLst>
-              <a:ext uri="{FF2B5EF4-FFF2-40B4-BE49-F238E27FC236}">
-                <a16:creationId xmlns:a16="http://schemas.microsoft.com/office/drawing/2014/main" id="{EBEC0777-A00A-8747-9326-D2FED0328D9F}"/>
-              </a:ext>
-            </a:extLst>
-          </p:cNvPr>
+          <p:cNvPr id="6" name="Slide Number Placeholder 5"/>
           <p:cNvSpPr>
             <a:spLocks noGrp="1"/>
           </p:cNvSpPr>
@@ -1210,7 +1058,7 @@
     </p:spTree>
     <p:extLst>
       <p:ext uri="{BB962C8B-B14F-4D97-AF65-F5344CB8AC3E}">
-        <p14:creationId xmlns:p14="http://schemas.microsoft.com/office/powerpoint/2010/main" val="1010676913"/>
+        <p14:creationId xmlns:p14="http://schemas.microsoft.com/office/powerpoint/2010/main" val="2387755098"/>
       </p:ext>
     </p:extLst>
   </p:cSld>
@@ -1239,13 +1087,7 @@
       </p:grpSpPr>
       <p:sp>
         <p:nvSpPr>
-          <p:cNvPr id="2" name="Title 1">
-            <a:extLst>
-              <a:ext uri="{FF2B5EF4-FFF2-40B4-BE49-F238E27FC236}">
-                <a16:creationId xmlns:a16="http://schemas.microsoft.com/office/drawing/2014/main" id="{DD49ED41-9222-DE41-A088-4E1784A803E0}"/>
-              </a:ext>
-            </a:extLst>
-          </p:cNvPr>
+          <p:cNvPr id="2" name="Title 1"/>
           <p:cNvSpPr>
             <a:spLocks noGrp="1"/>
           </p:cNvSpPr>
@@ -1262,19 +1104,13 @@
               <a:rPr lang="en-US"/>
               <a:t>Click to edit Master title style</a:t>
             </a:r>
-            <a:endParaRPr lang="en-JP"/>
-          </a:p>
-        </p:txBody>
-      </p:sp>
-      <p:sp>
-        <p:nvSpPr>
-          <p:cNvPr id="3" name="Content Placeholder 2">
-            <a:extLst>
-              <a:ext uri="{FF2B5EF4-FFF2-40B4-BE49-F238E27FC236}">
-                <a16:creationId xmlns:a16="http://schemas.microsoft.com/office/drawing/2014/main" id="{91D6A721-7118-9E49-8D26-8889B3B1AFF3}"/>
-              </a:ext>
-            </a:extLst>
-          </p:cNvPr>
+            <a:endParaRPr lang="en-US" dirty="0"/>
+          </a:p>
+        </p:txBody>
+      </p:sp>
+      <p:sp>
+        <p:nvSpPr>
+          <p:cNvPr id="3" name="Content Placeholder 2"/>
           <p:cNvSpPr>
             <a:spLocks noGrp="1"/>
           </p:cNvSpPr>
@@ -1284,8 +1120,8 @@
         </p:nvSpPr>
         <p:spPr>
           <a:xfrm>
-            <a:off x="838200" y="1825625"/>
-            <a:ext cx="5181600" cy="4351338"/>
+            <a:off x="519728" y="1629117"/>
+            <a:ext cx="3212862" cy="3882965"/>
           </a:xfrm>
         </p:spPr>
         <p:txBody>
@@ -1325,19 +1161,13 @@
               <a:rPr lang="en-US"/>
               <a:t>Fifth level</a:t>
             </a:r>
-            <a:endParaRPr lang="en-JP"/>
-          </a:p>
-        </p:txBody>
-      </p:sp>
-      <p:sp>
-        <p:nvSpPr>
-          <p:cNvPr id="4" name="Content Placeholder 3">
-            <a:extLst>
-              <a:ext uri="{FF2B5EF4-FFF2-40B4-BE49-F238E27FC236}">
-                <a16:creationId xmlns:a16="http://schemas.microsoft.com/office/drawing/2014/main" id="{5A59C0CB-87D9-CF42-8DDB-C33C3E2FDD61}"/>
-              </a:ext>
-            </a:extLst>
-          </p:cNvPr>
+            <a:endParaRPr lang="en-US" dirty="0"/>
+          </a:p>
+        </p:txBody>
+      </p:sp>
+      <p:sp>
+        <p:nvSpPr>
+          <p:cNvPr id="4" name="Content Placeholder 3"/>
           <p:cNvSpPr>
             <a:spLocks noGrp="1"/>
           </p:cNvSpPr>
@@ -1347,8 +1177,8 @@
         </p:nvSpPr>
         <p:spPr>
           <a:xfrm>
-            <a:off x="6172200" y="1825625"/>
-            <a:ext cx="5181600" cy="4351338"/>
+            <a:off x="3827085" y="1629117"/>
+            <a:ext cx="3212862" cy="3882965"/>
           </a:xfrm>
         </p:spPr>
         <p:txBody>
@@ -1388,19 +1218,13 @@
               <a:rPr lang="en-US"/>
               <a:t>Fifth level</a:t>
             </a:r>
-            <a:endParaRPr lang="en-JP"/>
-          </a:p>
-        </p:txBody>
-      </p:sp>
-      <p:sp>
-        <p:nvSpPr>
-          <p:cNvPr id="5" name="Date Placeholder 4">
-            <a:extLst>
-              <a:ext uri="{FF2B5EF4-FFF2-40B4-BE49-F238E27FC236}">
-                <a16:creationId xmlns:a16="http://schemas.microsoft.com/office/drawing/2014/main" id="{3EE56B57-41D9-5744-9907-D6A62D0E525A}"/>
-              </a:ext>
-            </a:extLst>
-          </p:cNvPr>
+            <a:endParaRPr lang="en-US" dirty="0"/>
+          </a:p>
+        </p:txBody>
+      </p:sp>
+      <p:sp>
+        <p:nvSpPr>
+          <p:cNvPr id="5" name="Date Placeholder 4"/>
           <p:cNvSpPr>
             <a:spLocks noGrp="1"/>
           </p:cNvSpPr>
@@ -1423,13 +1247,7 @@
       </p:sp>
       <p:sp>
         <p:nvSpPr>
-          <p:cNvPr id="6" name="Footer Placeholder 5">
-            <a:extLst>
-              <a:ext uri="{FF2B5EF4-FFF2-40B4-BE49-F238E27FC236}">
-                <a16:creationId xmlns:a16="http://schemas.microsoft.com/office/drawing/2014/main" id="{E221D2B7-930B-3F43-A76E-E9245F6BA5AE}"/>
-              </a:ext>
-            </a:extLst>
-          </p:cNvPr>
+          <p:cNvPr id="6" name="Footer Placeholder 5"/>
           <p:cNvSpPr>
             <a:spLocks noGrp="1"/>
           </p:cNvSpPr>
@@ -1448,13 +1266,7 @@
       </p:sp>
       <p:sp>
         <p:nvSpPr>
-          <p:cNvPr id="7" name="Slide Number Placeholder 6">
-            <a:extLst>
-              <a:ext uri="{FF2B5EF4-FFF2-40B4-BE49-F238E27FC236}">
-                <a16:creationId xmlns:a16="http://schemas.microsoft.com/office/drawing/2014/main" id="{3E497BD2-2DBA-3C40-9DFB-EF69AC952D58}"/>
-              </a:ext>
-            </a:extLst>
-          </p:cNvPr>
+          <p:cNvPr id="7" name="Slide Number Placeholder 6"/>
           <p:cNvSpPr>
             <a:spLocks noGrp="1"/>
           </p:cNvSpPr>
@@ -1478,7 +1290,7 @@
     </p:spTree>
     <p:extLst>
       <p:ext uri="{BB962C8B-B14F-4D97-AF65-F5344CB8AC3E}">
-        <p14:creationId xmlns:p14="http://schemas.microsoft.com/office/powerpoint/2010/main" val="1055183923"/>
+        <p14:creationId xmlns:p14="http://schemas.microsoft.com/office/powerpoint/2010/main" val="1041005525"/>
       </p:ext>
     </p:extLst>
   </p:cSld>
@@ -1507,13 +1319,7 @@
       </p:grpSpPr>
       <p:sp>
         <p:nvSpPr>
-          <p:cNvPr id="2" name="Title 1">
-            <a:extLst>
-              <a:ext uri="{FF2B5EF4-FFF2-40B4-BE49-F238E27FC236}">
-                <a16:creationId xmlns:a16="http://schemas.microsoft.com/office/drawing/2014/main" id="{15DDB922-6C10-4445-8E81-12963FE73E98}"/>
-              </a:ext>
-            </a:extLst>
-          </p:cNvPr>
+          <p:cNvPr id="2" name="Title 1"/>
           <p:cNvSpPr>
             <a:spLocks noGrp="1"/>
           </p:cNvSpPr>
@@ -1523,8 +1329,8 @@
         </p:nvSpPr>
         <p:spPr>
           <a:xfrm>
-            <a:off x="839788" y="365125"/>
-            <a:ext cx="10515600" cy="1325563"/>
+            <a:off x="520712" y="325825"/>
+            <a:ext cx="6520220" cy="1182881"/>
           </a:xfrm>
         </p:spPr>
         <p:txBody>
@@ -1535,19 +1341,13 @@
               <a:rPr lang="en-US"/>
               <a:t>Click to edit Master title style</a:t>
             </a:r>
-            <a:endParaRPr lang="en-JP"/>
-          </a:p>
-        </p:txBody>
-      </p:sp>
-      <p:sp>
-        <p:nvSpPr>
-          <p:cNvPr id="3" name="Text Placeholder 2">
-            <a:extLst>
-              <a:ext uri="{FF2B5EF4-FFF2-40B4-BE49-F238E27FC236}">
-                <a16:creationId xmlns:a16="http://schemas.microsoft.com/office/drawing/2014/main" id="{CEA4265A-DD17-0944-BDCD-870DDA274F9B}"/>
-              </a:ext>
-            </a:extLst>
-          </p:cNvPr>
+            <a:endParaRPr lang="en-US" dirty="0"/>
+          </a:p>
+        </p:txBody>
+      </p:sp>
+      <p:sp>
+        <p:nvSpPr>
+          <p:cNvPr id="3" name="Text Placeholder 2"/>
           <p:cNvSpPr>
             <a:spLocks noGrp="1"/>
           </p:cNvSpPr>
@@ -1557,8 +1357,8 @@
         </p:nvSpPr>
         <p:spPr>
           <a:xfrm>
-            <a:off x="839788" y="1681163"/>
-            <a:ext cx="5157787" cy="823912"/>
+            <a:off x="520713" y="1500205"/>
+            <a:ext cx="3198096" cy="735227"/>
           </a:xfrm>
         </p:spPr>
         <p:txBody>
@@ -1566,39 +1366,39 @@
           <a:lstStyle>
             <a:lvl1pPr marL="0" indent="0">
               <a:buNone/>
-              <a:defRPr sz="2400" b="1"/>
+              <a:defRPr sz="1984" b="1"/>
             </a:lvl1pPr>
-            <a:lvl2pPr marL="457200" indent="0">
-              <a:buNone/>
-              <a:defRPr sz="2000" b="1"/>
+            <a:lvl2pPr marL="377967" indent="0">
+              <a:buNone/>
+              <a:defRPr sz="1653" b="1"/>
             </a:lvl2pPr>
-            <a:lvl3pPr marL="914400" indent="0">
-              <a:buNone/>
-              <a:defRPr sz="1800" b="1"/>
+            <a:lvl3pPr marL="755934" indent="0">
+              <a:buNone/>
+              <a:defRPr sz="1488" b="1"/>
             </a:lvl3pPr>
-            <a:lvl4pPr marL="1371600" indent="0">
-              <a:buNone/>
-              <a:defRPr sz="1600" b="1"/>
+            <a:lvl4pPr marL="1133902" indent="0">
+              <a:buNone/>
+              <a:defRPr sz="1323" b="1"/>
             </a:lvl4pPr>
-            <a:lvl5pPr marL="1828800" indent="0">
-              <a:buNone/>
-              <a:defRPr sz="1600" b="1"/>
+            <a:lvl5pPr marL="1511869" indent="0">
+              <a:buNone/>
+              <a:defRPr sz="1323" b="1"/>
             </a:lvl5pPr>
-            <a:lvl6pPr marL="2286000" indent="0">
-              <a:buNone/>
-              <a:defRPr sz="1600" b="1"/>
+            <a:lvl6pPr marL="1889836" indent="0">
+              <a:buNone/>
+              <a:defRPr sz="1323" b="1"/>
             </a:lvl6pPr>
-            <a:lvl7pPr marL="2743200" indent="0">
-              <a:buNone/>
-              <a:defRPr sz="1600" b="1"/>
+            <a:lvl7pPr marL="2267803" indent="0">
+              <a:buNone/>
+              <a:defRPr sz="1323" b="1"/>
             </a:lvl7pPr>
-            <a:lvl8pPr marL="3200400" indent="0">
-              <a:buNone/>
-              <a:defRPr sz="1600" b="1"/>
+            <a:lvl8pPr marL="2645771" indent="0">
+              <a:buNone/>
+              <a:defRPr sz="1323" b="1"/>
             </a:lvl8pPr>
-            <a:lvl9pPr marL="3657600" indent="0">
-              <a:buNone/>
-              <a:defRPr sz="1600" b="1"/>
+            <a:lvl9pPr marL="3023738" indent="0">
+              <a:buNone/>
+              <a:defRPr sz="1323" b="1"/>
             </a:lvl9pPr>
           </a:lstStyle>
           <a:p>
@@ -1612,13 +1412,7 @@
       </p:sp>
       <p:sp>
         <p:nvSpPr>
-          <p:cNvPr id="4" name="Content Placeholder 3">
-            <a:extLst>
-              <a:ext uri="{FF2B5EF4-FFF2-40B4-BE49-F238E27FC236}">
-                <a16:creationId xmlns:a16="http://schemas.microsoft.com/office/drawing/2014/main" id="{49FE4256-4F5D-B041-838B-496AD49002A7}"/>
-              </a:ext>
-            </a:extLst>
-          </p:cNvPr>
+          <p:cNvPr id="4" name="Content Placeholder 3"/>
           <p:cNvSpPr>
             <a:spLocks noGrp="1"/>
           </p:cNvSpPr>
@@ -1628,8 +1422,8 @@
         </p:nvSpPr>
         <p:spPr>
           <a:xfrm>
-            <a:off x="839788" y="2505075"/>
-            <a:ext cx="5157787" cy="3684588"/>
+            <a:off x="520713" y="2235432"/>
+            <a:ext cx="3198096" cy="3287983"/>
           </a:xfrm>
         </p:spPr>
         <p:txBody>
@@ -1669,19 +1463,13 @@
               <a:rPr lang="en-US"/>
               <a:t>Fifth level</a:t>
             </a:r>
-            <a:endParaRPr lang="en-JP"/>
-          </a:p>
-        </p:txBody>
-      </p:sp>
-      <p:sp>
-        <p:nvSpPr>
-          <p:cNvPr id="5" name="Text Placeholder 4">
-            <a:extLst>
-              <a:ext uri="{FF2B5EF4-FFF2-40B4-BE49-F238E27FC236}">
-                <a16:creationId xmlns:a16="http://schemas.microsoft.com/office/drawing/2014/main" id="{FFFE1728-470E-0149-8C78-A4C9FAACB545}"/>
-              </a:ext>
-            </a:extLst>
-          </p:cNvPr>
+            <a:endParaRPr lang="en-US" dirty="0"/>
+          </a:p>
+        </p:txBody>
+      </p:sp>
+      <p:sp>
+        <p:nvSpPr>
+          <p:cNvPr id="5" name="Text Placeholder 4"/>
           <p:cNvSpPr>
             <a:spLocks noGrp="1"/>
           </p:cNvSpPr>
@@ -1691,8 +1479,8 @@
         </p:nvSpPr>
         <p:spPr>
           <a:xfrm>
-            <a:off x="6172200" y="1681163"/>
-            <a:ext cx="5183188" cy="823912"/>
+            <a:off x="3827086" y="1500205"/>
+            <a:ext cx="3213847" cy="735227"/>
           </a:xfrm>
         </p:spPr>
         <p:txBody>
@@ -1700,39 +1488,39 @@
           <a:lstStyle>
             <a:lvl1pPr marL="0" indent="0">
               <a:buNone/>
-              <a:defRPr sz="2400" b="1"/>
+              <a:defRPr sz="1984" b="1"/>
             </a:lvl1pPr>
-            <a:lvl2pPr marL="457200" indent="0">
-              <a:buNone/>
-              <a:defRPr sz="2000" b="1"/>
+            <a:lvl2pPr marL="377967" indent="0">
+              <a:buNone/>
+              <a:defRPr sz="1653" b="1"/>
             </a:lvl2pPr>
-            <a:lvl3pPr marL="914400" indent="0">
-              <a:buNone/>
-              <a:defRPr sz="1800" b="1"/>
+            <a:lvl3pPr marL="755934" indent="0">
+              <a:buNone/>
+              <a:defRPr sz="1488" b="1"/>
             </a:lvl3pPr>
-            <a:lvl4pPr marL="1371600" indent="0">
-              <a:buNone/>
-              <a:defRPr sz="1600" b="1"/>
+            <a:lvl4pPr marL="1133902" indent="0">
+              <a:buNone/>
+              <a:defRPr sz="1323" b="1"/>
             </a:lvl4pPr>
-            <a:lvl5pPr marL="1828800" indent="0">
-              <a:buNone/>
-              <a:defRPr sz="1600" b="1"/>
+            <a:lvl5pPr marL="1511869" indent="0">
+              <a:buNone/>
+              <a:defRPr sz="1323" b="1"/>
             </a:lvl5pPr>
-            <a:lvl6pPr marL="2286000" indent="0">
-              <a:buNone/>
-              <a:defRPr sz="1600" b="1"/>
+            <a:lvl6pPr marL="1889836" indent="0">
+              <a:buNone/>
+              <a:defRPr sz="1323" b="1"/>
             </a:lvl6pPr>
-            <a:lvl7pPr marL="2743200" indent="0">
-              <a:buNone/>
-              <a:defRPr sz="1600" b="1"/>
+            <a:lvl7pPr marL="2267803" indent="0">
+              <a:buNone/>
+              <a:defRPr sz="1323" b="1"/>
             </a:lvl7pPr>
-            <a:lvl8pPr marL="3200400" indent="0">
-              <a:buNone/>
-              <a:defRPr sz="1600" b="1"/>
+            <a:lvl8pPr marL="2645771" indent="0">
+              <a:buNone/>
+              <a:defRPr sz="1323" b="1"/>
             </a:lvl8pPr>
-            <a:lvl9pPr marL="3657600" indent="0">
-              <a:buNone/>
-              <a:defRPr sz="1600" b="1"/>
+            <a:lvl9pPr marL="3023738" indent="0">
+              <a:buNone/>
+              <a:defRPr sz="1323" b="1"/>
             </a:lvl9pPr>
           </a:lstStyle>
           <a:p>
@@ -1746,13 +1534,7 @@
       </p:sp>
       <p:sp>
         <p:nvSpPr>
-          <p:cNvPr id="6" name="Content Placeholder 5">
-            <a:extLst>
-              <a:ext uri="{FF2B5EF4-FFF2-40B4-BE49-F238E27FC236}">
-                <a16:creationId xmlns:a16="http://schemas.microsoft.com/office/drawing/2014/main" id="{0235FC27-AC5E-1045-A7BC-E22060277694}"/>
-              </a:ext>
-            </a:extLst>
-          </p:cNvPr>
+          <p:cNvPr id="6" name="Content Placeholder 5"/>
           <p:cNvSpPr>
             <a:spLocks noGrp="1"/>
           </p:cNvSpPr>
@@ -1762,8 +1544,8 @@
         </p:nvSpPr>
         <p:spPr>
           <a:xfrm>
-            <a:off x="6172200" y="2505075"/>
-            <a:ext cx="5183188" cy="3684588"/>
+            <a:off x="3827086" y="2235432"/>
+            <a:ext cx="3213847" cy="3287983"/>
           </a:xfrm>
         </p:spPr>
         <p:txBody>
@@ -1803,19 +1585,13 @@
               <a:rPr lang="en-US"/>
               <a:t>Fifth level</a:t>
             </a:r>
-            <a:endParaRPr lang="en-JP"/>
-          </a:p>
-        </p:txBody>
-      </p:sp>
-      <p:sp>
-        <p:nvSpPr>
-          <p:cNvPr id="7" name="Date Placeholder 6">
-            <a:extLst>
-              <a:ext uri="{FF2B5EF4-FFF2-40B4-BE49-F238E27FC236}">
-                <a16:creationId xmlns:a16="http://schemas.microsoft.com/office/drawing/2014/main" id="{54CD734A-EA8E-0442-BAC7-7B1AC86DBB74}"/>
-              </a:ext>
-            </a:extLst>
-          </p:cNvPr>
+            <a:endParaRPr lang="en-US" dirty="0"/>
+          </a:p>
+        </p:txBody>
+      </p:sp>
+      <p:sp>
+        <p:nvSpPr>
+          <p:cNvPr id="7" name="Date Placeholder 6"/>
           <p:cNvSpPr>
             <a:spLocks noGrp="1"/>
           </p:cNvSpPr>
@@ -1838,13 +1614,7 @@
       </p:sp>
       <p:sp>
         <p:nvSpPr>
-          <p:cNvPr id="8" name="Footer Placeholder 7">
-            <a:extLst>
-              <a:ext uri="{FF2B5EF4-FFF2-40B4-BE49-F238E27FC236}">
-                <a16:creationId xmlns:a16="http://schemas.microsoft.com/office/drawing/2014/main" id="{3DE9C2EF-0580-A740-9F4E-5933B4DA6D00}"/>
-              </a:ext>
-            </a:extLst>
-          </p:cNvPr>
+          <p:cNvPr id="8" name="Footer Placeholder 7"/>
           <p:cNvSpPr>
             <a:spLocks noGrp="1"/>
           </p:cNvSpPr>
@@ -1863,13 +1633,7 @@
       </p:sp>
       <p:sp>
         <p:nvSpPr>
-          <p:cNvPr id="9" name="Slide Number Placeholder 8">
-            <a:extLst>
-              <a:ext uri="{FF2B5EF4-FFF2-40B4-BE49-F238E27FC236}">
-                <a16:creationId xmlns:a16="http://schemas.microsoft.com/office/drawing/2014/main" id="{798245AF-E63F-1341-AE12-BBB9F6F55A51}"/>
-              </a:ext>
-            </a:extLst>
-          </p:cNvPr>
+          <p:cNvPr id="9" name="Slide Number Placeholder 8"/>
           <p:cNvSpPr>
             <a:spLocks noGrp="1"/>
           </p:cNvSpPr>
@@ -1893,7 +1657,7 @@
     </p:spTree>
     <p:extLst>
       <p:ext uri="{BB962C8B-B14F-4D97-AF65-F5344CB8AC3E}">
-        <p14:creationId xmlns:p14="http://schemas.microsoft.com/office/powerpoint/2010/main" val="1511198383"/>
+        <p14:creationId xmlns:p14="http://schemas.microsoft.com/office/powerpoint/2010/main" val="3823970272"/>
       </p:ext>
     </p:extLst>
   </p:cSld>
@@ -1922,13 +1686,7 @@
       </p:grpSpPr>
       <p:sp>
         <p:nvSpPr>
-          <p:cNvPr id="2" name="Title 1">
-            <a:extLst>
-              <a:ext uri="{FF2B5EF4-FFF2-40B4-BE49-F238E27FC236}">
-                <a16:creationId xmlns:a16="http://schemas.microsoft.com/office/drawing/2014/main" id="{937390FB-CA5B-6343-B14D-1D12D9EFDBBE}"/>
-              </a:ext>
-            </a:extLst>
-          </p:cNvPr>
+          <p:cNvPr id="2" name="Title 1"/>
           <p:cNvSpPr>
             <a:spLocks noGrp="1"/>
           </p:cNvSpPr>
@@ -1945,19 +1703,13 @@
               <a:rPr lang="en-US"/>
               <a:t>Click to edit Master title style</a:t>
             </a:r>
-            <a:endParaRPr lang="en-JP"/>
-          </a:p>
-        </p:txBody>
-      </p:sp>
-      <p:sp>
-        <p:nvSpPr>
-          <p:cNvPr id="3" name="Date Placeholder 2">
-            <a:extLst>
-              <a:ext uri="{FF2B5EF4-FFF2-40B4-BE49-F238E27FC236}">
-                <a16:creationId xmlns:a16="http://schemas.microsoft.com/office/drawing/2014/main" id="{FB1D5CCA-EFA2-5A48-A40A-86A7740D4CF4}"/>
-              </a:ext>
-            </a:extLst>
-          </p:cNvPr>
+            <a:endParaRPr lang="en-US" dirty="0"/>
+          </a:p>
+        </p:txBody>
+      </p:sp>
+      <p:sp>
+        <p:nvSpPr>
+          <p:cNvPr id="3" name="Date Placeholder 2"/>
           <p:cNvSpPr>
             <a:spLocks noGrp="1"/>
           </p:cNvSpPr>
@@ -1980,13 +1732,7 @@
       </p:sp>
       <p:sp>
         <p:nvSpPr>
-          <p:cNvPr id="4" name="Footer Placeholder 3">
-            <a:extLst>
-              <a:ext uri="{FF2B5EF4-FFF2-40B4-BE49-F238E27FC236}">
-                <a16:creationId xmlns:a16="http://schemas.microsoft.com/office/drawing/2014/main" id="{0D0EC199-CD93-1B42-A677-6ED84D160F85}"/>
-              </a:ext>
-            </a:extLst>
-          </p:cNvPr>
+          <p:cNvPr id="4" name="Footer Placeholder 3"/>
           <p:cNvSpPr>
             <a:spLocks noGrp="1"/>
           </p:cNvSpPr>
@@ -2005,13 +1751,7 @@
       </p:sp>
       <p:sp>
         <p:nvSpPr>
-          <p:cNvPr id="5" name="Slide Number Placeholder 4">
-            <a:extLst>
-              <a:ext uri="{FF2B5EF4-FFF2-40B4-BE49-F238E27FC236}">
-                <a16:creationId xmlns:a16="http://schemas.microsoft.com/office/drawing/2014/main" id="{2CACF7A9-3C29-0944-B008-FF6E8D11310B}"/>
-              </a:ext>
-            </a:extLst>
-          </p:cNvPr>
+          <p:cNvPr id="5" name="Slide Number Placeholder 4"/>
           <p:cNvSpPr>
             <a:spLocks noGrp="1"/>
           </p:cNvSpPr>
@@ -2035,7 +1775,7 @@
     </p:spTree>
     <p:extLst>
       <p:ext uri="{BB962C8B-B14F-4D97-AF65-F5344CB8AC3E}">
-        <p14:creationId xmlns:p14="http://schemas.microsoft.com/office/powerpoint/2010/main" val="3000457242"/>
+        <p14:creationId xmlns:p14="http://schemas.microsoft.com/office/powerpoint/2010/main" val="833331985"/>
       </p:ext>
     </p:extLst>
   </p:cSld>
@@ -2064,13 +1804,7 @@
       </p:grpSpPr>
       <p:sp>
         <p:nvSpPr>
-          <p:cNvPr id="2" name="Date Placeholder 1">
-            <a:extLst>
-              <a:ext uri="{FF2B5EF4-FFF2-40B4-BE49-F238E27FC236}">
-                <a16:creationId xmlns:a16="http://schemas.microsoft.com/office/drawing/2014/main" id="{ABABBBD5-3F0C-A34C-B047-A817B4BCBF1E}"/>
-              </a:ext>
-            </a:extLst>
-          </p:cNvPr>
+          <p:cNvPr id="2" name="Date Placeholder 1"/>
           <p:cNvSpPr>
             <a:spLocks noGrp="1"/>
           </p:cNvSpPr>
@@ -2093,13 +1827,7 @@
       </p:sp>
       <p:sp>
         <p:nvSpPr>
-          <p:cNvPr id="3" name="Footer Placeholder 2">
-            <a:extLst>
-              <a:ext uri="{FF2B5EF4-FFF2-40B4-BE49-F238E27FC236}">
-                <a16:creationId xmlns:a16="http://schemas.microsoft.com/office/drawing/2014/main" id="{C518D0E6-049A-724F-8E03-55001A0639D2}"/>
-              </a:ext>
-            </a:extLst>
-          </p:cNvPr>
+          <p:cNvPr id="3" name="Footer Placeholder 2"/>
           <p:cNvSpPr>
             <a:spLocks noGrp="1"/>
           </p:cNvSpPr>
@@ -2118,13 +1846,7 @@
       </p:sp>
       <p:sp>
         <p:nvSpPr>
-          <p:cNvPr id="4" name="Slide Number Placeholder 3">
-            <a:extLst>
-              <a:ext uri="{FF2B5EF4-FFF2-40B4-BE49-F238E27FC236}">
-                <a16:creationId xmlns:a16="http://schemas.microsoft.com/office/drawing/2014/main" id="{F0191D00-C8C5-464A-B00D-73C60B97C9C6}"/>
-              </a:ext>
-            </a:extLst>
-          </p:cNvPr>
+          <p:cNvPr id="4" name="Slide Number Placeholder 3"/>
           <p:cNvSpPr>
             <a:spLocks noGrp="1"/>
           </p:cNvSpPr>
@@ -2148,7 +1870,7 @@
     </p:spTree>
     <p:extLst>
       <p:ext uri="{BB962C8B-B14F-4D97-AF65-F5344CB8AC3E}">
-        <p14:creationId xmlns:p14="http://schemas.microsoft.com/office/powerpoint/2010/main" val="4043230461"/>
+        <p14:creationId xmlns:p14="http://schemas.microsoft.com/office/powerpoint/2010/main" val="1015012995"/>
       </p:ext>
     </p:extLst>
   </p:cSld>
@@ -2177,13 +1899,7 @@
       </p:grpSpPr>
       <p:sp>
         <p:nvSpPr>
-          <p:cNvPr id="2" name="Title 1">
-            <a:extLst>
-              <a:ext uri="{FF2B5EF4-FFF2-40B4-BE49-F238E27FC236}">
-                <a16:creationId xmlns:a16="http://schemas.microsoft.com/office/drawing/2014/main" id="{79A56F5F-CB7C-374B-89EA-384C1DF3404E}"/>
-              </a:ext>
-            </a:extLst>
-          </p:cNvPr>
+          <p:cNvPr id="2" name="Title 1"/>
           <p:cNvSpPr>
             <a:spLocks noGrp="1"/>
           </p:cNvSpPr>
@@ -2193,15 +1909,15 @@
         </p:nvSpPr>
         <p:spPr>
           <a:xfrm>
-            <a:off x="839788" y="457200"/>
-            <a:ext cx="3932237" cy="1600200"/>
+            <a:off x="520712" y="407988"/>
+            <a:ext cx="2438192" cy="1427956"/>
           </a:xfrm>
         </p:spPr>
         <p:txBody>
           <a:bodyPr anchor="b"/>
           <a:lstStyle>
             <a:lvl1pPr>
-              <a:defRPr sz="3200"/>
+              <a:defRPr sz="2645"/>
             </a:lvl1pPr>
           </a:lstStyle>
           <a:p>
@@ -2209,19 +1925,13 @@
               <a:rPr lang="en-US"/>
               <a:t>Click to edit Master title style</a:t>
             </a:r>
-            <a:endParaRPr lang="en-JP"/>
-          </a:p>
-        </p:txBody>
-      </p:sp>
-      <p:sp>
-        <p:nvSpPr>
-          <p:cNvPr id="3" name="Content Placeholder 2">
-            <a:extLst>
-              <a:ext uri="{FF2B5EF4-FFF2-40B4-BE49-F238E27FC236}">
-                <a16:creationId xmlns:a16="http://schemas.microsoft.com/office/drawing/2014/main" id="{E2D74011-8D25-A446-9412-07C79B8C38EB}"/>
-              </a:ext>
-            </a:extLst>
-          </p:cNvPr>
+            <a:endParaRPr lang="en-US" dirty="0"/>
+          </a:p>
+        </p:txBody>
+      </p:sp>
+      <p:sp>
+        <p:nvSpPr>
+          <p:cNvPr id="3" name="Content Placeholder 2"/>
           <p:cNvSpPr>
             <a:spLocks noGrp="1"/>
           </p:cNvSpPr>
@@ -2231,39 +1941,39 @@
         </p:nvSpPr>
         <p:spPr>
           <a:xfrm>
-            <a:off x="5183188" y="987425"/>
-            <a:ext cx="6172200" cy="4873625"/>
+            <a:off x="3213847" y="881141"/>
+            <a:ext cx="3827085" cy="4349034"/>
           </a:xfrm>
         </p:spPr>
         <p:txBody>
           <a:bodyPr/>
           <a:lstStyle>
             <a:lvl1pPr>
-              <a:defRPr sz="3200"/>
+              <a:defRPr sz="2645"/>
             </a:lvl1pPr>
             <a:lvl2pPr>
-              <a:defRPr sz="2800"/>
+              <a:defRPr sz="2315"/>
             </a:lvl2pPr>
             <a:lvl3pPr>
-              <a:defRPr sz="2400"/>
+              <a:defRPr sz="1984"/>
             </a:lvl3pPr>
             <a:lvl4pPr>
-              <a:defRPr sz="2000"/>
+              <a:defRPr sz="1653"/>
             </a:lvl4pPr>
             <a:lvl5pPr>
-              <a:defRPr sz="2000"/>
+              <a:defRPr sz="1653"/>
             </a:lvl5pPr>
             <a:lvl6pPr>
-              <a:defRPr sz="2000"/>
+              <a:defRPr sz="1653"/>
             </a:lvl6pPr>
             <a:lvl7pPr>
-              <a:defRPr sz="2000"/>
+              <a:defRPr sz="1653"/>
             </a:lvl7pPr>
             <a:lvl8pPr>
-              <a:defRPr sz="2000"/>
+              <a:defRPr sz="1653"/>
             </a:lvl8pPr>
             <a:lvl9pPr>
-              <a:defRPr sz="2000"/>
+              <a:defRPr sz="1653"/>
             </a:lvl9pPr>
           </a:lstStyle>
           <a:p>
@@ -2300,19 +2010,13 @@
               <a:rPr lang="en-US"/>
               <a:t>Fifth level</a:t>
             </a:r>
-            <a:endParaRPr lang="en-JP"/>
-          </a:p>
-        </p:txBody>
-      </p:sp>
-      <p:sp>
-        <p:nvSpPr>
-          <p:cNvPr id="4" name="Text Placeholder 3">
-            <a:extLst>
-              <a:ext uri="{FF2B5EF4-FFF2-40B4-BE49-F238E27FC236}">
-                <a16:creationId xmlns:a16="http://schemas.microsoft.com/office/drawing/2014/main" id="{3A74A05D-7F94-FE4A-80A8-64CFE3009A6B}"/>
-              </a:ext>
-            </a:extLst>
-          </p:cNvPr>
+            <a:endParaRPr lang="en-US" dirty="0"/>
+          </a:p>
+        </p:txBody>
+      </p:sp>
+      <p:sp>
+        <p:nvSpPr>
+          <p:cNvPr id="4" name="Text Placeholder 3"/>
           <p:cNvSpPr>
             <a:spLocks noGrp="1"/>
           </p:cNvSpPr>
@@ -2322,8 +2026,8 @@
         </p:nvSpPr>
         <p:spPr>
           <a:xfrm>
-            <a:off x="839788" y="2057400"/>
-            <a:ext cx="3932237" cy="3811588"/>
+            <a:off x="520712" y="1835944"/>
+            <a:ext cx="2438192" cy="3401313"/>
           </a:xfrm>
         </p:spPr>
         <p:txBody>
@@ -2331,39 +2035,39 @@
           <a:lstStyle>
             <a:lvl1pPr marL="0" indent="0">
               <a:buNone/>
-              <a:defRPr sz="1600"/>
+              <a:defRPr sz="1323"/>
             </a:lvl1pPr>
-            <a:lvl2pPr marL="457200" indent="0">
-              <a:buNone/>
-              <a:defRPr sz="1400"/>
+            <a:lvl2pPr marL="377967" indent="0">
+              <a:buNone/>
+              <a:defRPr sz="1157"/>
             </a:lvl2pPr>
-            <a:lvl3pPr marL="914400" indent="0">
-              <a:buNone/>
-              <a:defRPr sz="1200"/>
+            <a:lvl3pPr marL="755934" indent="0">
+              <a:buNone/>
+              <a:defRPr sz="992"/>
             </a:lvl3pPr>
-            <a:lvl4pPr marL="1371600" indent="0">
-              <a:buNone/>
-              <a:defRPr sz="1000"/>
+            <a:lvl4pPr marL="1133902" indent="0">
+              <a:buNone/>
+              <a:defRPr sz="827"/>
             </a:lvl4pPr>
-            <a:lvl5pPr marL="1828800" indent="0">
-              <a:buNone/>
-              <a:defRPr sz="1000"/>
+            <a:lvl5pPr marL="1511869" indent="0">
+              <a:buNone/>
+              <a:defRPr sz="827"/>
             </a:lvl5pPr>
-            <a:lvl6pPr marL="2286000" indent="0">
-              <a:buNone/>
-              <a:defRPr sz="1000"/>
+            <a:lvl6pPr marL="1889836" indent="0">
+              <a:buNone/>
+              <a:defRPr sz="827"/>
             </a:lvl6pPr>
-            <a:lvl7pPr marL="2743200" indent="0">
-              <a:buNone/>
-              <a:defRPr sz="1000"/>
+            <a:lvl7pPr marL="2267803" indent="0">
+              <a:buNone/>
+              <a:defRPr sz="827"/>
             </a:lvl7pPr>
-            <a:lvl8pPr marL="3200400" indent="0">
-              <a:buNone/>
-              <a:defRPr sz="1000"/>
+            <a:lvl8pPr marL="2645771" indent="0">
+              <a:buNone/>
+              <a:defRPr sz="827"/>
             </a:lvl8pPr>
-            <a:lvl9pPr marL="3657600" indent="0">
-              <a:buNone/>
-              <a:defRPr sz="1000"/>
+            <a:lvl9pPr marL="3023738" indent="0">
+              <a:buNone/>
+              <a:defRPr sz="827"/>
             </a:lvl9pPr>
           </a:lstStyle>
           <a:p>
@@ -2377,13 +2081,7 @@
       </p:sp>
       <p:sp>
         <p:nvSpPr>
-          <p:cNvPr id="5" name="Date Placeholder 4">
-            <a:extLst>
-              <a:ext uri="{FF2B5EF4-FFF2-40B4-BE49-F238E27FC236}">
-                <a16:creationId xmlns:a16="http://schemas.microsoft.com/office/drawing/2014/main" id="{89EAB7B6-54EA-B049-A670-20CB0F264503}"/>
-              </a:ext>
-            </a:extLst>
-          </p:cNvPr>
+          <p:cNvPr id="5" name="Date Placeholder 4"/>
           <p:cNvSpPr>
             <a:spLocks noGrp="1"/>
           </p:cNvSpPr>
@@ -2406,13 +2104,7 @@
       </p:sp>
       <p:sp>
         <p:nvSpPr>
-          <p:cNvPr id="6" name="Footer Placeholder 5">
-            <a:extLst>
-              <a:ext uri="{FF2B5EF4-FFF2-40B4-BE49-F238E27FC236}">
-                <a16:creationId xmlns:a16="http://schemas.microsoft.com/office/drawing/2014/main" id="{91244C14-2B90-1C45-80D2-5732BC508E5F}"/>
-              </a:ext>
-            </a:extLst>
-          </p:cNvPr>
+          <p:cNvPr id="6" name="Footer Placeholder 5"/>
           <p:cNvSpPr>
             <a:spLocks noGrp="1"/>
           </p:cNvSpPr>
@@ -2431,13 +2123,7 @@
       </p:sp>
       <p:sp>
         <p:nvSpPr>
-          <p:cNvPr id="7" name="Slide Number Placeholder 6">
-            <a:extLst>
-              <a:ext uri="{FF2B5EF4-FFF2-40B4-BE49-F238E27FC236}">
-                <a16:creationId xmlns:a16="http://schemas.microsoft.com/office/drawing/2014/main" id="{4F9ACD4F-A65C-654B-A9AD-5E6C36156788}"/>
-              </a:ext>
-            </a:extLst>
-          </p:cNvPr>
+          <p:cNvPr id="7" name="Slide Number Placeholder 6"/>
           <p:cNvSpPr>
             <a:spLocks noGrp="1"/>
           </p:cNvSpPr>
@@ -2461,7 +2147,7 @@
     </p:spTree>
     <p:extLst>
       <p:ext uri="{BB962C8B-B14F-4D97-AF65-F5344CB8AC3E}">
-        <p14:creationId xmlns:p14="http://schemas.microsoft.com/office/powerpoint/2010/main" val="4127768221"/>
+        <p14:creationId xmlns:p14="http://schemas.microsoft.com/office/powerpoint/2010/main" val="3319138648"/>
       </p:ext>
     </p:extLst>
   </p:cSld>
@@ -2490,13 +2176,7 @@
       </p:grpSpPr>
       <p:sp>
         <p:nvSpPr>
-          <p:cNvPr id="2" name="Title 1">
-            <a:extLst>
-              <a:ext uri="{FF2B5EF4-FFF2-40B4-BE49-F238E27FC236}">
-                <a16:creationId xmlns:a16="http://schemas.microsoft.com/office/drawing/2014/main" id="{68504816-726C-BC41-825D-0C0FA9035905}"/>
-              </a:ext>
-            </a:extLst>
-          </p:cNvPr>
+          <p:cNvPr id="2" name="Title 1"/>
           <p:cNvSpPr>
             <a:spLocks noGrp="1"/>
           </p:cNvSpPr>
@@ -2506,15 +2186,15 @@
         </p:nvSpPr>
         <p:spPr>
           <a:xfrm>
-            <a:off x="839788" y="457200"/>
-            <a:ext cx="3932237" cy="1600200"/>
+            <a:off x="520712" y="407988"/>
+            <a:ext cx="2438192" cy="1427956"/>
           </a:xfrm>
         </p:spPr>
         <p:txBody>
           <a:bodyPr anchor="b"/>
           <a:lstStyle>
             <a:lvl1pPr>
-              <a:defRPr sz="3200"/>
+              <a:defRPr sz="2645"/>
             </a:lvl1pPr>
           </a:lstStyle>
           <a:p>
@@ -2522,21 +2202,15 @@
               <a:rPr lang="en-US"/>
               <a:t>Click to edit Master title style</a:t>
             </a:r>
-            <a:endParaRPr lang="en-JP"/>
-          </a:p>
-        </p:txBody>
-      </p:sp>
-      <p:sp>
-        <p:nvSpPr>
-          <p:cNvPr id="3" name="Picture Placeholder 2">
-            <a:extLst>
-              <a:ext uri="{FF2B5EF4-FFF2-40B4-BE49-F238E27FC236}">
-                <a16:creationId xmlns:a16="http://schemas.microsoft.com/office/drawing/2014/main" id="{3F6194A6-5C0D-9D40-AE76-310973AC2B10}"/>
-              </a:ext>
-            </a:extLst>
-          </p:cNvPr>
-          <p:cNvSpPr>
-            <a:spLocks noGrp="1"/>
+            <a:endParaRPr lang="en-US" dirty="0"/>
+          </a:p>
+        </p:txBody>
+      </p:sp>
+      <p:sp>
+        <p:nvSpPr>
+          <p:cNvPr id="3" name="Picture Placeholder 2"/>
+          <p:cNvSpPr>
+            <a:spLocks noGrp="1" noChangeAspect="1"/>
           </p:cNvSpPr>
           <p:nvPr>
             <p:ph type="pic" idx="1"/>
@@ -2544,64 +2218,62 @@
         </p:nvSpPr>
         <p:spPr>
           <a:xfrm>
-            <a:off x="5183188" y="987425"/>
-            <a:ext cx="6172200" cy="4873625"/>
-          </a:xfrm>
-        </p:spPr>
-        <p:txBody>
-          <a:bodyPr/>
+            <a:off x="3213847" y="881141"/>
+            <a:ext cx="3827085" cy="4349034"/>
+          </a:xfrm>
+        </p:spPr>
+        <p:txBody>
+          <a:bodyPr anchor="t"/>
           <a:lstStyle>
             <a:lvl1pPr marL="0" indent="0">
               <a:buNone/>
-              <a:defRPr sz="3200"/>
+              <a:defRPr sz="2645"/>
             </a:lvl1pPr>
-            <a:lvl2pPr marL="457200" indent="0">
-              <a:buNone/>
-              <a:defRPr sz="2800"/>
+            <a:lvl2pPr marL="377967" indent="0">
+              <a:buNone/>
+              <a:defRPr sz="2315"/>
             </a:lvl2pPr>
-            <a:lvl3pPr marL="914400" indent="0">
-              <a:buNone/>
-              <a:defRPr sz="2400"/>
+            <a:lvl3pPr marL="755934" indent="0">
+              <a:buNone/>
+              <a:defRPr sz="1984"/>
             </a:lvl3pPr>
-            <a:lvl4pPr marL="1371600" indent="0">
-              <a:buNone/>
-              <a:defRPr sz="2000"/>
+            <a:lvl4pPr marL="1133902" indent="0">
+              <a:buNone/>
+              <a:defRPr sz="1653"/>
             </a:lvl4pPr>
-            <a:lvl5pPr marL="1828800" indent="0">
-              <a:buNone/>
-              <a:defRPr sz="2000"/>
+            <a:lvl5pPr marL="1511869" indent="0">
+              <a:buNone/>
+              <a:defRPr sz="1653"/>
             </a:lvl5pPr>
-            <a:lvl6pPr marL="2286000" indent="0">
-              <a:buNone/>
-              <a:defRPr sz="2000"/>
+            <a:lvl6pPr marL="1889836" indent="0">
+              <a:buNone/>
+              <a:defRPr sz="1653"/>
             </a:lvl6pPr>
-            <a:lvl7pPr marL="2743200" indent="0">
-              <a:buNone/>
-              <a:defRPr sz="2000"/>
+            <a:lvl7pPr marL="2267803" indent="0">
+              <a:buNone/>
+              <a:defRPr sz="1653"/>
             </a:lvl7pPr>
-            <a:lvl8pPr marL="3200400" indent="0">
-              <a:buNone/>
-              <a:defRPr sz="2000"/>
+            <a:lvl8pPr marL="2645771" indent="0">
+              <a:buNone/>
+              <a:defRPr sz="1653"/>
             </a:lvl8pPr>
-            <a:lvl9pPr marL="3657600" indent="0">
-              <a:buNone/>
-              <a:defRPr sz="2000"/>
+            <a:lvl9pPr marL="3023738" indent="0">
+              <a:buNone/>
+              <a:defRPr sz="1653"/>
             </a:lvl9pPr>
           </a:lstStyle>
           <a:p>
-            <a:endParaRPr lang="en-JP"/>
-          </a:p>
-        </p:txBody>
-      </p:sp>
-      <p:sp>
-        <p:nvSpPr>
-          <p:cNvPr id="4" name="Text Placeholder 3">
-            <a:extLst>
-              <a:ext uri="{FF2B5EF4-FFF2-40B4-BE49-F238E27FC236}">
-                <a16:creationId xmlns:a16="http://schemas.microsoft.com/office/drawing/2014/main" id="{B6B8B3CD-283B-5146-8998-B5548361AB3B}"/>
-              </a:ext>
-            </a:extLst>
-          </p:cNvPr>
+            <a:r>
+              <a:rPr lang="en-US"/>
+              <a:t>Click icon to add picture</a:t>
+            </a:r>
+            <a:endParaRPr lang="en-US" dirty="0"/>
+          </a:p>
+        </p:txBody>
+      </p:sp>
+      <p:sp>
+        <p:nvSpPr>
+          <p:cNvPr id="4" name="Text Placeholder 3"/>
           <p:cNvSpPr>
             <a:spLocks noGrp="1"/>
           </p:cNvSpPr>
@@ -2611,8 +2283,8 @@
         </p:nvSpPr>
         <p:spPr>
           <a:xfrm>
-            <a:off x="839788" y="2057400"/>
-            <a:ext cx="3932237" cy="3811588"/>
+            <a:off x="520712" y="1835944"/>
+            <a:ext cx="2438192" cy="3401313"/>
           </a:xfrm>
         </p:spPr>
         <p:txBody>
@@ -2620,39 +2292,39 @@
           <a:lstStyle>
             <a:lvl1pPr marL="0" indent="0">
               <a:buNone/>
-              <a:defRPr sz="1600"/>
+              <a:defRPr sz="1323"/>
             </a:lvl1pPr>
-            <a:lvl2pPr marL="457200" indent="0">
-              <a:buNone/>
-              <a:defRPr sz="1400"/>
+            <a:lvl2pPr marL="377967" indent="0">
+              <a:buNone/>
+              <a:defRPr sz="1157"/>
             </a:lvl2pPr>
-            <a:lvl3pPr marL="914400" indent="0">
-              <a:buNone/>
-              <a:defRPr sz="1200"/>
+            <a:lvl3pPr marL="755934" indent="0">
+              <a:buNone/>
+              <a:defRPr sz="992"/>
             </a:lvl3pPr>
-            <a:lvl4pPr marL="1371600" indent="0">
-              <a:buNone/>
-              <a:defRPr sz="1000"/>
+            <a:lvl4pPr marL="1133902" indent="0">
+              <a:buNone/>
+              <a:defRPr sz="827"/>
             </a:lvl4pPr>
-            <a:lvl5pPr marL="1828800" indent="0">
-              <a:buNone/>
-              <a:defRPr sz="1000"/>
+            <a:lvl5pPr marL="1511869" indent="0">
+              <a:buNone/>
+              <a:defRPr sz="827"/>
             </a:lvl5pPr>
-            <a:lvl6pPr marL="2286000" indent="0">
-              <a:buNone/>
-              <a:defRPr sz="1000"/>
+            <a:lvl6pPr marL="1889836" indent="0">
+              <a:buNone/>
+              <a:defRPr sz="827"/>
             </a:lvl6pPr>
-            <a:lvl7pPr marL="2743200" indent="0">
-              <a:buNone/>
-              <a:defRPr sz="1000"/>
+            <a:lvl7pPr marL="2267803" indent="0">
+              <a:buNone/>
+              <a:defRPr sz="827"/>
             </a:lvl7pPr>
-            <a:lvl8pPr marL="3200400" indent="0">
-              <a:buNone/>
-              <a:defRPr sz="1000"/>
+            <a:lvl8pPr marL="2645771" indent="0">
+              <a:buNone/>
+              <a:defRPr sz="827"/>
             </a:lvl8pPr>
-            <a:lvl9pPr marL="3657600" indent="0">
-              <a:buNone/>
-              <a:defRPr sz="1000"/>
+            <a:lvl9pPr marL="3023738" indent="0">
+              <a:buNone/>
+              <a:defRPr sz="827"/>
             </a:lvl9pPr>
           </a:lstStyle>
           <a:p>
@@ -2666,13 +2338,7 @@
       </p:sp>
       <p:sp>
         <p:nvSpPr>
-          <p:cNvPr id="5" name="Date Placeholder 4">
-            <a:extLst>
-              <a:ext uri="{FF2B5EF4-FFF2-40B4-BE49-F238E27FC236}">
-                <a16:creationId xmlns:a16="http://schemas.microsoft.com/office/drawing/2014/main" id="{51FF243D-37C6-2149-AC59-BAE49CB44CE7}"/>
-              </a:ext>
-            </a:extLst>
-          </p:cNvPr>
+          <p:cNvPr id="5" name="Date Placeholder 4"/>
           <p:cNvSpPr>
             <a:spLocks noGrp="1"/>
           </p:cNvSpPr>
@@ -2695,13 +2361,7 @@
       </p:sp>
       <p:sp>
         <p:nvSpPr>
-          <p:cNvPr id="6" name="Footer Placeholder 5">
-            <a:extLst>
-              <a:ext uri="{FF2B5EF4-FFF2-40B4-BE49-F238E27FC236}">
-                <a16:creationId xmlns:a16="http://schemas.microsoft.com/office/drawing/2014/main" id="{BD862C7E-FDF7-EB47-840C-D29D4ECEC7F0}"/>
-              </a:ext>
-            </a:extLst>
-          </p:cNvPr>
+          <p:cNvPr id="6" name="Footer Placeholder 5"/>
           <p:cNvSpPr>
             <a:spLocks noGrp="1"/>
           </p:cNvSpPr>
@@ -2720,13 +2380,7 @@
       </p:sp>
       <p:sp>
         <p:nvSpPr>
-          <p:cNvPr id="7" name="Slide Number Placeholder 6">
-            <a:extLst>
-              <a:ext uri="{FF2B5EF4-FFF2-40B4-BE49-F238E27FC236}">
-                <a16:creationId xmlns:a16="http://schemas.microsoft.com/office/drawing/2014/main" id="{7ECDA1DE-A150-D247-B135-A8659848E5D6}"/>
-              </a:ext>
-            </a:extLst>
-          </p:cNvPr>
+          <p:cNvPr id="7" name="Slide Number Placeholder 6"/>
           <p:cNvSpPr>
             <a:spLocks noGrp="1"/>
           </p:cNvSpPr>
@@ -2750,7 +2404,7 @@
     </p:spTree>
     <p:extLst>
       <p:ext uri="{BB962C8B-B14F-4D97-AF65-F5344CB8AC3E}">
-        <p14:creationId xmlns:p14="http://schemas.microsoft.com/office/powerpoint/2010/main" val="4134363563"/>
+        <p14:creationId xmlns:p14="http://schemas.microsoft.com/office/powerpoint/2010/main" val="3807490738"/>
       </p:ext>
     </p:extLst>
   </p:cSld>
@@ -2784,13 +2438,7 @@
       </p:grpSpPr>
       <p:sp>
         <p:nvSpPr>
-          <p:cNvPr id="2" name="Title Placeholder 1">
-            <a:extLst>
-              <a:ext uri="{FF2B5EF4-FFF2-40B4-BE49-F238E27FC236}">
-                <a16:creationId xmlns:a16="http://schemas.microsoft.com/office/drawing/2014/main" id="{A60589C0-BB63-934F-A1AE-894A5DA94799}"/>
-              </a:ext>
-            </a:extLst>
-          </p:cNvPr>
+          <p:cNvPr id="2" name="Title Placeholder 1"/>
           <p:cNvSpPr>
             <a:spLocks noGrp="1"/>
           </p:cNvSpPr>
@@ -2800,8 +2448,8 @@
         </p:nvSpPr>
         <p:spPr>
           <a:xfrm>
-            <a:off x="838200" y="365125"/>
-            <a:ext cx="10515600" cy="1325563"/>
+            <a:off x="519728" y="325825"/>
+            <a:ext cx="6520220" cy="1182881"/>
           </a:xfrm>
           <a:prstGeom prst="rect">
             <a:avLst/>
@@ -2817,19 +2465,13 @@
               <a:rPr lang="en-US"/>
               <a:t>Click to edit Master title style</a:t>
             </a:r>
-            <a:endParaRPr lang="en-JP"/>
-          </a:p>
-        </p:txBody>
-      </p:sp>
-      <p:sp>
-        <p:nvSpPr>
-          <p:cNvPr id="3" name="Text Placeholder 2">
-            <a:extLst>
-              <a:ext uri="{FF2B5EF4-FFF2-40B4-BE49-F238E27FC236}">
-                <a16:creationId xmlns:a16="http://schemas.microsoft.com/office/drawing/2014/main" id="{CBF9A496-1E62-FE41-B209-038358443B0B}"/>
-              </a:ext>
-            </a:extLst>
-          </p:cNvPr>
+            <a:endParaRPr lang="en-US" dirty="0"/>
+          </a:p>
+        </p:txBody>
+      </p:sp>
+      <p:sp>
+        <p:nvSpPr>
+          <p:cNvPr id="3" name="Text Placeholder 2"/>
           <p:cNvSpPr>
             <a:spLocks noGrp="1"/>
           </p:cNvSpPr>
@@ -2839,8 +2481,8 @@
         </p:nvSpPr>
         <p:spPr>
           <a:xfrm>
-            <a:off x="838200" y="1825625"/>
-            <a:ext cx="10515600" cy="4351338"/>
+            <a:off x="519728" y="1629117"/>
+            <a:ext cx="6520220" cy="3882965"/>
           </a:xfrm>
           <a:prstGeom prst="rect">
             <a:avLst/>
@@ -2885,19 +2527,13 @@
               <a:rPr lang="en-US"/>
               <a:t>Fifth level</a:t>
             </a:r>
-            <a:endParaRPr lang="en-JP"/>
-          </a:p>
-        </p:txBody>
-      </p:sp>
-      <p:sp>
-        <p:nvSpPr>
-          <p:cNvPr id="4" name="Date Placeholder 3">
-            <a:extLst>
-              <a:ext uri="{FF2B5EF4-FFF2-40B4-BE49-F238E27FC236}">
-                <a16:creationId xmlns:a16="http://schemas.microsoft.com/office/drawing/2014/main" id="{A6A9601E-42E3-C746-972A-1484FD2DEBB4}"/>
-              </a:ext>
-            </a:extLst>
-          </p:cNvPr>
+            <a:endParaRPr lang="en-US" dirty="0"/>
+          </a:p>
+        </p:txBody>
+      </p:sp>
+      <p:sp>
+        <p:nvSpPr>
+          <p:cNvPr id="4" name="Date Placeholder 3"/>
           <p:cNvSpPr>
             <a:spLocks noGrp="1"/>
           </p:cNvSpPr>
@@ -2907,8 +2543,8 @@
         </p:nvSpPr>
         <p:spPr>
           <a:xfrm>
-            <a:off x="838200" y="6356350"/>
-            <a:ext cx="2743200" cy="365125"/>
+            <a:off x="519728" y="5672162"/>
+            <a:ext cx="1700927" cy="325823"/>
           </a:xfrm>
           <a:prstGeom prst="rect">
             <a:avLst/>
@@ -2918,7 +2554,7 @@
           <a:bodyPr vert="horz" lIns="91440" tIns="45720" rIns="91440" bIns="45720" rtlCol="0" anchor="ctr"/>
           <a:lstStyle>
             <a:lvl1pPr algn="l">
-              <a:defRPr sz="1200">
+              <a:defRPr sz="992">
                 <a:solidFill>
                   <a:schemeClr val="tx1">
                     <a:tint val="75000"/>
@@ -2938,13 +2574,7 @@
       </p:sp>
       <p:sp>
         <p:nvSpPr>
-          <p:cNvPr id="5" name="Footer Placeholder 4">
-            <a:extLst>
-              <a:ext uri="{FF2B5EF4-FFF2-40B4-BE49-F238E27FC236}">
-                <a16:creationId xmlns:a16="http://schemas.microsoft.com/office/drawing/2014/main" id="{2E68175D-BC5F-DF49-BBB6-F7B15F9D34C5}"/>
-              </a:ext>
-            </a:extLst>
-          </p:cNvPr>
+          <p:cNvPr id="5" name="Footer Placeholder 4"/>
           <p:cNvSpPr>
             <a:spLocks noGrp="1"/>
           </p:cNvSpPr>
@@ -2954,8 +2584,8 @@
         </p:nvSpPr>
         <p:spPr>
           <a:xfrm>
-            <a:off x="4038600" y="6356350"/>
-            <a:ext cx="4114800" cy="365125"/>
+            <a:off x="2504143" y="5672162"/>
+            <a:ext cx="2551390" cy="325823"/>
           </a:xfrm>
           <a:prstGeom prst="rect">
             <a:avLst/>
@@ -2965,7 +2595,7 @@
           <a:bodyPr vert="horz" lIns="91440" tIns="45720" rIns="91440" bIns="45720" rtlCol="0" anchor="ctr"/>
           <a:lstStyle>
             <a:lvl1pPr algn="ctr">
-              <a:defRPr sz="1200">
+              <a:defRPr sz="992">
                 <a:solidFill>
                   <a:schemeClr val="tx1">
                     <a:tint val="75000"/>
@@ -2981,13 +2611,7 @@
       </p:sp>
       <p:sp>
         <p:nvSpPr>
-          <p:cNvPr id="6" name="Slide Number Placeholder 5">
-            <a:extLst>
-              <a:ext uri="{FF2B5EF4-FFF2-40B4-BE49-F238E27FC236}">
-                <a16:creationId xmlns:a16="http://schemas.microsoft.com/office/drawing/2014/main" id="{0EB720BC-20CD-8349-B2D3-84229D676206}"/>
-              </a:ext>
-            </a:extLst>
-          </p:cNvPr>
+          <p:cNvPr id="6" name="Slide Number Placeholder 5"/>
           <p:cNvSpPr>
             <a:spLocks noGrp="1"/>
           </p:cNvSpPr>
@@ -2997,8 +2621,8 @@
         </p:nvSpPr>
         <p:spPr>
           <a:xfrm>
-            <a:off x="8610600" y="6356350"/>
-            <a:ext cx="2743200" cy="365125"/>
+            <a:off x="5339020" y="5672162"/>
+            <a:ext cx="1700927" cy="325823"/>
           </a:xfrm>
           <a:prstGeom prst="rect">
             <a:avLst/>
@@ -3008,7 +2632,7 @@
           <a:bodyPr vert="horz" lIns="91440" tIns="45720" rIns="91440" bIns="45720" rtlCol="0" anchor="ctr"/>
           <a:lstStyle>
             <a:lvl1pPr algn="r">
-              <a:defRPr sz="1200">
+              <a:defRPr sz="992">
                 <a:solidFill>
                   <a:schemeClr val="tx1">
                     <a:tint val="75000"/>
@@ -3029,27 +2653,27 @@
     </p:spTree>
     <p:extLst>
       <p:ext uri="{BB962C8B-B14F-4D97-AF65-F5344CB8AC3E}">
-        <p14:creationId xmlns:p14="http://schemas.microsoft.com/office/powerpoint/2010/main" val="1260548070"/>
+        <p14:creationId xmlns:p14="http://schemas.microsoft.com/office/powerpoint/2010/main" val="4028136355"/>
       </p:ext>
     </p:extLst>
   </p:cSld>
   <p:clrMap bg1="lt1" tx1="dk1" bg2="lt2" tx2="dk2" accent1="accent1" accent2="accent2" accent3="accent3" accent4="accent4" accent5="accent5" accent6="accent6" hlink="hlink" folHlink="folHlink"/>
   <p:sldLayoutIdLst>
-    <p:sldLayoutId id="2147483649" r:id="rId1"/>
-    <p:sldLayoutId id="2147483650" r:id="rId2"/>
-    <p:sldLayoutId id="2147483651" r:id="rId3"/>
-    <p:sldLayoutId id="2147483652" r:id="rId4"/>
-    <p:sldLayoutId id="2147483653" r:id="rId5"/>
-    <p:sldLayoutId id="2147483654" r:id="rId6"/>
-    <p:sldLayoutId id="2147483655" r:id="rId7"/>
-    <p:sldLayoutId id="2147483656" r:id="rId8"/>
-    <p:sldLayoutId id="2147483657" r:id="rId9"/>
-    <p:sldLayoutId id="2147483658" r:id="rId10"/>
-    <p:sldLayoutId id="2147483659" r:id="rId11"/>
+    <p:sldLayoutId id="2147483673" r:id="rId1"/>
+    <p:sldLayoutId id="2147483674" r:id="rId2"/>
+    <p:sldLayoutId id="2147483675" r:id="rId3"/>
+    <p:sldLayoutId id="2147483676" r:id="rId4"/>
+    <p:sldLayoutId id="2147483677" r:id="rId5"/>
+    <p:sldLayoutId id="2147483678" r:id="rId6"/>
+    <p:sldLayoutId id="2147483679" r:id="rId7"/>
+    <p:sldLayoutId id="2147483680" r:id="rId8"/>
+    <p:sldLayoutId id="2147483681" r:id="rId9"/>
+    <p:sldLayoutId id="2147483682" r:id="rId10"/>
+    <p:sldLayoutId id="2147483683" r:id="rId11"/>
   </p:sldLayoutIdLst>
   <p:txStyles>
     <p:titleStyle>
-      <a:lvl1pPr algn="l" defTabSz="914400" rtl="0" eaLnBrk="1" latinLnBrk="0" hangingPunct="1">
+      <a:lvl1pPr algn="l" defTabSz="755934" rtl="0" eaLnBrk="1" latinLnBrk="0" hangingPunct="1">
         <a:lnSpc>
           <a:spcPct val="90000"/>
         </a:lnSpc>
@@ -3057,7 +2681,7 @@
           <a:spcPct val="0"/>
         </a:spcBef>
         <a:buNone/>
-        <a:defRPr sz="4400" kern="1200">
+        <a:defRPr sz="3637" kern="1200">
           <a:solidFill>
             <a:schemeClr val="tx1"/>
           </a:solidFill>
@@ -3068,16 +2692,16 @@
       </a:lvl1pPr>
     </p:titleStyle>
     <p:bodyStyle>
-      <a:lvl1pPr marL="228600" indent="-228600" algn="l" defTabSz="914400" rtl="0" eaLnBrk="1" latinLnBrk="0" hangingPunct="1">
+      <a:lvl1pPr marL="188984" indent="-188984" algn="l" defTabSz="755934" rtl="0" eaLnBrk="1" latinLnBrk="0" hangingPunct="1">
         <a:lnSpc>
           <a:spcPct val="90000"/>
         </a:lnSpc>
         <a:spcBef>
-          <a:spcPts val="1000"/>
+          <a:spcPts val="827"/>
         </a:spcBef>
         <a:buFont typeface="Arial" panose="020B0604020202020204" pitchFamily="34" charset="0"/>
         <a:buChar char="•"/>
-        <a:defRPr sz="2800" kern="1200">
+        <a:defRPr sz="2315" kern="1200">
           <a:solidFill>
             <a:schemeClr val="tx1"/>
           </a:solidFill>
@@ -3086,16 +2710,16 @@
           <a:cs typeface="+mn-cs"/>
         </a:defRPr>
       </a:lvl1pPr>
-      <a:lvl2pPr marL="685800" indent="-228600" algn="l" defTabSz="914400" rtl="0" eaLnBrk="1" latinLnBrk="0" hangingPunct="1">
+      <a:lvl2pPr marL="566951" indent="-188984" algn="l" defTabSz="755934" rtl="0" eaLnBrk="1" latinLnBrk="0" hangingPunct="1">
         <a:lnSpc>
           <a:spcPct val="90000"/>
         </a:lnSpc>
         <a:spcBef>
-          <a:spcPts val="500"/>
+          <a:spcPts val="413"/>
         </a:spcBef>
         <a:buFont typeface="Arial" panose="020B0604020202020204" pitchFamily="34" charset="0"/>
         <a:buChar char="•"/>
-        <a:defRPr sz="2400" kern="1200">
+        <a:defRPr sz="1984" kern="1200">
           <a:solidFill>
             <a:schemeClr val="tx1"/>
           </a:solidFill>
@@ -3104,16 +2728,16 @@
           <a:cs typeface="+mn-cs"/>
         </a:defRPr>
       </a:lvl2pPr>
-      <a:lvl3pPr marL="1143000" indent="-228600" algn="l" defTabSz="914400" rtl="0" eaLnBrk="1" latinLnBrk="0" hangingPunct="1">
+      <a:lvl3pPr marL="944918" indent="-188984" algn="l" defTabSz="755934" rtl="0" eaLnBrk="1" latinLnBrk="0" hangingPunct="1">
         <a:lnSpc>
           <a:spcPct val="90000"/>
         </a:lnSpc>
         <a:spcBef>
-          <a:spcPts val="500"/>
+          <a:spcPts val="413"/>
         </a:spcBef>
         <a:buFont typeface="Arial" panose="020B0604020202020204" pitchFamily="34" charset="0"/>
         <a:buChar char="•"/>
-        <a:defRPr sz="2000" kern="1200">
+        <a:defRPr sz="1653" kern="1200">
           <a:solidFill>
             <a:schemeClr val="tx1"/>
           </a:solidFill>
@@ -3122,16 +2746,16 @@
           <a:cs typeface="+mn-cs"/>
         </a:defRPr>
       </a:lvl3pPr>
-      <a:lvl4pPr marL="1600200" indent="-228600" algn="l" defTabSz="914400" rtl="0" eaLnBrk="1" latinLnBrk="0" hangingPunct="1">
+      <a:lvl4pPr marL="1322885" indent="-188984" algn="l" defTabSz="755934" rtl="0" eaLnBrk="1" latinLnBrk="0" hangingPunct="1">
         <a:lnSpc>
           <a:spcPct val="90000"/>
         </a:lnSpc>
         <a:spcBef>
-          <a:spcPts val="500"/>
+          <a:spcPts val="413"/>
         </a:spcBef>
         <a:buFont typeface="Arial" panose="020B0604020202020204" pitchFamily="34" charset="0"/>
         <a:buChar char="•"/>
-        <a:defRPr sz="1800" kern="1200">
+        <a:defRPr sz="1488" kern="1200">
           <a:solidFill>
             <a:schemeClr val="tx1"/>
           </a:solidFill>
@@ -3140,16 +2764,16 @@
           <a:cs typeface="+mn-cs"/>
         </a:defRPr>
       </a:lvl4pPr>
-      <a:lvl5pPr marL="2057400" indent="-228600" algn="l" defTabSz="914400" rtl="0" eaLnBrk="1" latinLnBrk="0" hangingPunct="1">
+      <a:lvl5pPr marL="1700853" indent="-188984" algn="l" defTabSz="755934" rtl="0" eaLnBrk="1" latinLnBrk="0" hangingPunct="1">
         <a:lnSpc>
           <a:spcPct val="90000"/>
         </a:lnSpc>
         <a:spcBef>
-          <a:spcPts val="500"/>
+          <a:spcPts val="413"/>
         </a:spcBef>
         <a:buFont typeface="Arial" panose="020B0604020202020204" pitchFamily="34" charset="0"/>
         <a:buChar char="•"/>
-        <a:defRPr sz="1800" kern="1200">
+        <a:defRPr sz="1488" kern="1200">
           <a:solidFill>
             <a:schemeClr val="tx1"/>
           </a:solidFill>
@@ -3158,16 +2782,16 @@
           <a:cs typeface="+mn-cs"/>
         </a:defRPr>
       </a:lvl5pPr>
-      <a:lvl6pPr marL="2514600" indent="-228600" algn="l" defTabSz="914400" rtl="0" eaLnBrk="1" latinLnBrk="0" hangingPunct="1">
+      <a:lvl6pPr marL="2078820" indent="-188984" algn="l" defTabSz="755934" rtl="0" eaLnBrk="1" latinLnBrk="0" hangingPunct="1">
         <a:lnSpc>
           <a:spcPct val="90000"/>
         </a:lnSpc>
         <a:spcBef>
-          <a:spcPts val="500"/>
+          <a:spcPts val="413"/>
         </a:spcBef>
         <a:buFont typeface="Arial" panose="020B0604020202020204" pitchFamily="34" charset="0"/>
         <a:buChar char="•"/>
-        <a:defRPr sz="1800" kern="1200">
+        <a:defRPr sz="1488" kern="1200">
           <a:solidFill>
             <a:schemeClr val="tx1"/>
           </a:solidFill>
@@ -3176,16 +2800,16 @@
           <a:cs typeface="+mn-cs"/>
         </a:defRPr>
       </a:lvl6pPr>
-      <a:lvl7pPr marL="2971800" indent="-228600" algn="l" defTabSz="914400" rtl="0" eaLnBrk="1" latinLnBrk="0" hangingPunct="1">
+      <a:lvl7pPr marL="2456787" indent="-188984" algn="l" defTabSz="755934" rtl="0" eaLnBrk="1" latinLnBrk="0" hangingPunct="1">
         <a:lnSpc>
           <a:spcPct val="90000"/>
         </a:lnSpc>
         <a:spcBef>
-          <a:spcPts val="500"/>
+          <a:spcPts val="413"/>
         </a:spcBef>
         <a:buFont typeface="Arial" panose="020B0604020202020204" pitchFamily="34" charset="0"/>
         <a:buChar char="•"/>
-        <a:defRPr sz="1800" kern="1200">
+        <a:defRPr sz="1488" kern="1200">
           <a:solidFill>
             <a:schemeClr val="tx1"/>
           </a:solidFill>
@@ -3194,16 +2818,16 @@
           <a:cs typeface="+mn-cs"/>
         </a:defRPr>
       </a:lvl7pPr>
-      <a:lvl8pPr marL="3429000" indent="-228600" algn="l" defTabSz="914400" rtl="0" eaLnBrk="1" latinLnBrk="0" hangingPunct="1">
+      <a:lvl8pPr marL="2834754" indent="-188984" algn="l" defTabSz="755934" rtl="0" eaLnBrk="1" latinLnBrk="0" hangingPunct="1">
         <a:lnSpc>
           <a:spcPct val="90000"/>
         </a:lnSpc>
         <a:spcBef>
-          <a:spcPts val="500"/>
+          <a:spcPts val="413"/>
         </a:spcBef>
         <a:buFont typeface="Arial" panose="020B0604020202020204" pitchFamily="34" charset="0"/>
         <a:buChar char="•"/>
-        <a:defRPr sz="1800" kern="1200">
+        <a:defRPr sz="1488" kern="1200">
           <a:solidFill>
             <a:schemeClr val="tx1"/>
           </a:solidFill>
@@ -3212,16 +2836,16 @@
           <a:cs typeface="+mn-cs"/>
         </a:defRPr>
       </a:lvl8pPr>
-      <a:lvl9pPr marL="3886200" indent="-228600" algn="l" defTabSz="914400" rtl="0" eaLnBrk="1" latinLnBrk="0" hangingPunct="1">
+      <a:lvl9pPr marL="3212722" indent="-188984" algn="l" defTabSz="755934" rtl="0" eaLnBrk="1" latinLnBrk="0" hangingPunct="1">
         <a:lnSpc>
           <a:spcPct val="90000"/>
         </a:lnSpc>
         <a:spcBef>
-          <a:spcPts val="500"/>
+          <a:spcPts val="413"/>
         </a:spcBef>
         <a:buFont typeface="Arial" panose="020B0604020202020204" pitchFamily="34" charset="0"/>
         <a:buChar char="•"/>
-        <a:defRPr sz="1800" kern="1200">
+        <a:defRPr sz="1488" kern="1200">
           <a:solidFill>
             <a:schemeClr val="tx1"/>
           </a:solidFill>
@@ -3233,10 +2857,10 @@
     </p:bodyStyle>
     <p:otherStyle>
       <a:defPPr>
-        <a:defRPr lang="en-JP"/>
+        <a:defRPr lang="en-US"/>
       </a:defPPr>
-      <a:lvl1pPr marL="0" algn="l" defTabSz="914400" rtl="0" eaLnBrk="1" latinLnBrk="0" hangingPunct="1">
-        <a:defRPr sz="1800" kern="1200">
+      <a:lvl1pPr marL="0" algn="l" defTabSz="755934" rtl="0" eaLnBrk="1" latinLnBrk="0" hangingPunct="1">
+        <a:defRPr sz="1488" kern="1200">
           <a:solidFill>
             <a:schemeClr val="tx1"/>
           </a:solidFill>
@@ -3245,8 +2869,8 @@
           <a:cs typeface="+mn-cs"/>
         </a:defRPr>
       </a:lvl1pPr>
-      <a:lvl2pPr marL="457200" algn="l" defTabSz="914400" rtl="0" eaLnBrk="1" latinLnBrk="0" hangingPunct="1">
-        <a:defRPr sz="1800" kern="1200">
+      <a:lvl2pPr marL="377967" algn="l" defTabSz="755934" rtl="0" eaLnBrk="1" latinLnBrk="0" hangingPunct="1">
+        <a:defRPr sz="1488" kern="1200">
           <a:solidFill>
             <a:schemeClr val="tx1"/>
           </a:solidFill>
@@ -3255,8 +2879,8 @@
           <a:cs typeface="+mn-cs"/>
         </a:defRPr>
       </a:lvl2pPr>
-      <a:lvl3pPr marL="914400" algn="l" defTabSz="914400" rtl="0" eaLnBrk="1" latinLnBrk="0" hangingPunct="1">
-        <a:defRPr sz="1800" kern="1200">
+      <a:lvl3pPr marL="755934" algn="l" defTabSz="755934" rtl="0" eaLnBrk="1" latinLnBrk="0" hangingPunct="1">
+        <a:defRPr sz="1488" kern="1200">
           <a:solidFill>
             <a:schemeClr val="tx1"/>
           </a:solidFill>
@@ -3265,8 +2889,8 @@
           <a:cs typeface="+mn-cs"/>
         </a:defRPr>
       </a:lvl3pPr>
-      <a:lvl4pPr marL="1371600" algn="l" defTabSz="914400" rtl="0" eaLnBrk="1" latinLnBrk="0" hangingPunct="1">
-        <a:defRPr sz="1800" kern="1200">
+      <a:lvl4pPr marL="1133902" algn="l" defTabSz="755934" rtl="0" eaLnBrk="1" latinLnBrk="0" hangingPunct="1">
+        <a:defRPr sz="1488" kern="1200">
           <a:solidFill>
             <a:schemeClr val="tx1"/>
           </a:solidFill>
@@ -3275,8 +2899,8 @@
           <a:cs typeface="+mn-cs"/>
         </a:defRPr>
       </a:lvl4pPr>
-      <a:lvl5pPr marL="1828800" algn="l" defTabSz="914400" rtl="0" eaLnBrk="1" latinLnBrk="0" hangingPunct="1">
-        <a:defRPr sz="1800" kern="1200">
+      <a:lvl5pPr marL="1511869" algn="l" defTabSz="755934" rtl="0" eaLnBrk="1" latinLnBrk="0" hangingPunct="1">
+        <a:defRPr sz="1488" kern="1200">
           <a:solidFill>
             <a:schemeClr val="tx1"/>
           </a:solidFill>
@@ -3285,8 +2909,8 @@
           <a:cs typeface="+mn-cs"/>
         </a:defRPr>
       </a:lvl5pPr>
-      <a:lvl6pPr marL="2286000" algn="l" defTabSz="914400" rtl="0" eaLnBrk="1" latinLnBrk="0" hangingPunct="1">
-        <a:defRPr sz="1800" kern="1200">
+      <a:lvl6pPr marL="1889836" algn="l" defTabSz="755934" rtl="0" eaLnBrk="1" latinLnBrk="0" hangingPunct="1">
+        <a:defRPr sz="1488" kern="1200">
           <a:solidFill>
             <a:schemeClr val="tx1"/>
           </a:solidFill>
@@ -3295,8 +2919,8 @@
           <a:cs typeface="+mn-cs"/>
         </a:defRPr>
       </a:lvl6pPr>
-      <a:lvl7pPr marL="2743200" algn="l" defTabSz="914400" rtl="0" eaLnBrk="1" latinLnBrk="0" hangingPunct="1">
-        <a:defRPr sz="1800" kern="1200">
+      <a:lvl7pPr marL="2267803" algn="l" defTabSz="755934" rtl="0" eaLnBrk="1" latinLnBrk="0" hangingPunct="1">
+        <a:defRPr sz="1488" kern="1200">
           <a:solidFill>
             <a:schemeClr val="tx1"/>
           </a:solidFill>
@@ -3305,8 +2929,8 @@
           <a:cs typeface="+mn-cs"/>
         </a:defRPr>
       </a:lvl7pPr>
-      <a:lvl8pPr marL="3200400" algn="l" defTabSz="914400" rtl="0" eaLnBrk="1" latinLnBrk="0" hangingPunct="1">
-        <a:defRPr sz="1800" kern="1200">
+      <a:lvl8pPr marL="2645771" algn="l" defTabSz="755934" rtl="0" eaLnBrk="1" latinLnBrk="0" hangingPunct="1">
+        <a:defRPr sz="1488" kern="1200">
           <a:solidFill>
             <a:schemeClr val="tx1"/>
           </a:solidFill>
@@ -3315,8 +2939,8 @@
           <a:cs typeface="+mn-cs"/>
         </a:defRPr>
       </a:lvl8pPr>
-      <a:lvl9pPr marL="3657600" algn="l" defTabSz="914400" rtl="0" eaLnBrk="1" latinLnBrk="0" hangingPunct="1">
-        <a:defRPr sz="1800" kern="1200">
+      <a:lvl9pPr marL="3023738" algn="l" defTabSz="755934" rtl="0" eaLnBrk="1" latinLnBrk="0" hangingPunct="1">
+        <a:defRPr sz="1488" kern="1200">
           <a:solidFill>
             <a:schemeClr val="tx1"/>
           </a:solidFill>
@@ -3349,10 +2973,10 @@
       </p:grpSpPr>
       <p:pic>
         <p:nvPicPr>
-          <p:cNvPr id="5" name="Picture 4">
+          <p:cNvPr id="37" name="Picture 36">
             <a:extLst>
               <a:ext uri="{FF2B5EF4-FFF2-40B4-BE49-F238E27FC236}">
-                <a16:creationId xmlns:a16="http://schemas.microsoft.com/office/drawing/2014/main" id="{C4F36E06-6134-E64F-8524-3B2C9DB61049}"/>
+                <a16:creationId xmlns:a16="http://schemas.microsoft.com/office/drawing/2014/main" id="{8C7D24FE-BD29-7BAB-F5CA-1FB2E4ABE197}"/>
               </a:ext>
             </a:extLst>
           </p:cNvPr>
@@ -3369,7 +2993,7 @@
         </p:blipFill>
         <p:spPr>
           <a:xfrm>
-            <a:off x="1661782" y="3506400"/>
+            <a:off x="362160" y="2490546"/>
             <a:ext cx="7056000" cy="3528000"/>
           </a:xfrm>
           <a:prstGeom prst="rect">
@@ -3379,10 +3003,10 @@
       </p:pic>
       <p:cxnSp>
         <p:nvCxnSpPr>
-          <p:cNvPr id="34" name="Straight Arrow Connector 33">
+          <p:cNvPr id="39" name="Straight Arrow Connector 38">
             <a:extLst>
               <a:ext uri="{FF2B5EF4-FFF2-40B4-BE49-F238E27FC236}">
-                <a16:creationId xmlns:a16="http://schemas.microsoft.com/office/drawing/2014/main" id="{FEE53FB6-EBEC-E70A-9617-0C922EAC951E}"/>
+                <a16:creationId xmlns:a16="http://schemas.microsoft.com/office/drawing/2014/main" id="{D9D9D6AB-0723-FCD8-1790-02BBEEC12662}"/>
               </a:ext>
             </a:extLst>
           </p:cNvPr>
@@ -3393,7 +3017,7 @@
         </p:nvCxnSpPr>
         <p:spPr>
           <a:xfrm>
-            <a:off x="5272057" y="1331409"/>
+            <a:off x="3972435" y="315555"/>
             <a:ext cx="13726" cy="2448000"/>
           </a:xfrm>
           <a:prstGeom prst="straightConnector1">
@@ -3423,10 +3047,10 @@
       </p:cxnSp>
       <p:sp>
         <p:nvSpPr>
-          <p:cNvPr id="36" name="Rectangle 35">
+          <p:cNvPr id="40" name="Rectangle 39">
             <a:extLst>
               <a:ext uri="{FF2B5EF4-FFF2-40B4-BE49-F238E27FC236}">
-                <a16:creationId xmlns:a16="http://schemas.microsoft.com/office/drawing/2014/main" id="{00589F47-2E6F-7630-7DFC-D1BCFF0D9F7D}"/>
+                <a16:creationId xmlns:a16="http://schemas.microsoft.com/office/drawing/2014/main" id="{BD96DB2E-52A2-966F-21D6-34E2F0AFF742}"/>
               </a:ext>
             </a:extLst>
           </p:cNvPr>
@@ -3435,7 +3059,7 @@
         </p:nvSpPr>
         <p:spPr>
           <a:xfrm>
-            <a:off x="3279451" y="1324957"/>
+            <a:off x="1979829" y="309103"/>
             <a:ext cx="4101187" cy="2022846"/>
           </a:xfrm>
           <a:prstGeom prst="rect">
@@ -3475,10 +3099,10 @@
       </p:sp>
       <p:cxnSp>
         <p:nvCxnSpPr>
-          <p:cNvPr id="38" name="Straight Arrow Connector 37">
+          <p:cNvPr id="41" name="Straight Arrow Connector 40">
             <a:extLst>
               <a:ext uri="{FF2B5EF4-FFF2-40B4-BE49-F238E27FC236}">
-                <a16:creationId xmlns:a16="http://schemas.microsoft.com/office/drawing/2014/main" id="{5F5BFAAC-E4D4-4310-4487-CC271EC89F78}"/>
+                <a16:creationId xmlns:a16="http://schemas.microsoft.com/office/drawing/2014/main" id="{AE2A0EEB-2B84-ACFE-CF40-364A610BA48C}"/>
               </a:ext>
             </a:extLst>
           </p:cNvPr>
@@ -3489,7 +3113,7 @@
         </p:nvCxnSpPr>
         <p:spPr>
           <a:xfrm>
-            <a:off x="3279451" y="1681078"/>
+            <a:off x="1979829" y="665224"/>
             <a:ext cx="609448" cy="0"/>
           </a:xfrm>
           <a:prstGeom prst="straightConnector1">
@@ -3519,10 +3143,10 @@
       </p:cxnSp>
       <p:cxnSp>
         <p:nvCxnSpPr>
-          <p:cNvPr id="46" name="Straight Arrow Connector 45">
+          <p:cNvPr id="42" name="Straight Arrow Connector 41">
             <a:extLst>
               <a:ext uri="{FF2B5EF4-FFF2-40B4-BE49-F238E27FC236}">
-                <a16:creationId xmlns:a16="http://schemas.microsoft.com/office/drawing/2014/main" id="{0F4FD263-9198-ABB4-9595-5FD3050ACC96}"/>
+                <a16:creationId xmlns:a16="http://schemas.microsoft.com/office/drawing/2014/main" id="{FD71CDD8-78AA-7AD4-EDCF-4EFFB22184C0}"/>
               </a:ext>
             </a:extLst>
           </p:cNvPr>
@@ -3533,7 +3157,7 @@
         </p:nvCxnSpPr>
         <p:spPr>
           <a:xfrm>
-            <a:off x="6566295" y="1677268"/>
+            <a:off x="5266673" y="661414"/>
             <a:ext cx="432000" cy="0"/>
           </a:xfrm>
           <a:prstGeom prst="straightConnector1">
@@ -3563,10 +3187,10 @@
       </p:cxnSp>
       <p:cxnSp>
         <p:nvCxnSpPr>
-          <p:cNvPr id="47" name="Straight Arrow Connector 46">
+          <p:cNvPr id="43" name="Straight Arrow Connector 42">
             <a:extLst>
               <a:ext uri="{FF2B5EF4-FFF2-40B4-BE49-F238E27FC236}">
-                <a16:creationId xmlns:a16="http://schemas.microsoft.com/office/drawing/2014/main" id="{CF2B4F2C-17BD-E31C-0DE6-070FE33FEC5D}"/>
+                <a16:creationId xmlns:a16="http://schemas.microsoft.com/office/drawing/2014/main" id="{A1CF8F49-03DF-B6D3-09E5-6E8DFA5BF76A}"/>
               </a:ext>
             </a:extLst>
           </p:cNvPr>
@@ -3577,7 +3201,7 @@
         </p:nvCxnSpPr>
         <p:spPr>
           <a:xfrm flipH="1">
-            <a:off x="4227440" y="1677266"/>
+            <a:off x="2927818" y="661412"/>
             <a:ext cx="648000" cy="0"/>
           </a:xfrm>
           <a:prstGeom prst="straightConnector1">
@@ -3607,10 +3231,10 @@
       </p:cxnSp>
       <p:cxnSp>
         <p:nvCxnSpPr>
-          <p:cNvPr id="48" name="Straight Arrow Connector 47">
+          <p:cNvPr id="44" name="Straight Arrow Connector 43">
             <a:extLst>
               <a:ext uri="{FF2B5EF4-FFF2-40B4-BE49-F238E27FC236}">
-                <a16:creationId xmlns:a16="http://schemas.microsoft.com/office/drawing/2014/main" id="{4B1345F2-66F5-5E74-EE93-47039CAD1FEE}"/>
+                <a16:creationId xmlns:a16="http://schemas.microsoft.com/office/drawing/2014/main" id="{FC3DD1FC-6831-851F-32C4-35CBD1DC9579}"/>
               </a:ext>
             </a:extLst>
           </p:cNvPr>
@@ -3621,7 +3245,7 @@
         </p:nvCxnSpPr>
         <p:spPr>
           <a:xfrm flipH="1">
-            <a:off x="4394128" y="2015407"/>
+            <a:off x="3094506" y="999553"/>
             <a:ext cx="504000" cy="0"/>
           </a:xfrm>
           <a:prstGeom prst="straightConnector1">
@@ -3651,10 +3275,10 @@
       </p:cxnSp>
       <p:cxnSp>
         <p:nvCxnSpPr>
-          <p:cNvPr id="49" name="Straight Arrow Connector 48">
+          <p:cNvPr id="45" name="Straight Arrow Connector 44">
             <a:extLst>
               <a:ext uri="{FF2B5EF4-FFF2-40B4-BE49-F238E27FC236}">
-                <a16:creationId xmlns:a16="http://schemas.microsoft.com/office/drawing/2014/main" id="{0BFC9CC3-80F4-3F49-82AA-E5DC04C9B528}"/>
+                <a16:creationId xmlns:a16="http://schemas.microsoft.com/office/drawing/2014/main" id="{93923F54-2F32-A59B-6180-AB1F4B9785B7}"/>
               </a:ext>
             </a:extLst>
           </p:cNvPr>
@@ -3665,7 +3289,7 @@
         </p:nvCxnSpPr>
         <p:spPr>
           <a:xfrm>
-            <a:off x="3793495" y="2012530"/>
+            <a:off x="2493873" y="996676"/>
             <a:ext cx="612000" cy="0"/>
           </a:xfrm>
           <a:prstGeom prst="straightConnector1">
@@ -3695,10 +3319,10 @@
       </p:cxnSp>
       <p:cxnSp>
         <p:nvCxnSpPr>
-          <p:cNvPr id="50" name="Straight Arrow Connector 49">
+          <p:cNvPr id="51" name="Straight Arrow Connector 50">
             <a:extLst>
               <a:ext uri="{FF2B5EF4-FFF2-40B4-BE49-F238E27FC236}">
-                <a16:creationId xmlns:a16="http://schemas.microsoft.com/office/drawing/2014/main" id="{0ADEB4A4-7F78-C82F-0E96-8828E0CB060B}"/>
+                <a16:creationId xmlns:a16="http://schemas.microsoft.com/office/drawing/2014/main" id="{E2B35E94-5E98-AEF0-9C38-FBCAB5F86DBD}"/>
               </a:ext>
             </a:extLst>
           </p:cNvPr>
@@ -3709,7 +3333,7 @@
         </p:nvCxnSpPr>
         <p:spPr>
           <a:xfrm>
-            <a:off x="3774443" y="2336384"/>
+            <a:off x="2474821" y="1320530"/>
             <a:ext cx="612000" cy="0"/>
           </a:xfrm>
           <a:prstGeom prst="straightConnector1">
@@ -3739,10 +3363,10 @@
       </p:cxnSp>
       <p:sp>
         <p:nvSpPr>
-          <p:cNvPr id="54" name="TextBox 53">
+          <p:cNvPr id="52" name="TextBox 51">
             <a:extLst>
               <a:ext uri="{FF2B5EF4-FFF2-40B4-BE49-F238E27FC236}">
-                <a16:creationId xmlns:a16="http://schemas.microsoft.com/office/drawing/2014/main" id="{CBB7C0B6-E503-EB2C-7AF2-D987D31141D6}"/>
+                <a16:creationId xmlns:a16="http://schemas.microsoft.com/office/drawing/2014/main" id="{957AE4FB-4A61-68C6-7A91-82F04CCB23CF}"/>
               </a:ext>
             </a:extLst>
           </p:cNvPr>
@@ -3751,7 +3375,7 @@
         </p:nvSpPr>
         <p:spPr>
           <a:xfrm>
-            <a:off x="3596591" y="3308868"/>
+            <a:off x="2296969" y="2293014"/>
             <a:ext cx="4467698" cy="276999"/>
           </a:xfrm>
           <a:prstGeom prst="rect">
@@ -3777,10 +3401,10 @@
       </p:sp>
       <p:cxnSp>
         <p:nvCxnSpPr>
-          <p:cNvPr id="57" name="Straight Connector 56">
+          <p:cNvPr id="53" name="Straight Connector 52">
             <a:extLst>
               <a:ext uri="{FF2B5EF4-FFF2-40B4-BE49-F238E27FC236}">
-                <a16:creationId xmlns:a16="http://schemas.microsoft.com/office/drawing/2014/main" id="{D5D35D4A-5A36-639E-F4FE-1B2FB3BF34E0}"/>
+                <a16:creationId xmlns:a16="http://schemas.microsoft.com/office/drawing/2014/main" id="{B6C5074E-756B-8C0B-0D6A-979AE01102F6}"/>
               </a:ext>
             </a:extLst>
           </p:cNvPr>
@@ -3789,7 +3413,7 @@
         </p:nvCxnSpPr>
         <p:spPr>
           <a:xfrm>
-            <a:off x="7304108" y="1314752"/>
+            <a:off x="6004486" y="298898"/>
             <a:ext cx="0" cy="2016000"/>
           </a:xfrm>
           <a:prstGeom prst="line">
@@ -3821,10 +3445,10 @@
       </p:cxnSp>
       <p:cxnSp>
         <p:nvCxnSpPr>
-          <p:cNvPr id="58" name="Straight Connector 57">
+          <p:cNvPr id="55" name="Straight Connector 54">
             <a:extLst>
               <a:ext uri="{FF2B5EF4-FFF2-40B4-BE49-F238E27FC236}">
-                <a16:creationId xmlns:a16="http://schemas.microsoft.com/office/drawing/2014/main" id="{EA966E42-9474-A508-8EBC-BFA883A29759}"/>
+                <a16:creationId xmlns:a16="http://schemas.microsoft.com/office/drawing/2014/main" id="{281633B8-477C-11CD-AE1C-0CD1BE78E04F}"/>
               </a:ext>
             </a:extLst>
           </p:cNvPr>
@@ -3833,7 +3457,7 @@
         </p:nvCxnSpPr>
         <p:spPr>
           <a:xfrm>
-            <a:off x="5484834" y="1310669"/>
+            <a:off x="4185212" y="294815"/>
             <a:ext cx="0" cy="2016000"/>
           </a:xfrm>
           <a:prstGeom prst="line">
@@ -3865,10 +3489,10 @@
       </p:cxnSp>
       <p:cxnSp>
         <p:nvCxnSpPr>
-          <p:cNvPr id="59" name="Straight Connector 58">
+          <p:cNvPr id="56" name="Straight Connector 55">
             <a:extLst>
               <a:ext uri="{FF2B5EF4-FFF2-40B4-BE49-F238E27FC236}">
-                <a16:creationId xmlns:a16="http://schemas.microsoft.com/office/drawing/2014/main" id="{98772DBF-EB99-18C0-F476-F36990138489}"/>
+                <a16:creationId xmlns:a16="http://schemas.microsoft.com/office/drawing/2014/main" id="{A2368303-36F3-584B-0E05-88F6414DA375}"/>
               </a:ext>
             </a:extLst>
           </p:cNvPr>
@@ -3877,7 +3501,7 @@
         </p:nvCxnSpPr>
         <p:spPr>
           <a:xfrm>
-            <a:off x="3682321" y="1317515"/>
+            <a:off x="2382699" y="301661"/>
             <a:ext cx="0" cy="2016000"/>
           </a:xfrm>
           <a:prstGeom prst="line">
@@ -3909,10 +3533,10 @@
       </p:cxnSp>
       <p:sp>
         <p:nvSpPr>
-          <p:cNvPr id="64" name="TextBox 63">
+          <p:cNvPr id="60" name="TextBox 59">
             <a:extLst>
               <a:ext uri="{FF2B5EF4-FFF2-40B4-BE49-F238E27FC236}">
-                <a16:creationId xmlns:a16="http://schemas.microsoft.com/office/drawing/2014/main" id="{84C7D681-C99B-335D-1C05-1A479DC3ADC2}"/>
+                <a16:creationId xmlns:a16="http://schemas.microsoft.com/office/drawing/2014/main" id="{FFDB1C3D-9C8F-AB78-EF4C-52AF7CBB5270}"/>
               </a:ext>
             </a:extLst>
           </p:cNvPr>
@@ -3921,7 +3545,7 @@
         </p:nvSpPr>
         <p:spPr>
           <a:xfrm>
-            <a:off x="2910193" y="1705252"/>
+            <a:off x="1610571" y="689398"/>
             <a:ext cx="1128642" cy="276999"/>
           </a:xfrm>
           <a:prstGeom prst="rect">
@@ -3947,10 +3571,10 @@
       </p:sp>
       <p:sp>
         <p:nvSpPr>
-          <p:cNvPr id="66" name="TextBox 65">
+          <p:cNvPr id="61" name="TextBox 60">
             <a:extLst>
               <a:ext uri="{FF2B5EF4-FFF2-40B4-BE49-F238E27FC236}">
-                <a16:creationId xmlns:a16="http://schemas.microsoft.com/office/drawing/2014/main" id="{5E1EA857-302F-65D5-C6BB-EA769EF98694}"/>
+                <a16:creationId xmlns:a16="http://schemas.microsoft.com/office/drawing/2014/main" id="{3B8EB245-783C-1665-6159-45397260D2DB}"/>
               </a:ext>
             </a:extLst>
           </p:cNvPr>
@@ -3959,7 +3583,7 @@
         </p:nvSpPr>
         <p:spPr>
           <a:xfrm>
-            <a:off x="3279451" y="2053879"/>
+            <a:off x="1979829" y="1038025"/>
             <a:ext cx="1128642" cy="276999"/>
           </a:xfrm>
           <a:prstGeom prst="rect">
@@ -3988,10 +3612,10 @@
       </p:sp>
       <p:sp>
         <p:nvSpPr>
-          <p:cNvPr id="67" name="TextBox 66">
+          <p:cNvPr id="62" name="TextBox 61">
             <a:extLst>
               <a:ext uri="{FF2B5EF4-FFF2-40B4-BE49-F238E27FC236}">
-                <a16:creationId xmlns:a16="http://schemas.microsoft.com/office/drawing/2014/main" id="{A7315CB5-4B90-D92E-3ACF-D345F39C9861}"/>
+                <a16:creationId xmlns:a16="http://schemas.microsoft.com/office/drawing/2014/main" id="{9A41501F-111B-DA27-FEE8-0654A96CFE01}"/>
               </a:ext>
             </a:extLst>
           </p:cNvPr>
@@ -4000,7 +3624,7 @@
         </p:nvSpPr>
         <p:spPr>
           <a:xfrm>
-            <a:off x="3288974" y="2420599"/>
+            <a:off x="1989352" y="1404745"/>
             <a:ext cx="1128642" cy="276999"/>
           </a:xfrm>
           <a:prstGeom prst="rect">
@@ -4029,10 +3653,10 @@
       </p:sp>
       <p:sp>
         <p:nvSpPr>
-          <p:cNvPr id="68" name="TextBox 67">
+          <p:cNvPr id="63" name="TextBox 62">
             <a:extLst>
               <a:ext uri="{FF2B5EF4-FFF2-40B4-BE49-F238E27FC236}">
-                <a16:creationId xmlns:a16="http://schemas.microsoft.com/office/drawing/2014/main" id="{C605DD34-1E9D-D88C-FA82-F0702FE4B78D}"/>
+                <a16:creationId xmlns:a16="http://schemas.microsoft.com/office/drawing/2014/main" id="{4B9B3DFD-62E4-227C-B168-51EF839475F1}"/>
               </a:ext>
             </a:extLst>
           </p:cNvPr>
@@ -4041,7 +3665,7 @@
         </p:nvSpPr>
         <p:spPr>
           <a:xfrm>
-            <a:off x="4367493" y="1716417"/>
+            <a:off x="3067871" y="700563"/>
             <a:ext cx="1128642" cy="276999"/>
           </a:xfrm>
           <a:prstGeom prst="rect">
@@ -4070,10 +3694,10 @@
       </p:sp>
       <p:sp>
         <p:nvSpPr>
-          <p:cNvPr id="69" name="TextBox 68">
+          <p:cNvPr id="65" name="TextBox 64">
             <a:extLst>
               <a:ext uri="{FF2B5EF4-FFF2-40B4-BE49-F238E27FC236}">
-                <a16:creationId xmlns:a16="http://schemas.microsoft.com/office/drawing/2014/main" id="{B10BB8D6-0DDB-7CE0-1D75-771104983351}"/>
+                <a16:creationId xmlns:a16="http://schemas.microsoft.com/office/drawing/2014/main" id="{FC62B413-B53B-0CD4-B1D7-E2665D0A54A1}"/>
               </a:ext>
             </a:extLst>
           </p:cNvPr>
@@ -4082,7 +3706,7 @@
         </p:nvSpPr>
         <p:spPr>
           <a:xfrm>
-            <a:off x="4377140" y="2025305"/>
+            <a:off x="3077518" y="1009451"/>
             <a:ext cx="1128642" cy="276999"/>
           </a:xfrm>
           <a:prstGeom prst="rect">
@@ -4111,10 +3735,10 @@
       </p:sp>
       <p:sp>
         <p:nvSpPr>
-          <p:cNvPr id="70" name="TextBox 69">
+          <p:cNvPr id="71" name="TextBox 70">
             <a:extLst>
               <a:ext uri="{FF2B5EF4-FFF2-40B4-BE49-F238E27FC236}">
-                <a16:creationId xmlns:a16="http://schemas.microsoft.com/office/drawing/2014/main" id="{C0F9224E-9896-5B6A-CE28-C5DC137A6972}"/>
+                <a16:creationId xmlns:a16="http://schemas.microsoft.com/office/drawing/2014/main" id="{7DAC161C-AF3F-BBAE-F5FF-80502DB144E3}"/>
               </a:ext>
             </a:extLst>
           </p:cNvPr>
@@ -4123,7 +3747,7 @@
         </p:nvSpPr>
         <p:spPr>
           <a:xfrm>
-            <a:off x="4494452" y="1363540"/>
+            <a:off x="3194830" y="347686"/>
             <a:ext cx="696024" cy="276999"/>
           </a:xfrm>
           <a:prstGeom prst="rect">
@@ -4152,10 +3776,10 @@
       </p:sp>
       <p:sp>
         <p:nvSpPr>
-          <p:cNvPr id="72" name="TextBox 71">
+          <p:cNvPr id="74" name="TextBox 73">
             <a:extLst>
               <a:ext uri="{FF2B5EF4-FFF2-40B4-BE49-F238E27FC236}">
-                <a16:creationId xmlns:a16="http://schemas.microsoft.com/office/drawing/2014/main" id="{3CED43A6-72B3-DEF4-C409-1D82F3090E36}"/>
+                <a16:creationId xmlns:a16="http://schemas.microsoft.com/office/drawing/2014/main" id="{C7EEBC11-11DD-7063-2172-52E203615469}"/>
               </a:ext>
             </a:extLst>
           </p:cNvPr>
@@ -4164,7 +3788,7 @@
         </p:nvSpPr>
         <p:spPr>
           <a:xfrm>
-            <a:off x="5976415" y="1698889"/>
+            <a:off x="4676793" y="683035"/>
             <a:ext cx="1128642" cy="276999"/>
           </a:xfrm>
           <a:prstGeom prst="rect">
@@ -4193,10 +3817,10 @@
       </p:sp>
       <p:sp>
         <p:nvSpPr>
-          <p:cNvPr id="73" name="TextBox 72">
+          <p:cNvPr id="75" name="TextBox 74">
             <a:extLst>
               <a:ext uri="{FF2B5EF4-FFF2-40B4-BE49-F238E27FC236}">
-                <a16:creationId xmlns:a16="http://schemas.microsoft.com/office/drawing/2014/main" id="{70F9CB74-5A92-6520-C887-1BCBC0E6DE9A}"/>
+                <a16:creationId xmlns:a16="http://schemas.microsoft.com/office/drawing/2014/main" id="{DF582A64-1B5B-4592-5A3A-678B5C15C815}"/>
               </a:ext>
             </a:extLst>
           </p:cNvPr>
@@ -4205,7 +3829,7 @@
         </p:nvSpPr>
         <p:spPr>
           <a:xfrm>
-            <a:off x="7229350" y="1682607"/>
+            <a:off x="5929728" y="666753"/>
             <a:ext cx="1128642" cy="276999"/>
           </a:xfrm>
           <a:prstGeom prst="rect">
@@ -4231,10 +3855,10 @@
       </p:sp>
       <p:sp>
         <p:nvSpPr>
-          <p:cNvPr id="81" name="TextBox 80">
+          <p:cNvPr id="76" name="TextBox 75">
             <a:extLst>
               <a:ext uri="{FF2B5EF4-FFF2-40B4-BE49-F238E27FC236}">
-                <a16:creationId xmlns:a16="http://schemas.microsoft.com/office/drawing/2014/main" id="{2EA12858-C306-A72F-1C48-0437AE9DCC1A}"/>
+                <a16:creationId xmlns:a16="http://schemas.microsoft.com/office/drawing/2014/main" id="{4B98C486-1164-A7A5-E298-B9EAAE2AFFDF}"/>
               </a:ext>
             </a:extLst>
           </p:cNvPr>
@@ -4243,7 +3867,7 @@
         </p:nvSpPr>
         <p:spPr>
           <a:xfrm>
-            <a:off x="4542453" y="3436227"/>
+            <a:off x="3242831" y="2420373"/>
             <a:ext cx="779381" cy="276999"/>
           </a:xfrm>
           <a:prstGeom prst="rect">
@@ -4272,10 +3896,10 @@
       </p:sp>
       <p:sp>
         <p:nvSpPr>
-          <p:cNvPr id="15" name="TextBox 14">
+          <p:cNvPr id="77" name="TextBox 76">
             <a:extLst>
               <a:ext uri="{FF2B5EF4-FFF2-40B4-BE49-F238E27FC236}">
-                <a16:creationId xmlns:a16="http://schemas.microsoft.com/office/drawing/2014/main" id="{B2876B03-F116-D6BF-49F4-F35D6801561B}"/>
+                <a16:creationId xmlns:a16="http://schemas.microsoft.com/office/drawing/2014/main" id="{B4782F17-0017-9D2A-EDAA-5FB765E05E8A}"/>
               </a:ext>
             </a:extLst>
           </p:cNvPr>
@@ -4284,7 +3908,7 @@
         </p:nvSpPr>
         <p:spPr>
           <a:xfrm>
-            <a:off x="1575331" y="1344157"/>
+            <a:off x="275709" y="328303"/>
             <a:ext cx="338554" cy="369332"/>
           </a:xfrm>
           <a:prstGeom prst="rect">
@@ -4310,10 +3934,10 @@
       </p:sp>
       <p:sp>
         <p:nvSpPr>
-          <p:cNvPr id="20" name="TextBox 19">
+          <p:cNvPr id="78" name="TextBox 77">
             <a:extLst>
               <a:ext uri="{FF2B5EF4-FFF2-40B4-BE49-F238E27FC236}">
-                <a16:creationId xmlns:a16="http://schemas.microsoft.com/office/drawing/2014/main" id="{C6EA70DD-CCB8-B9A0-C9AF-17CC9FCC76F7}"/>
+                <a16:creationId xmlns:a16="http://schemas.microsoft.com/office/drawing/2014/main" id="{F073A116-A048-9BD1-485D-3118DE68EF24}"/>
               </a:ext>
             </a:extLst>
           </p:cNvPr>
@@ -4322,7 +3946,7 @@
         </p:nvSpPr>
         <p:spPr>
           <a:xfrm>
-            <a:off x="1583139" y="3616090"/>
+            <a:off x="283517" y="2600236"/>
             <a:ext cx="338554" cy="369332"/>
           </a:xfrm>
           <a:prstGeom prst="rect">
@@ -4348,10 +3972,10 @@
       </p:sp>
       <p:cxnSp>
         <p:nvCxnSpPr>
-          <p:cNvPr id="7" name="Straight Connector 6">
+          <p:cNvPr id="79" name="Straight Connector 78">
             <a:extLst>
               <a:ext uri="{FF2B5EF4-FFF2-40B4-BE49-F238E27FC236}">
-                <a16:creationId xmlns:a16="http://schemas.microsoft.com/office/drawing/2014/main" id="{17C74AB2-4450-DEE0-0229-4DFA4F6D8A65}"/>
+                <a16:creationId xmlns:a16="http://schemas.microsoft.com/office/drawing/2014/main" id="{D135AF88-4994-CCAE-F0FA-FEA44783BBB7}"/>
               </a:ext>
             </a:extLst>
           </p:cNvPr>
@@ -4360,7 +3984,7 @@
         </p:nvCxnSpPr>
         <p:spPr>
           <a:xfrm>
-            <a:off x="7278624" y="1673341"/>
+            <a:off x="5979002" y="657487"/>
             <a:ext cx="108000" cy="0"/>
           </a:xfrm>
           <a:prstGeom prst="line">
@@ -4389,10 +4013,10 @@
       </p:cxnSp>
       <p:sp>
         <p:nvSpPr>
-          <p:cNvPr id="10" name="TextBox 9">
+          <p:cNvPr id="80" name="TextBox 79">
             <a:extLst>
               <a:ext uri="{FF2B5EF4-FFF2-40B4-BE49-F238E27FC236}">
-                <a16:creationId xmlns:a16="http://schemas.microsoft.com/office/drawing/2014/main" id="{85F81B03-07C9-EF83-D5DF-6ED66ACC7481}"/>
+                <a16:creationId xmlns:a16="http://schemas.microsoft.com/office/drawing/2014/main" id="{9547C616-9A11-4FA0-2435-6700591ADE61}"/>
               </a:ext>
             </a:extLst>
           </p:cNvPr>
@@ -4401,7 +4025,7 @@
         </p:nvSpPr>
         <p:spPr>
           <a:xfrm>
-            <a:off x="3245609" y="2685406"/>
+            <a:off x="1945987" y="1669552"/>
             <a:ext cx="1322798" cy="276999"/>
           </a:xfrm>
           <a:prstGeom prst="rect">
@@ -4430,10 +4054,10 @@
       </p:sp>
       <p:sp>
         <p:nvSpPr>
-          <p:cNvPr id="11" name="TextBox 10">
+          <p:cNvPr id="82" name="TextBox 81">
             <a:extLst>
               <a:ext uri="{FF2B5EF4-FFF2-40B4-BE49-F238E27FC236}">
-                <a16:creationId xmlns:a16="http://schemas.microsoft.com/office/drawing/2014/main" id="{29BFCE21-C68B-26E2-1D76-03FFFB417D1A}"/>
+                <a16:creationId xmlns:a16="http://schemas.microsoft.com/office/drawing/2014/main" id="{C56B0FFF-A978-605B-E5D7-272E259BA91C}"/>
               </a:ext>
             </a:extLst>
           </p:cNvPr>
@@ -4442,7 +4066,7 @@
         </p:nvSpPr>
         <p:spPr>
           <a:xfrm>
-            <a:off x="6412684" y="1373424"/>
+            <a:off x="5113062" y="357570"/>
             <a:ext cx="663964" cy="276999"/>
           </a:xfrm>
           <a:prstGeom prst="rect">
@@ -4492,7 +4116,7 @@
 <file path=ppt/theme/theme1.xml><?xml version="1.0" encoding="utf-8"?>
 <a:theme xmlns:a="http://schemas.openxmlformats.org/drawingml/2006/main" name="Office Theme">
   <a:themeElements>
-    <a:clrScheme name="Office">
+    <a:clrScheme name="Office Theme">
       <a:dk1>
         <a:sysClr val="windowText" lastClr="000000"/>
       </a:dk1>
@@ -4530,7 +4154,7 @@
         <a:srgbClr val="954F72"/>
       </a:folHlink>
     </a:clrScheme>
-    <a:fontScheme name="Office">
+    <a:fontScheme name="Office Theme">
       <a:majorFont>
         <a:latin typeface="Calibri Light" panose="020F0302020204030204"/>
         <a:ea typeface=""/>
@@ -4565,23 +4189,6 @@
         <a:font script="Viet" typeface="Times New Roman"/>
         <a:font script="Uigh" typeface="Microsoft Uighur"/>
         <a:font script="Geor" typeface="Sylfaen"/>
-        <a:font script="Armn" typeface="Arial"/>
-        <a:font script="Bugi" typeface="Leelawadee UI"/>
-        <a:font script="Bopo" typeface="Microsoft JhengHei"/>
-        <a:font script="Java" typeface="Javanese Text"/>
-        <a:font script="Lisu" typeface="Segoe UI"/>
-        <a:font script="Mymr" typeface="Myanmar Text"/>
-        <a:font script="Nkoo" typeface="Ebrima"/>
-        <a:font script="Olck" typeface="Nirmala UI"/>
-        <a:font script="Osma" typeface="Ebrima"/>
-        <a:font script="Phag" typeface="Phagspa"/>
-        <a:font script="Syrn" typeface="Estrangelo Edessa"/>
-        <a:font script="Syrj" typeface="Estrangelo Edessa"/>
-        <a:font script="Syre" typeface="Estrangelo Edessa"/>
-        <a:font script="Sora" typeface="Nirmala UI"/>
-        <a:font script="Tale" typeface="Microsoft Tai Le"/>
-        <a:font script="Talu" typeface="Microsoft New Tai Lue"/>
-        <a:font script="Tfng" typeface="Ebrima"/>
       </a:majorFont>
       <a:minorFont>
         <a:latin typeface="Calibri" panose="020F0502020204030204"/>
@@ -4617,26 +4224,9 @@
         <a:font script="Viet" typeface="Arial"/>
         <a:font script="Uigh" typeface="Microsoft Uighur"/>
         <a:font script="Geor" typeface="Sylfaen"/>
-        <a:font script="Armn" typeface="Arial"/>
-        <a:font script="Bugi" typeface="Leelawadee UI"/>
-        <a:font script="Bopo" typeface="Microsoft JhengHei"/>
-        <a:font script="Java" typeface="Javanese Text"/>
-        <a:font script="Lisu" typeface="Segoe UI"/>
-        <a:font script="Mymr" typeface="Myanmar Text"/>
-        <a:font script="Nkoo" typeface="Ebrima"/>
-        <a:font script="Olck" typeface="Nirmala UI"/>
-        <a:font script="Osma" typeface="Ebrima"/>
-        <a:font script="Phag" typeface="Phagspa"/>
-        <a:font script="Syrn" typeface="Estrangelo Edessa"/>
-        <a:font script="Syrj" typeface="Estrangelo Edessa"/>
-        <a:font script="Syre" typeface="Estrangelo Edessa"/>
-        <a:font script="Sora" typeface="Nirmala UI"/>
-        <a:font script="Tale" typeface="Microsoft Tai Le"/>
-        <a:font script="Talu" typeface="Microsoft New Tai Lue"/>
-        <a:font script="Tfng" typeface="Ebrima"/>
       </a:minorFont>
     </a:fontScheme>
-    <a:fmtScheme name="Office">
+    <a:fmtScheme name="Office Theme">
       <a:fillStyleLst>
         <a:solidFill>
           <a:schemeClr val="phClr"/>

--- a/figures/fig1_comb.pptx
+++ b/figures/fig1_comb.pptx
@@ -243,7 +243,7 @@
           <a:p>
             <a:fld id="{9915773D-6D45-A545-9BEA-022AEEFB4CE4}" type="datetimeFigureOut">
               <a:rPr lang="en-JP" smtClean="0"/>
-              <a:t>2022/10/25</a:t>
+              <a:t>2022/11/01</a:t>
             </a:fld>
             <a:endParaRPr lang="en-JP"/>
           </a:p>
@@ -413,7 +413,7 @@
           <a:p>
             <a:fld id="{9915773D-6D45-A545-9BEA-022AEEFB4CE4}" type="datetimeFigureOut">
               <a:rPr lang="en-JP" smtClean="0"/>
-              <a:t>2022/10/25</a:t>
+              <a:t>2022/11/01</a:t>
             </a:fld>
             <a:endParaRPr lang="en-JP"/>
           </a:p>
@@ -593,7 +593,7 @@
           <a:p>
             <a:fld id="{9915773D-6D45-A545-9BEA-022AEEFB4CE4}" type="datetimeFigureOut">
               <a:rPr lang="en-JP" smtClean="0"/>
-              <a:t>2022/10/25</a:t>
+              <a:t>2022/11/01</a:t>
             </a:fld>
             <a:endParaRPr lang="en-JP"/>
           </a:p>
@@ -763,7 +763,7 @@
           <a:p>
             <a:fld id="{9915773D-6D45-A545-9BEA-022AEEFB4CE4}" type="datetimeFigureOut">
               <a:rPr lang="en-JP" smtClean="0"/>
-              <a:t>2022/10/25</a:t>
+              <a:t>2022/11/01</a:t>
             </a:fld>
             <a:endParaRPr lang="en-JP"/>
           </a:p>
@@ -1007,7 +1007,7 @@
           <a:p>
             <a:fld id="{9915773D-6D45-A545-9BEA-022AEEFB4CE4}" type="datetimeFigureOut">
               <a:rPr lang="en-JP" smtClean="0"/>
-              <a:t>2022/10/25</a:t>
+              <a:t>2022/11/01</a:t>
             </a:fld>
             <a:endParaRPr lang="en-JP"/>
           </a:p>
@@ -1239,7 +1239,7 @@
           <a:p>
             <a:fld id="{9915773D-6D45-A545-9BEA-022AEEFB4CE4}" type="datetimeFigureOut">
               <a:rPr lang="en-JP" smtClean="0"/>
-              <a:t>2022/10/25</a:t>
+              <a:t>2022/11/01</a:t>
             </a:fld>
             <a:endParaRPr lang="en-JP"/>
           </a:p>
@@ -1606,7 +1606,7 @@
           <a:p>
             <a:fld id="{9915773D-6D45-A545-9BEA-022AEEFB4CE4}" type="datetimeFigureOut">
               <a:rPr lang="en-JP" smtClean="0"/>
-              <a:t>2022/10/25</a:t>
+              <a:t>2022/11/01</a:t>
             </a:fld>
             <a:endParaRPr lang="en-JP"/>
           </a:p>
@@ -1724,7 +1724,7 @@
           <a:p>
             <a:fld id="{9915773D-6D45-A545-9BEA-022AEEFB4CE4}" type="datetimeFigureOut">
               <a:rPr lang="en-JP" smtClean="0"/>
-              <a:t>2022/10/25</a:t>
+              <a:t>2022/11/01</a:t>
             </a:fld>
             <a:endParaRPr lang="en-JP"/>
           </a:p>
@@ -1819,7 +1819,7 @@
           <a:p>
             <a:fld id="{9915773D-6D45-A545-9BEA-022AEEFB4CE4}" type="datetimeFigureOut">
               <a:rPr lang="en-JP" smtClean="0"/>
-              <a:t>2022/10/25</a:t>
+              <a:t>2022/11/01</a:t>
             </a:fld>
             <a:endParaRPr lang="en-JP"/>
           </a:p>
@@ -2096,7 +2096,7 @@
           <a:p>
             <a:fld id="{9915773D-6D45-A545-9BEA-022AEEFB4CE4}" type="datetimeFigureOut">
               <a:rPr lang="en-JP" smtClean="0"/>
-              <a:t>2022/10/25</a:t>
+              <a:t>2022/11/01</a:t>
             </a:fld>
             <a:endParaRPr lang="en-JP"/>
           </a:p>
@@ -2353,7 +2353,7 @@
           <a:p>
             <a:fld id="{9915773D-6D45-A545-9BEA-022AEEFB4CE4}" type="datetimeFigureOut">
               <a:rPr lang="en-JP" smtClean="0"/>
-              <a:t>2022/10/25</a:t>
+              <a:t>2022/11/01</a:t>
             </a:fld>
             <a:endParaRPr lang="en-JP"/>
           </a:p>
@@ -2566,7 +2566,7 @@
           <a:p>
             <a:fld id="{9915773D-6D45-A545-9BEA-022AEEFB4CE4}" type="datetimeFigureOut">
               <a:rPr lang="en-JP" smtClean="0"/>
-              <a:t>2022/10/25</a:t>
+              <a:t>2022/11/01</a:t>
             </a:fld>
             <a:endParaRPr lang="en-JP"/>
           </a:p>
@@ -2985,16 +2985,15 @@
           </p:cNvPicPr>
           <p:nvPr/>
         </p:nvPicPr>
-        <p:blipFill>
+        <p:blipFill rotWithShape="1">
           <a:blip r:embed="rId2"/>
-          <a:stretch>
-            <a:fillRect/>
-          </a:stretch>
+          <a:srcRect l="3838"/>
+          <a:stretch/>
         </p:blipFill>
         <p:spPr>
           <a:xfrm>
-            <a:off x="362160" y="2490546"/>
-            <a:ext cx="7056000" cy="3528000"/>
+            <a:off x="632958" y="2490546"/>
+            <a:ext cx="6785202" cy="3528000"/>
           </a:xfrm>
           <a:prstGeom prst="rect">
             <a:avLst/>
@@ -3908,7 +3907,7 @@
         </p:nvSpPr>
         <p:spPr>
           <a:xfrm>
-            <a:off x="275709" y="328303"/>
+            <a:off x="221279" y="328303"/>
             <a:ext cx="338554" cy="369332"/>
           </a:xfrm>
           <a:prstGeom prst="rect">
@@ -3946,7 +3945,7 @@
         </p:nvSpPr>
         <p:spPr>
           <a:xfrm>
-            <a:off x="283517" y="2600236"/>
+            <a:off x="229087" y="2600236"/>
             <a:ext cx="338554" cy="369332"/>
           </a:xfrm>
           <a:prstGeom prst="rect">
@@ -4097,6 +4096,45 @@
               <a:latin typeface="Arial" panose="020B0604020202020204" pitchFamily="34" charset="0"/>
               <a:cs typeface="Arial" panose="020B0604020202020204" pitchFamily="34" charset="0"/>
             </a:endParaRPr>
+          </a:p>
+        </p:txBody>
+      </p:sp>
+      <p:sp>
+        <p:nvSpPr>
+          <p:cNvPr id="2" name="TextBox 1">
+            <a:extLst>
+              <a:ext uri="{FF2B5EF4-FFF2-40B4-BE49-F238E27FC236}">
+                <a16:creationId xmlns:a16="http://schemas.microsoft.com/office/drawing/2014/main" id="{787317D9-4A96-87FA-B5CD-E911702D02AB}"/>
+              </a:ext>
+            </a:extLst>
+          </p:cNvPr>
+          <p:cNvSpPr txBox="1"/>
+          <p:nvPr/>
+        </p:nvSpPr>
+        <p:spPr>
+          <a:xfrm rot="16200000">
+            <a:off x="-184792" y="3759562"/>
+            <a:ext cx="1790875" cy="338554"/>
+          </a:xfrm>
+          <a:prstGeom prst="rect">
+            <a:avLst/>
+          </a:prstGeom>
+          <a:noFill/>
+        </p:spPr>
+        <p:txBody>
+          <a:bodyPr wrap="none" rtlCol="0">
+            <a:spAutoFit/>
+          </a:bodyPr>
+          <a:lstStyle/>
+          <a:p>
+            <a:pPr algn="ctr"/>
+            <a:r>
+              <a:rPr lang="en-JP" sz="1600" dirty="0">
+                <a:latin typeface="Arial" panose="020B0604020202020204" pitchFamily="34" charset="0"/>
+                <a:cs typeface="Arial" panose="020B0604020202020204" pitchFamily="34" charset="0"/>
+              </a:rPr>
+              <a:t>Association score</a:t>
+            </a:r>
           </a:p>
         </p:txBody>
       </p:sp>

--- a/figures/fig1_comb.pptx
+++ b/figures/fig1_comb.pptx
@@ -243,7 +243,7 @@
           <a:p>
             <a:fld id="{9915773D-6D45-A545-9BEA-022AEEFB4CE4}" type="datetimeFigureOut">
               <a:rPr lang="en-JP" smtClean="0"/>
-              <a:t>2022/11/01</a:t>
+              <a:t>2022/11/09</a:t>
             </a:fld>
             <a:endParaRPr lang="en-JP"/>
           </a:p>
@@ -413,7 +413,7 @@
           <a:p>
             <a:fld id="{9915773D-6D45-A545-9BEA-022AEEFB4CE4}" type="datetimeFigureOut">
               <a:rPr lang="en-JP" smtClean="0"/>
-              <a:t>2022/11/01</a:t>
+              <a:t>2022/11/09</a:t>
             </a:fld>
             <a:endParaRPr lang="en-JP"/>
           </a:p>
@@ -593,7 +593,7 @@
           <a:p>
             <a:fld id="{9915773D-6D45-A545-9BEA-022AEEFB4CE4}" type="datetimeFigureOut">
               <a:rPr lang="en-JP" smtClean="0"/>
-              <a:t>2022/11/01</a:t>
+              <a:t>2022/11/09</a:t>
             </a:fld>
             <a:endParaRPr lang="en-JP"/>
           </a:p>
@@ -763,7 +763,7 @@
           <a:p>
             <a:fld id="{9915773D-6D45-A545-9BEA-022AEEFB4CE4}" type="datetimeFigureOut">
               <a:rPr lang="en-JP" smtClean="0"/>
-              <a:t>2022/11/01</a:t>
+              <a:t>2022/11/09</a:t>
             </a:fld>
             <a:endParaRPr lang="en-JP"/>
           </a:p>
@@ -1007,7 +1007,7 @@
           <a:p>
             <a:fld id="{9915773D-6D45-A545-9BEA-022AEEFB4CE4}" type="datetimeFigureOut">
               <a:rPr lang="en-JP" smtClean="0"/>
-              <a:t>2022/11/01</a:t>
+              <a:t>2022/11/09</a:t>
             </a:fld>
             <a:endParaRPr lang="en-JP"/>
           </a:p>
@@ -1239,7 +1239,7 @@
           <a:p>
             <a:fld id="{9915773D-6D45-A545-9BEA-022AEEFB4CE4}" type="datetimeFigureOut">
               <a:rPr lang="en-JP" smtClean="0"/>
-              <a:t>2022/11/01</a:t>
+              <a:t>2022/11/09</a:t>
             </a:fld>
             <a:endParaRPr lang="en-JP"/>
           </a:p>
@@ -1606,7 +1606,7 @@
           <a:p>
             <a:fld id="{9915773D-6D45-A545-9BEA-022AEEFB4CE4}" type="datetimeFigureOut">
               <a:rPr lang="en-JP" smtClean="0"/>
-              <a:t>2022/11/01</a:t>
+              <a:t>2022/11/09</a:t>
             </a:fld>
             <a:endParaRPr lang="en-JP"/>
           </a:p>
@@ -1724,7 +1724,7 @@
           <a:p>
             <a:fld id="{9915773D-6D45-A545-9BEA-022AEEFB4CE4}" type="datetimeFigureOut">
               <a:rPr lang="en-JP" smtClean="0"/>
-              <a:t>2022/11/01</a:t>
+              <a:t>2022/11/09</a:t>
             </a:fld>
             <a:endParaRPr lang="en-JP"/>
           </a:p>
@@ -1819,7 +1819,7 @@
           <a:p>
             <a:fld id="{9915773D-6D45-A545-9BEA-022AEEFB4CE4}" type="datetimeFigureOut">
               <a:rPr lang="en-JP" smtClean="0"/>
-              <a:t>2022/11/01</a:t>
+              <a:t>2022/11/09</a:t>
             </a:fld>
             <a:endParaRPr lang="en-JP"/>
           </a:p>
@@ -2096,7 +2096,7 @@
           <a:p>
             <a:fld id="{9915773D-6D45-A545-9BEA-022AEEFB4CE4}" type="datetimeFigureOut">
               <a:rPr lang="en-JP" smtClean="0"/>
-              <a:t>2022/11/01</a:t>
+              <a:t>2022/11/09</a:t>
             </a:fld>
             <a:endParaRPr lang="en-JP"/>
           </a:p>
@@ -2353,7 +2353,7 @@
           <a:p>
             <a:fld id="{9915773D-6D45-A545-9BEA-022AEEFB4CE4}" type="datetimeFigureOut">
               <a:rPr lang="en-JP" smtClean="0"/>
-              <a:t>2022/11/01</a:t>
+              <a:t>2022/11/09</a:t>
             </a:fld>
             <a:endParaRPr lang="en-JP"/>
           </a:p>
@@ -2566,7 +2566,7 @@
           <a:p>
             <a:fld id="{9915773D-6D45-A545-9BEA-022AEEFB4CE4}" type="datetimeFigureOut">
               <a:rPr lang="en-JP" smtClean="0"/>
-              <a:t>2022/11/01</a:t>
+              <a:t>2022/11/09</a:t>
             </a:fld>
             <a:endParaRPr lang="en-JP"/>
           </a:p>
@@ -3164,7 +3164,7 @@
           </a:prstGeom>
           <a:ln w="28575">
             <a:solidFill>
-              <a:srgbClr val="FF0000"/>
+              <a:schemeClr val="tx1"/>
             </a:solidFill>
             <a:tailEnd type="triangle"/>
           </a:ln>
@@ -3208,95 +3208,7 @@
           </a:prstGeom>
           <a:ln w="28575">
             <a:solidFill>
-              <a:srgbClr val="FF0000"/>
-            </a:solidFill>
-            <a:tailEnd type="triangle"/>
-          </a:ln>
-        </p:spPr>
-        <p:style>
-          <a:lnRef idx="1">
-            <a:schemeClr val="accent1"/>
-          </a:lnRef>
-          <a:fillRef idx="0">
-            <a:schemeClr val="accent1"/>
-          </a:fillRef>
-          <a:effectRef idx="0">
-            <a:schemeClr val="accent1"/>
-          </a:effectRef>
-          <a:fontRef idx="minor">
-            <a:schemeClr val="tx1"/>
-          </a:fontRef>
-        </p:style>
-      </p:cxnSp>
-      <p:cxnSp>
-        <p:nvCxnSpPr>
-          <p:cNvPr id="44" name="Straight Arrow Connector 43">
-            <a:extLst>
-              <a:ext uri="{FF2B5EF4-FFF2-40B4-BE49-F238E27FC236}">
-                <a16:creationId xmlns:a16="http://schemas.microsoft.com/office/drawing/2014/main" id="{FC3DD1FC-6831-851F-32C4-35CBD1DC9579}"/>
-              </a:ext>
-            </a:extLst>
-          </p:cNvPr>
-          <p:cNvCxnSpPr>
-            <a:cxnSpLocks/>
-          </p:cNvCxnSpPr>
-          <p:nvPr/>
-        </p:nvCxnSpPr>
-        <p:spPr>
-          <a:xfrm flipH="1">
-            <a:off x="3094506" y="999553"/>
-            <a:ext cx="504000" cy="0"/>
-          </a:xfrm>
-          <a:prstGeom prst="straightConnector1">
-            <a:avLst/>
-          </a:prstGeom>
-          <a:ln w="28575">
-            <a:solidFill>
-              <a:srgbClr val="FF0000"/>
-            </a:solidFill>
-            <a:tailEnd type="triangle"/>
-          </a:ln>
-        </p:spPr>
-        <p:style>
-          <a:lnRef idx="1">
-            <a:schemeClr val="accent1"/>
-          </a:lnRef>
-          <a:fillRef idx="0">
-            <a:schemeClr val="accent1"/>
-          </a:fillRef>
-          <a:effectRef idx="0">
-            <a:schemeClr val="accent1"/>
-          </a:effectRef>
-          <a:fontRef idx="minor">
-            <a:schemeClr val="tx1"/>
-          </a:fontRef>
-        </p:style>
-      </p:cxnSp>
-      <p:cxnSp>
-        <p:nvCxnSpPr>
-          <p:cNvPr id="45" name="Straight Arrow Connector 44">
-            <a:extLst>
-              <a:ext uri="{FF2B5EF4-FFF2-40B4-BE49-F238E27FC236}">
-                <a16:creationId xmlns:a16="http://schemas.microsoft.com/office/drawing/2014/main" id="{93923F54-2F32-A59B-6180-AB1F4B9785B7}"/>
-              </a:ext>
-            </a:extLst>
-          </p:cNvPr>
-          <p:cNvCxnSpPr>
-            <a:cxnSpLocks/>
-          </p:cNvCxnSpPr>
-          <p:nvPr/>
-        </p:nvCxnSpPr>
-        <p:spPr>
-          <a:xfrm>
-            <a:off x="2493873" y="996676"/>
-            <a:ext cx="612000" cy="0"/>
-          </a:xfrm>
-          <a:prstGeom prst="straightConnector1">
-            <a:avLst/>
-          </a:prstGeom>
-          <a:ln w="28575">
-            <a:solidFill>
-              <a:srgbClr val="FF0000"/>
+              <a:schemeClr val="tx1"/>
             </a:solidFill>
             <a:tailEnd type="triangle"/>
           </a:ln>
@@ -3340,7 +3252,7 @@
           </a:prstGeom>
           <a:ln w="28575">
             <a:solidFill>
-              <a:srgbClr val="FF0000"/>
+              <a:schemeClr val="tx1"/>
             </a:solidFill>
             <a:tailEnd type="triangle"/>
           </a:ln>
@@ -3544,7 +3456,7 @@
         </p:nvSpPr>
         <p:spPr>
           <a:xfrm>
-            <a:off x="1610571" y="689398"/>
+            <a:off x="1610571" y="700284"/>
             <a:ext cx="1128642" cy="276999"/>
           </a:xfrm>
           <a:prstGeom prst="rect">
@@ -3564,47 +3476,6 @@
                 <a:cs typeface="Arial" panose="020B0604020202020204" pitchFamily="34" charset="0"/>
               </a:rPr>
               <a:t>AT3G13880.1</a:t>
-            </a:r>
-          </a:p>
-        </p:txBody>
-      </p:sp>
-      <p:sp>
-        <p:nvSpPr>
-          <p:cNvPr id="61" name="TextBox 60">
-            <a:extLst>
-              <a:ext uri="{FF2B5EF4-FFF2-40B4-BE49-F238E27FC236}">
-                <a16:creationId xmlns:a16="http://schemas.microsoft.com/office/drawing/2014/main" id="{3B8EB245-783C-1665-6159-45397260D2DB}"/>
-              </a:ext>
-            </a:extLst>
-          </p:cNvPr>
-          <p:cNvSpPr txBox="1"/>
-          <p:nvPr/>
-        </p:nvSpPr>
-        <p:spPr>
-          <a:xfrm>
-            <a:off x="1979829" y="1038025"/>
-            <a:ext cx="1128642" cy="276999"/>
-          </a:xfrm>
-          <a:prstGeom prst="rect">
-            <a:avLst/>
-          </a:prstGeom>
-          <a:noFill/>
-        </p:spPr>
-        <p:txBody>
-          <a:bodyPr wrap="none" rtlCol="0">
-            <a:spAutoFit/>
-          </a:bodyPr>
-          <a:lstStyle/>
-          <a:p>
-            <a:r>
-              <a:rPr lang="en-JP" sz="1200" dirty="0">
-                <a:solidFill>
-                  <a:srgbClr val="FF0000"/>
-                </a:solidFill>
-                <a:latin typeface="Arial" panose="020B0604020202020204" pitchFamily="34" charset="0"/>
-                <a:cs typeface="Arial" panose="020B0604020202020204" pitchFamily="34" charset="0"/>
-              </a:rPr>
-              <a:t>AT3G13882.1</a:t>
             </a:r>
           </a:p>
         </p:txBody>
@@ -3623,8 +3494,8 @@
         </p:nvSpPr>
         <p:spPr>
           <a:xfrm>
-            <a:off x="1989352" y="1404745"/>
-            <a:ext cx="1128642" cy="276999"/>
+            <a:off x="1945808" y="1361201"/>
+            <a:ext cx="2193036" cy="276999"/>
           </a:xfrm>
           <a:prstGeom prst="rect">
             <a:avLst/>
@@ -3639,13 +3510,10 @@
           <a:p>
             <a:r>
               <a:rPr lang="en-JP" sz="1200" dirty="0">
-                <a:solidFill>
-                  <a:srgbClr val="FF0000"/>
-                </a:solidFill>
                 <a:latin typeface="Arial" panose="020B0604020202020204" pitchFamily="34" charset="0"/>
                 <a:cs typeface="Arial" panose="020B0604020202020204" pitchFamily="34" charset="0"/>
               </a:rPr>
-              <a:t>AT3G13882.2</a:t>
+              <a:t>AT3G13882 (ribosomal gene)</a:t>
             </a:r>
           </a:p>
         </p:txBody>
@@ -3664,8 +3532,8 @@
         </p:nvSpPr>
         <p:spPr>
           <a:xfrm>
-            <a:off x="3067871" y="700563"/>
-            <a:ext cx="1128642" cy="276999"/>
+            <a:off x="2752185" y="700563"/>
+            <a:ext cx="1657633" cy="276999"/>
           </a:xfrm>
           <a:prstGeom prst="rect">
             <a:avLst/>
@@ -3680,95 +3548,24 @@
           <a:p>
             <a:r>
               <a:rPr lang="en-JP" sz="1200" dirty="0">
-                <a:solidFill>
-                  <a:srgbClr val="FF0000"/>
-                </a:solidFill>
                 <a:latin typeface="Arial" panose="020B0604020202020204" pitchFamily="34" charset="0"/>
                 <a:cs typeface="Arial" panose="020B0604020202020204" pitchFamily="34" charset="0"/>
               </a:rPr>
-              <a:t>AT3G13890.1</a:t>
-            </a:r>
-          </a:p>
-        </p:txBody>
-      </p:sp>
-      <p:sp>
-        <p:nvSpPr>
-          <p:cNvPr id="65" name="TextBox 64">
-            <a:extLst>
-              <a:ext uri="{FF2B5EF4-FFF2-40B4-BE49-F238E27FC236}">
-                <a16:creationId xmlns:a16="http://schemas.microsoft.com/office/drawing/2014/main" id="{FC62B413-B53B-0CD4-B1D7-E2665D0A54A1}"/>
-              </a:ext>
-            </a:extLst>
-          </p:cNvPr>
-          <p:cNvSpPr txBox="1"/>
-          <p:nvPr/>
-        </p:nvSpPr>
-        <p:spPr>
-          <a:xfrm>
-            <a:off x="3077518" y="1009451"/>
-            <a:ext cx="1128642" cy="276999"/>
-          </a:xfrm>
-          <a:prstGeom prst="rect">
-            <a:avLst/>
-          </a:prstGeom>
-          <a:noFill/>
-        </p:spPr>
-        <p:txBody>
-          <a:bodyPr wrap="none" rtlCol="0">
-            <a:spAutoFit/>
-          </a:bodyPr>
-          <a:lstStyle/>
-          <a:p>
-            <a:r>
-              <a:rPr lang="en-JP" sz="1200" dirty="0">
-                <a:solidFill>
-                  <a:srgbClr val="FF0000"/>
-                </a:solidFill>
-                <a:latin typeface="Arial" panose="020B0604020202020204" pitchFamily="34" charset="0"/>
-                <a:cs typeface="Arial" panose="020B0604020202020204" pitchFamily="34" charset="0"/>
-              </a:rPr>
-              <a:t>AT3G13890.2</a:t>
-            </a:r>
-          </a:p>
-        </p:txBody>
-      </p:sp>
-      <p:sp>
-        <p:nvSpPr>
-          <p:cNvPr id="71" name="TextBox 70">
-            <a:extLst>
-              <a:ext uri="{FF2B5EF4-FFF2-40B4-BE49-F238E27FC236}">
-                <a16:creationId xmlns:a16="http://schemas.microsoft.com/office/drawing/2014/main" id="{7DAC161C-AF3F-BBAE-F5FF-80502DB144E3}"/>
-              </a:ext>
-            </a:extLst>
-          </p:cNvPr>
-          <p:cNvSpPr txBox="1"/>
-          <p:nvPr/>
-        </p:nvSpPr>
-        <p:spPr>
-          <a:xfrm>
-            <a:off x="3194830" y="347686"/>
-            <a:ext cx="696024" cy="276999"/>
-          </a:xfrm>
-          <a:prstGeom prst="rect">
-            <a:avLst/>
-          </a:prstGeom>
-          <a:noFill/>
-        </p:spPr>
-        <p:txBody>
-          <a:bodyPr wrap="none" rtlCol="0">
-            <a:spAutoFit/>
-          </a:bodyPr>
-          <a:lstStyle/>
-          <a:p>
-            <a:r>
-              <a:rPr lang="en-JP" sz="1200" b="1" i="1" dirty="0">
-                <a:solidFill>
-                  <a:srgbClr val="FF0000"/>
-                </a:solidFill>
+              <a:t>AT3G13890 (</a:t>
+            </a:r>
+            <a:r>
+              <a:rPr lang="en-JP" sz="1200" i="1" dirty="0">
                 <a:latin typeface="Arial" panose="020B0604020202020204" pitchFamily="34" charset="0"/>
                 <a:cs typeface="Arial" panose="020B0604020202020204" pitchFamily="34" charset="0"/>
               </a:rPr>
               <a:t>MYB26</a:t>
+            </a:r>
+            <a:r>
+              <a:rPr lang="en-JP" sz="1200" dirty="0">
+                <a:latin typeface="Arial" panose="020B0604020202020204" pitchFamily="34" charset="0"/>
+                <a:cs typeface="Arial" panose="020B0604020202020204" pitchFamily="34" charset="0"/>
+              </a:rPr>
+              <a:t>)</a:t>
             </a:r>
           </a:p>
         </p:txBody>
@@ -3787,8 +3584,8 @@
         </p:nvSpPr>
         <p:spPr>
           <a:xfrm>
-            <a:off x="4676793" y="683035"/>
-            <a:ext cx="1128642" cy="276999"/>
+            <a:off x="4448192" y="693921"/>
+            <a:ext cx="1615955" cy="276999"/>
           </a:xfrm>
           <a:prstGeom prst="rect">
             <a:avLst/>
@@ -3803,13 +3600,24 @@
           <a:p>
             <a:r>
               <a:rPr lang="en-JP" sz="1200" dirty="0">
-                <a:solidFill>
-                  <a:srgbClr val="FF0000"/>
-                </a:solidFill>
                 <a:latin typeface="Arial" panose="020B0604020202020204" pitchFamily="34" charset="0"/>
                 <a:cs typeface="Arial" panose="020B0604020202020204" pitchFamily="34" charset="0"/>
               </a:rPr>
-              <a:t>AT3G13898.1</a:t>
+              <a:t>AT3G13898 (</a:t>
+            </a:r>
+            <a:r>
+              <a:rPr lang="en-JP" sz="1200" i="1" dirty="0">
+                <a:latin typeface="Arial" panose="020B0604020202020204" pitchFamily="34" charset="0"/>
+                <a:cs typeface="Arial" panose="020B0604020202020204" pitchFamily="34" charset="0"/>
+              </a:rPr>
+              <a:t>EPFL3</a:t>
+            </a:r>
+            <a:r>
+              <a:rPr lang="en-JP" sz="1200" dirty="0">
+                <a:latin typeface="Arial" panose="020B0604020202020204" pitchFamily="34" charset="0"/>
+                <a:cs typeface="Arial" panose="020B0604020202020204" pitchFamily="34" charset="0"/>
+              </a:rPr>
+              <a:t>)</a:t>
             </a:r>
           </a:p>
         </p:txBody>
@@ -3828,7 +3636,7 @@
         </p:nvSpPr>
         <p:spPr>
           <a:xfrm>
-            <a:off x="5929728" y="666753"/>
+            <a:off x="5929728" y="699411"/>
             <a:ext cx="1128642" cy="276999"/>
           </a:xfrm>
           <a:prstGeom prst="rect">
@@ -4010,95 +3818,6 @@
           </a:fontRef>
         </p:style>
       </p:cxnSp>
-      <p:sp>
-        <p:nvSpPr>
-          <p:cNvPr id="80" name="TextBox 79">
-            <a:extLst>
-              <a:ext uri="{FF2B5EF4-FFF2-40B4-BE49-F238E27FC236}">
-                <a16:creationId xmlns:a16="http://schemas.microsoft.com/office/drawing/2014/main" id="{9547C616-9A11-4FA0-2435-6700591ADE61}"/>
-              </a:ext>
-            </a:extLst>
-          </p:cNvPr>
-          <p:cNvSpPr txBox="1"/>
-          <p:nvPr/>
-        </p:nvSpPr>
-        <p:spPr>
-          <a:xfrm>
-            <a:off x="1945987" y="1669552"/>
-            <a:ext cx="1322798" cy="276999"/>
-          </a:xfrm>
-          <a:prstGeom prst="rect">
-            <a:avLst/>
-          </a:prstGeom>
-          <a:noFill/>
-        </p:spPr>
-        <p:txBody>
-          <a:bodyPr wrap="none" rtlCol="0">
-            <a:spAutoFit/>
-          </a:bodyPr>
-          <a:lstStyle/>
-          <a:p>
-            <a:r>
-              <a:rPr lang="en-JP" sz="1200" b="1" dirty="0">
-                <a:solidFill>
-                  <a:srgbClr val="FF0000"/>
-                </a:solidFill>
-                <a:latin typeface="Arial" panose="020B0604020202020204" pitchFamily="34" charset="0"/>
-                <a:cs typeface="Arial" panose="020B0604020202020204" pitchFamily="34" charset="0"/>
-              </a:rPr>
-              <a:t>ribosomal gene</a:t>
-            </a:r>
-          </a:p>
-        </p:txBody>
-      </p:sp>
-      <p:sp>
-        <p:nvSpPr>
-          <p:cNvPr id="82" name="TextBox 81">
-            <a:extLst>
-              <a:ext uri="{FF2B5EF4-FFF2-40B4-BE49-F238E27FC236}">
-                <a16:creationId xmlns:a16="http://schemas.microsoft.com/office/drawing/2014/main" id="{C56B0FFF-A978-605B-E5D7-272E259BA91C}"/>
-              </a:ext>
-            </a:extLst>
-          </p:cNvPr>
-          <p:cNvSpPr txBox="1"/>
-          <p:nvPr/>
-        </p:nvSpPr>
-        <p:spPr>
-          <a:xfrm>
-            <a:off x="5113062" y="357570"/>
-            <a:ext cx="663964" cy="276999"/>
-          </a:xfrm>
-          <a:prstGeom prst="rect">
-            <a:avLst/>
-          </a:prstGeom>
-          <a:noFill/>
-        </p:spPr>
-        <p:txBody>
-          <a:bodyPr wrap="none" rtlCol="0">
-            <a:spAutoFit/>
-          </a:bodyPr>
-          <a:lstStyle/>
-          <a:p>
-            <a:r>
-              <a:rPr lang="en-US" sz="1200" b="1" i="1" dirty="0">
-                <a:solidFill>
-                  <a:srgbClr val="FF0000"/>
-                </a:solidFill>
-                <a:latin typeface="Arial" panose="020B0604020202020204" pitchFamily="34" charset="0"/>
-                <a:cs typeface="Arial" panose="020B0604020202020204" pitchFamily="34" charset="0"/>
-              </a:rPr>
-              <a:t>EPFL3</a:t>
-            </a:r>
-            <a:endParaRPr lang="en-JP" sz="1200" b="1" i="1" dirty="0">
-              <a:solidFill>
-                <a:srgbClr val="FF0000"/>
-              </a:solidFill>
-              <a:latin typeface="Arial" panose="020B0604020202020204" pitchFamily="34" charset="0"/>
-              <a:cs typeface="Arial" panose="020B0604020202020204" pitchFamily="34" charset="0"/>
-            </a:endParaRPr>
-          </a:p>
-        </p:txBody>
-      </p:sp>
       <p:sp>
         <p:nvSpPr>
           <p:cNvPr id="2" name="TextBox 1">

--- a/figures/fig1_comb.pptx
+++ b/figures/fig1_comb.pptx
@@ -2,12 +2,12 @@
 <file path=ppt/presentation.xml><?xml version="1.0" encoding="utf-8"?>
 <p:presentation xmlns:a="http://schemas.openxmlformats.org/drawingml/2006/main" xmlns:r="http://schemas.openxmlformats.org/officeDocument/2006/relationships" xmlns:p="http://schemas.openxmlformats.org/presentationml/2006/main" saveSubsetFonts="1" autoCompressPictures="0">
   <p:sldMasterIdLst>
-    <p:sldMasterId id="2147483672" r:id="rId1"/>
+    <p:sldMasterId id="2147483708" r:id="rId1"/>
   </p:sldMasterIdLst>
   <p:sldIdLst>
     <p:sldId id="263" r:id="rId2"/>
   </p:sldIdLst>
-  <p:sldSz cx="7559675" cy="6119813"/>
+  <p:sldSz cx="7559675" cy="8280400"/>
   <p:notesSz cx="6858000" cy="9144000"/>
   <p:defaultTextStyle>
     <a:defPPr>
@@ -141,8 +141,8 @@
         </p:nvSpPr>
         <p:spPr>
           <a:xfrm>
-            <a:off x="566976" y="1001553"/>
-            <a:ext cx="6425724" cy="2130602"/>
+            <a:off x="566976" y="1355149"/>
+            <a:ext cx="6425724" cy="2882806"/>
           </a:xfrm>
         </p:spPr>
         <p:txBody>
@@ -173,8 +173,8 @@
         </p:nvSpPr>
         <p:spPr>
           <a:xfrm>
-            <a:off x="944960" y="3214319"/>
-            <a:ext cx="5669756" cy="1477538"/>
+            <a:off x="944960" y="4349128"/>
+            <a:ext cx="5669756" cy="1999179"/>
           </a:xfrm>
         </p:spPr>
         <p:txBody>
@@ -243,7 +243,7 @@
           <a:p>
             <a:fld id="{9915773D-6D45-A545-9BEA-022AEEFB4CE4}" type="datetimeFigureOut">
               <a:rPr lang="en-JP" smtClean="0"/>
-              <a:t>2022/11/09</a:t>
+              <a:t>2023/02/24</a:t>
             </a:fld>
             <a:endParaRPr lang="en-JP"/>
           </a:p>
@@ -294,7 +294,7 @@
     </p:spTree>
     <p:extLst>
       <p:ext uri="{BB962C8B-B14F-4D97-AF65-F5344CB8AC3E}">
-        <p14:creationId xmlns:p14="http://schemas.microsoft.com/office/powerpoint/2010/main" val="255741918"/>
+        <p14:creationId xmlns:p14="http://schemas.microsoft.com/office/powerpoint/2010/main" val="3909500844"/>
       </p:ext>
     </p:extLst>
   </p:cSld>
@@ -413,7 +413,7 @@
           <a:p>
             <a:fld id="{9915773D-6D45-A545-9BEA-022AEEFB4CE4}" type="datetimeFigureOut">
               <a:rPr lang="en-JP" smtClean="0"/>
-              <a:t>2022/11/09</a:t>
+              <a:t>2023/02/24</a:t>
             </a:fld>
             <a:endParaRPr lang="en-JP"/>
           </a:p>
@@ -464,7 +464,7 @@
     </p:spTree>
     <p:extLst>
       <p:ext uri="{BB962C8B-B14F-4D97-AF65-F5344CB8AC3E}">
-        <p14:creationId xmlns:p14="http://schemas.microsoft.com/office/powerpoint/2010/main" val="702684901"/>
+        <p14:creationId xmlns:p14="http://schemas.microsoft.com/office/powerpoint/2010/main" val="2372750222"/>
       </p:ext>
     </p:extLst>
   </p:cSld>
@@ -503,8 +503,8 @@
         </p:nvSpPr>
         <p:spPr>
           <a:xfrm>
-            <a:off x="5409893" y="325823"/>
-            <a:ext cx="1630055" cy="5186259"/>
+            <a:off x="5409893" y="440855"/>
+            <a:ext cx="1630055" cy="7017256"/>
           </a:xfrm>
         </p:spPr>
         <p:txBody>
@@ -531,8 +531,8 @@
         </p:nvSpPr>
         <p:spPr>
           <a:xfrm>
-            <a:off x="519728" y="325823"/>
-            <a:ext cx="4795669" cy="5186259"/>
+            <a:off x="519728" y="440855"/>
+            <a:ext cx="4795669" cy="7017256"/>
           </a:xfrm>
         </p:spPr>
         <p:txBody>
@@ -593,7 +593,7 @@
           <a:p>
             <a:fld id="{9915773D-6D45-A545-9BEA-022AEEFB4CE4}" type="datetimeFigureOut">
               <a:rPr lang="en-JP" smtClean="0"/>
-              <a:t>2022/11/09</a:t>
+              <a:t>2023/02/24</a:t>
             </a:fld>
             <a:endParaRPr lang="en-JP"/>
           </a:p>
@@ -644,7 +644,7 @@
     </p:spTree>
     <p:extLst>
       <p:ext uri="{BB962C8B-B14F-4D97-AF65-F5344CB8AC3E}">
-        <p14:creationId xmlns:p14="http://schemas.microsoft.com/office/powerpoint/2010/main" val="219160631"/>
+        <p14:creationId xmlns:p14="http://schemas.microsoft.com/office/powerpoint/2010/main" val="184266766"/>
       </p:ext>
     </p:extLst>
   </p:cSld>
@@ -763,7 +763,7 @@
           <a:p>
             <a:fld id="{9915773D-6D45-A545-9BEA-022AEEFB4CE4}" type="datetimeFigureOut">
               <a:rPr lang="en-JP" smtClean="0"/>
-              <a:t>2022/11/09</a:t>
+              <a:t>2023/02/24</a:t>
             </a:fld>
             <a:endParaRPr lang="en-JP"/>
           </a:p>
@@ -814,7 +814,7 @@
     </p:spTree>
     <p:extLst>
       <p:ext uri="{BB962C8B-B14F-4D97-AF65-F5344CB8AC3E}">
-        <p14:creationId xmlns:p14="http://schemas.microsoft.com/office/powerpoint/2010/main" val="1082578785"/>
+        <p14:creationId xmlns:p14="http://schemas.microsoft.com/office/powerpoint/2010/main" val="382387423"/>
       </p:ext>
     </p:extLst>
   </p:cSld>
@@ -853,8 +853,8 @@
         </p:nvSpPr>
         <p:spPr>
           <a:xfrm>
-            <a:off x="515791" y="1525705"/>
-            <a:ext cx="6520220" cy="2545672"/>
+            <a:off x="515791" y="2064352"/>
+            <a:ext cx="6520220" cy="3444416"/>
           </a:xfrm>
         </p:spPr>
         <p:txBody>
@@ -885,8 +885,8 @@
         </p:nvSpPr>
         <p:spPr>
           <a:xfrm>
-            <a:off x="515791" y="4095460"/>
-            <a:ext cx="6520220" cy="1338709"/>
+            <a:off x="515791" y="5541353"/>
+            <a:ext cx="6520220" cy="1811337"/>
           </a:xfrm>
         </p:spPr>
         <p:txBody>
@@ -1007,7 +1007,7 @@
           <a:p>
             <a:fld id="{9915773D-6D45-A545-9BEA-022AEEFB4CE4}" type="datetimeFigureOut">
               <a:rPr lang="en-JP" smtClean="0"/>
-              <a:t>2022/11/09</a:t>
+              <a:t>2023/02/24</a:t>
             </a:fld>
             <a:endParaRPr lang="en-JP"/>
           </a:p>
@@ -1058,7 +1058,7 @@
     </p:spTree>
     <p:extLst>
       <p:ext uri="{BB962C8B-B14F-4D97-AF65-F5344CB8AC3E}">
-        <p14:creationId xmlns:p14="http://schemas.microsoft.com/office/powerpoint/2010/main" val="2387755098"/>
+        <p14:creationId xmlns:p14="http://schemas.microsoft.com/office/powerpoint/2010/main" val="3271087300"/>
       </p:ext>
     </p:extLst>
   </p:cSld>
@@ -1120,8 +1120,8 @@
         </p:nvSpPr>
         <p:spPr>
           <a:xfrm>
-            <a:off x="519728" y="1629117"/>
-            <a:ext cx="3212862" cy="3882965"/>
+            <a:off x="519728" y="2204273"/>
+            <a:ext cx="3212862" cy="5253838"/>
           </a:xfrm>
         </p:spPr>
         <p:txBody>
@@ -1177,8 +1177,8 @@
         </p:nvSpPr>
         <p:spPr>
           <a:xfrm>
-            <a:off x="3827085" y="1629117"/>
-            <a:ext cx="3212862" cy="3882965"/>
+            <a:off x="3827085" y="2204273"/>
+            <a:ext cx="3212862" cy="5253838"/>
           </a:xfrm>
         </p:spPr>
         <p:txBody>
@@ -1239,7 +1239,7 @@
           <a:p>
             <a:fld id="{9915773D-6D45-A545-9BEA-022AEEFB4CE4}" type="datetimeFigureOut">
               <a:rPr lang="en-JP" smtClean="0"/>
-              <a:t>2022/11/09</a:t>
+              <a:t>2023/02/24</a:t>
             </a:fld>
             <a:endParaRPr lang="en-JP"/>
           </a:p>
@@ -1290,7 +1290,7 @@
     </p:spTree>
     <p:extLst>
       <p:ext uri="{BB962C8B-B14F-4D97-AF65-F5344CB8AC3E}">
-        <p14:creationId xmlns:p14="http://schemas.microsoft.com/office/powerpoint/2010/main" val="1041005525"/>
+        <p14:creationId xmlns:p14="http://schemas.microsoft.com/office/powerpoint/2010/main" val="544294731"/>
       </p:ext>
     </p:extLst>
   </p:cSld>
@@ -1329,8 +1329,8 @@
         </p:nvSpPr>
         <p:spPr>
           <a:xfrm>
-            <a:off x="520712" y="325825"/>
-            <a:ext cx="6520220" cy="1182881"/>
+            <a:off x="520712" y="440856"/>
+            <a:ext cx="6520220" cy="1600495"/>
           </a:xfrm>
         </p:spPr>
         <p:txBody>
@@ -1357,8 +1357,8 @@
         </p:nvSpPr>
         <p:spPr>
           <a:xfrm>
-            <a:off x="520713" y="1500205"/>
-            <a:ext cx="3198096" cy="735227"/>
+            <a:off x="520713" y="2029849"/>
+            <a:ext cx="3198096" cy="994797"/>
           </a:xfrm>
         </p:spPr>
         <p:txBody>
@@ -1422,8 +1422,8 @@
         </p:nvSpPr>
         <p:spPr>
           <a:xfrm>
-            <a:off x="520713" y="2235432"/>
-            <a:ext cx="3198096" cy="3287983"/>
+            <a:off x="520713" y="3024646"/>
+            <a:ext cx="3198096" cy="4448799"/>
           </a:xfrm>
         </p:spPr>
         <p:txBody>
@@ -1479,8 +1479,8 @@
         </p:nvSpPr>
         <p:spPr>
           <a:xfrm>
-            <a:off x="3827086" y="1500205"/>
-            <a:ext cx="3213847" cy="735227"/>
+            <a:off x="3827086" y="2029849"/>
+            <a:ext cx="3213847" cy="994797"/>
           </a:xfrm>
         </p:spPr>
         <p:txBody>
@@ -1544,8 +1544,8 @@
         </p:nvSpPr>
         <p:spPr>
           <a:xfrm>
-            <a:off x="3827086" y="2235432"/>
-            <a:ext cx="3213847" cy="3287983"/>
+            <a:off x="3827086" y="3024646"/>
+            <a:ext cx="3213847" cy="4448799"/>
           </a:xfrm>
         </p:spPr>
         <p:txBody>
@@ -1606,7 +1606,7 @@
           <a:p>
             <a:fld id="{9915773D-6D45-A545-9BEA-022AEEFB4CE4}" type="datetimeFigureOut">
               <a:rPr lang="en-JP" smtClean="0"/>
-              <a:t>2022/11/09</a:t>
+              <a:t>2023/02/24</a:t>
             </a:fld>
             <a:endParaRPr lang="en-JP"/>
           </a:p>
@@ -1657,7 +1657,7 @@
     </p:spTree>
     <p:extLst>
       <p:ext uri="{BB962C8B-B14F-4D97-AF65-F5344CB8AC3E}">
-        <p14:creationId xmlns:p14="http://schemas.microsoft.com/office/powerpoint/2010/main" val="3823970272"/>
+        <p14:creationId xmlns:p14="http://schemas.microsoft.com/office/powerpoint/2010/main" val="1292498368"/>
       </p:ext>
     </p:extLst>
   </p:cSld>
@@ -1724,7 +1724,7 @@
           <a:p>
             <a:fld id="{9915773D-6D45-A545-9BEA-022AEEFB4CE4}" type="datetimeFigureOut">
               <a:rPr lang="en-JP" smtClean="0"/>
-              <a:t>2022/11/09</a:t>
+              <a:t>2023/02/24</a:t>
             </a:fld>
             <a:endParaRPr lang="en-JP"/>
           </a:p>
@@ -1775,7 +1775,7 @@
     </p:spTree>
     <p:extLst>
       <p:ext uri="{BB962C8B-B14F-4D97-AF65-F5344CB8AC3E}">
-        <p14:creationId xmlns:p14="http://schemas.microsoft.com/office/powerpoint/2010/main" val="833331985"/>
+        <p14:creationId xmlns:p14="http://schemas.microsoft.com/office/powerpoint/2010/main" val="947957544"/>
       </p:ext>
     </p:extLst>
   </p:cSld>
@@ -1819,7 +1819,7 @@
           <a:p>
             <a:fld id="{9915773D-6D45-A545-9BEA-022AEEFB4CE4}" type="datetimeFigureOut">
               <a:rPr lang="en-JP" smtClean="0"/>
-              <a:t>2022/11/09</a:t>
+              <a:t>2023/02/24</a:t>
             </a:fld>
             <a:endParaRPr lang="en-JP"/>
           </a:p>
@@ -1870,7 +1870,7 @@
     </p:spTree>
     <p:extLst>
       <p:ext uri="{BB962C8B-B14F-4D97-AF65-F5344CB8AC3E}">
-        <p14:creationId xmlns:p14="http://schemas.microsoft.com/office/powerpoint/2010/main" val="1015012995"/>
+        <p14:creationId xmlns:p14="http://schemas.microsoft.com/office/powerpoint/2010/main" val="1273366235"/>
       </p:ext>
     </p:extLst>
   </p:cSld>
@@ -1909,8 +1909,8 @@
         </p:nvSpPr>
         <p:spPr>
           <a:xfrm>
-            <a:off x="520712" y="407988"/>
-            <a:ext cx="2438192" cy="1427956"/>
+            <a:off x="520712" y="552027"/>
+            <a:ext cx="2438192" cy="1932093"/>
           </a:xfrm>
         </p:spPr>
         <p:txBody>
@@ -1941,8 +1941,8 @@
         </p:nvSpPr>
         <p:spPr>
           <a:xfrm>
-            <a:off x="3213847" y="881141"/>
-            <a:ext cx="3827085" cy="4349034"/>
+            <a:off x="3213847" y="1192226"/>
+            <a:ext cx="3827085" cy="5884451"/>
           </a:xfrm>
         </p:spPr>
         <p:txBody>
@@ -2026,8 +2026,8 @@
         </p:nvSpPr>
         <p:spPr>
           <a:xfrm>
-            <a:off x="520712" y="1835944"/>
-            <a:ext cx="2438192" cy="3401313"/>
+            <a:off x="520712" y="2484120"/>
+            <a:ext cx="2438192" cy="4602140"/>
           </a:xfrm>
         </p:spPr>
         <p:txBody>
@@ -2096,7 +2096,7 @@
           <a:p>
             <a:fld id="{9915773D-6D45-A545-9BEA-022AEEFB4CE4}" type="datetimeFigureOut">
               <a:rPr lang="en-JP" smtClean="0"/>
-              <a:t>2022/11/09</a:t>
+              <a:t>2023/02/24</a:t>
             </a:fld>
             <a:endParaRPr lang="en-JP"/>
           </a:p>
@@ -2147,7 +2147,7 @@
     </p:spTree>
     <p:extLst>
       <p:ext uri="{BB962C8B-B14F-4D97-AF65-F5344CB8AC3E}">
-        <p14:creationId xmlns:p14="http://schemas.microsoft.com/office/powerpoint/2010/main" val="3319138648"/>
+        <p14:creationId xmlns:p14="http://schemas.microsoft.com/office/powerpoint/2010/main" val="679427354"/>
       </p:ext>
     </p:extLst>
   </p:cSld>
@@ -2186,8 +2186,8 @@
         </p:nvSpPr>
         <p:spPr>
           <a:xfrm>
-            <a:off x="520712" y="407988"/>
-            <a:ext cx="2438192" cy="1427956"/>
+            <a:off x="520712" y="552027"/>
+            <a:ext cx="2438192" cy="1932093"/>
           </a:xfrm>
         </p:spPr>
         <p:txBody>
@@ -2218,8 +2218,8 @@
         </p:nvSpPr>
         <p:spPr>
           <a:xfrm>
-            <a:off x="3213847" y="881141"/>
-            <a:ext cx="3827085" cy="4349034"/>
+            <a:off x="3213847" y="1192226"/>
+            <a:ext cx="3827085" cy="5884451"/>
           </a:xfrm>
         </p:spPr>
         <p:txBody>
@@ -2283,8 +2283,8 @@
         </p:nvSpPr>
         <p:spPr>
           <a:xfrm>
-            <a:off x="520712" y="1835944"/>
-            <a:ext cx="2438192" cy="3401313"/>
+            <a:off x="520712" y="2484120"/>
+            <a:ext cx="2438192" cy="4602140"/>
           </a:xfrm>
         </p:spPr>
         <p:txBody>
@@ -2353,7 +2353,7 @@
           <a:p>
             <a:fld id="{9915773D-6D45-A545-9BEA-022AEEFB4CE4}" type="datetimeFigureOut">
               <a:rPr lang="en-JP" smtClean="0"/>
-              <a:t>2022/11/09</a:t>
+              <a:t>2023/02/24</a:t>
             </a:fld>
             <a:endParaRPr lang="en-JP"/>
           </a:p>
@@ -2404,7 +2404,7 @@
     </p:spTree>
     <p:extLst>
       <p:ext uri="{BB962C8B-B14F-4D97-AF65-F5344CB8AC3E}">
-        <p14:creationId xmlns:p14="http://schemas.microsoft.com/office/powerpoint/2010/main" val="3807490738"/>
+        <p14:creationId xmlns:p14="http://schemas.microsoft.com/office/powerpoint/2010/main" val="3967307166"/>
       </p:ext>
     </p:extLst>
   </p:cSld>
@@ -2448,8 +2448,8 @@
         </p:nvSpPr>
         <p:spPr>
           <a:xfrm>
-            <a:off x="519728" y="325825"/>
-            <a:ext cx="6520220" cy="1182881"/>
+            <a:off x="519728" y="440856"/>
+            <a:ext cx="6520220" cy="1600495"/>
           </a:xfrm>
           <a:prstGeom prst="rect">
             <a:avLst/>
@@ -2481,8 +2481,8 @@
         </p:nvSpPr>
         <p:spPr>
           <a:xfrm>
-            <a:off x="519728" y="1629117"/>
-            <a:ext cx="6520220" cy="3882965"/>
+            <a:off x="519728" y="2204273"/>
+            <a:ext cx="6520220" cy="5253838"/>
           </a:xfrm>
           <a:prstGeom prst="rect">
             <a:avLst/>
@@ -2543,8 +2543,8 @@
         </p:nvSpPr>
         <p:spPr>
           <a:xfrm>
-            <a:off x="519728" y="5672162"/>
-            <a:ext cx="1700927" cy="325823"/>
+            <a:off x="519728" y="7674706"/>
+            <a:ext cx="1700927" cy="440855"/>
           </a:xfrm>
           <a:prstGeom prst="rect">
             <a:avLst/>
@@ -2566,7 +2566,7 @@
           <a:p>
             <a:fld id="{9915773D-6D45-A545-9BEA-022AEEFB4CE4}" type="datetimeFigureOut">
               <a:rPr lang="en-JP" smtClean="0"/>
-              <a:t>2022/11/09</a:t>
+              <a:t>2023/02/24</a:t>
             </a:fld>
             <a:endParaRPr lang="en-JP"/>
           </a:p>
@@ -2584,8 +2584,8 @@
         </p:nvSpPr>
         <p:spPr>
           <a:xfrm>
-            <a:off x="2504143" y="5672162"/>
-            <a:ext cx="2551390" cy="325823"/>
+            <a:off x="2504143" y="7674706"/>
+            <a:ext cx="2551390" cy="440855"/>
           </a:xfrm>
           <a:prstGeom prst="rect">
             <a:avLst/>
@@ -2621,8 +2621,8 @@
         </p:nvSpPr>
         <p:spPr>
           <a:xfrm>
-            <a:off x="5339020" y="5672162"/>
-            <a:ext cx="1700927" cy="325823"/>
+            <a:off x="5339020" y="7674706"/>
+            <a:ext cx="1700927" cy="440855"/>
           </a:xfrm>
           <a:prstGeom prst="rect">
             <a:avLst/>
@@ -2653,23 +2653,23 @@
     </p:spTree>
     <p:extLst>
       <p:ext uri="{BB962C8B-B14F-4D97-AF65-F5344CB8AC3E}">
-        <p14:creationId xmlns:p14="http://schemas.microsoft.com/office/powerpoint/2010/main" val="4028136355"/>
+        <p14:creationId xmlns:p14="http://schemas.microsoft.com/office/powerpoint/2010/main" val="3303870690"/>
       </p:ext>
     </p:extLst>
   </p:cSld>
   <p:clrMap bg1="lt1" tx1="dk1" bg2="lt2" tx2="dk2" accent1="accent1" accent2="accent2" accent3="accent3" accent4="accent4" accent5="accent5" accent6="accent6" hlink="hlink" folHlink="folHlink"/>
   <p:sldLayoutIdLst>
-    <p:sldLayoutId id="2147483673" r:id="rId1"/>
-    <p:sldLayoutId id="2147483674" r:id="rId2"/>
-    <p:sldLayoutId id="2147483675" r:id="rId3"/>
-    <p:sldLayoutId id="2147483676" r:id="rId4"/>
-    <p:sldLayoutId id="2147483677" r:id="rId5"/>
-    <p:sldLayoutId id="2147483678" r:id="rId6"/>
-    <p:sldLayoutId id="2147483679" r:id="rId7"/>
-    <p:sldLayoutId id="2147483680" r:id="rId8"/>
-    <p:sldLayoutId id="2147483681" r:id="rId9"/>
-    <p:sldLayoutId id="2147483682" r:id="rId10"/>
-    <p:sldLayoutId id="2147483683" r:id="rId11"/>
+    <p:sldLayoutId id="2147483709" r:id="rId1"/>
+    <p:sldLayoutId id="2147483710" r:id="rId2"/>
+    <p:sldLayoutId id="2147483711" r:id="rId3"/>
+    <p:sldLayoutId id="2147483712" r:id="rId4"/>
+    <p:sldLayoutId id="2147483713" r:id="rId5"/>
+    <p:sldLayoutId id="2147483714" r:id="rId6"/>
+    <p:sldLayoutId id="2147483715" r:id="rId7"/>
+    <p:sldLayoutId id="2147483716" r:id="rId8"/>
+    <p:sldLayoutId id="2147483717" r:id="rId9"/>
+    <p:sldLayoutId id="2147483718" r:id="rId10"/>
+    <p:sldLayoutId id="2147483719" r:id="rId11"/>
   </p:sldLayoutIdLst>
   <p:txStyles>
     <p:titleStyle>
@@ -2973,10 +2973,10 @@
       </p:grpSpPr>
       <p:pic>
         <p:nvPicPr>
-          <p:cNvPr id="37" name="Picture 36">
+          <p:cNvPr id="86" name="Picture 85">
             <a:extLst>
               <a:ext uri="{FF2B5EF4-FFF2-40B4-BE49-F238E27FC236}">
-                <a16:creationId xmlns:a16="http://schemas.microsoft.com/office/drawing/2014/main" id="{8C7D24FE-BD29-7BAB-F5CA-1FB2E4ABE197}"/>
+                <a16:creationId xmlns:a16="http://schemas.microsoft.com/office/drawing/2014/main" id="{60DD896C-B96A-E2CE-CF48-9AA5D99947B5}"/>
               </a:ext>
             </a:extLst>
           </p:cNvPr>
@@ -2987,25 +2987,83 @@
         </p:nvPicPr>
         <p:blipFill rotWithShape="1">
           <a:blip r:embed="rId2"/>
-          <a:srcRect l="3838"/>
+          <a:srcRect l="11640" b="77301"/>
           <a:stretch/>
         </p:blipFill>
         <p:spPr>
           <a:xfrm>
-            <a:off x="632958" y="2490546"/>
-            <a:ext cx="6785202" cy="3528000"/>
+            <a:off x="620748" y="2647102"/>
+            <a:ext cx="6679752" cy="1715923"/>
           </a:xfrm>
           <a:prstGeom prst="rect">
             <a:avLst/>
           </a:prstGeom>
         </p:spPr>
       </p:pic>
+      <p:pic>
+        <p:nvPicPr>
+          <p:cNvPr id="87" name="Picture 86">
+            <a:extLst>
+              <a:ext uri="{FF2B5EF4-FFF2-40B4-BE49-F238E27FC236}">
+                <a16:creationId xmlns:a16="http://schemas.microsoft.com/office/drawing/2014/main" id="{5F74F7A8-12B4-054E-F407-DE95BF9E1048}"/>
+              </a:ext>
+            </a:extLst>
+          </p:cNvPr>
+          <p:cNvPicPr>
+            <a:picLocks noChangeAspect="1"/>
+          </p:cNvPicPr>
+          <p:nvPr/>
+        </p:nvPicPr>
+        <p:blipFill rotWithShape="1">
+          <a:blip r:embed="rId2"/>
+          <a:srcRect l="11640" t="37195" b="43813"/>
+          <a:stretch/>
+        </p:blipFill>
+        <p:spPr>
+          <a:xfrm>
+            <a:off x="626844" y="4727371"/>
+            <a:ext cx="6679752" cy="1435773"/>
+          </a:xfrm>
+          <a:prstGeom prst="rect">
+            <a:avLst/>
+          </a:prstGeom>
+        </p:spPr>
+      </p:pic>
+      <p:pic>
+        <p:nvPicPr>
+          <p:cNvPr id="88" name="Picture 87">
+            <a:extLst>
+              <a:ext uri="{FF2B5EF4-FFF2-40B4-BE49-F238E27FC236}">
+                <a16:creationId xmlns:a16="http://schemas.microsoft.com/office/drawing/2014/main" id="{FDF2C8E3-1E54-329E-AD77-0B42B7D134DE}"/>
+              </a:ext>
+            </a:extLst>
+          </p:cNvPr>
+          <p:cNvPicPr>
+            <a:picLocks noChangeAspect="1"/>
+          </p:cNvPicPr>
+          <p:nvPr/>
+        </p:nvPicPr>
+        <p:blipFill rotWithShape="1">
+          <a:blip r:embed="rId2"/>
+          <a:srcRect l="11640" t="69826" b="6813"/>
+          <a:stretch/>
+        </p:blipFill>
+        <p:spPr>
+          <a:xfrm>
+            <a:off x="620748" y="6478927"/>
+            <a:ext cx="6679752" cy="1766069"/>
+          </a:xfrm>
+          <a:prstGeom prst="rect">
+            <a:avLst/>
+          </a:prstGeom>
+        </p:spPr>
+      </p:pic>
       <p:cxnSp>
         <p:nvCxnSpPr>
-          <p:cNvPr id="39" name="Straight Arrow Connector 38">
+          <p:cNvPr id="89" name="Straight Arrow Connector 88">
             <a:extLst>
               <a:ext uri="{FF2B5EF4-FFF2-40B4-BE49-F238E27FC236}">
-                <a16:creationId xmlns:a16="http://schemas.microsoft.com/office/drawing/2014/main" id="{D9D9D6AB-0723-FCD8-1790-02BBEEC12662}"/>
+                <a16:creationId xmlns:a16="http://schemas.microsoft.com/office/drawing/2014/main" id="{E4E1ABB2-0A9E-F02E-C892-772279410A01}"/>
               </a:ext>
             </a:extLst>
           </p:cNvPr>
@@ -3016,7 +3074,7 @@
         </p:nvCxnSpPr>
         <p:spPr>
           <a:xfrm>
-            <a:off x="3972435" y="315555"/>
+            <a:off x="3747847" y="115029"/>
             <a:ext cx="13726" cy="2448000"/>
           </a:xfrm>
           <a:prstGeom prst="straightConnector1">
@@ -3046,10 +3104,10 @@
       </p:cxnSp>
       <p:sp>
         <p:nvSpPr>
-          <p:cNvPr id="40" name="Rectangle 39">
+          <p:cNvPr id="90" name="Rectangle 89">
             <a:extLst>
               <a:ext uri="{FF2B5EF4-FFF2-40B4-BE49-F238E27FC236}">
-                <a16:creationId xmlns:a16="http://schemas.microsoft.com/office/drawing/2014/main" id="{BD96DB2E-52A2-966F-21D6-34E2F0AFF742}"/>
+                <a16:creationId xmlns:a16="http://schemas.microsoft.com/office/drawing/2014/main" id="{D577AE37-DBBD-037F-574B-757E6C730836}"/>
               </a:ext>
             </a:extLst>
           </p:cNvPr>
@@ -3058,7 +3116,7 @@
         </p:nvSpPr>
         <p:spPr>
           <a:xfrm>
-            <a:off x="1979829" y="309103"/>
+            <a:off x="1755241" y="108577"/>
             <a:ext cx="4101187" cy="2022846"/>
           </a:xfrm>
           <a:prstGeom prst="rect">
@@ -3098,10 +3156,10 @@
       </p:sp>
       <p:cxnSp>
         <p:nvCxnSpPr>
-          <p:cNvPr id="41" name="Straight Arrow Connector 40">
+          <p:cNvPr id="91" name="Straight Arrow Connector 90">
             <a:extLst>
               <a:ext uri="{FF2B5EF4-FFF2-40B4-BE49-F238E27FC236}">
-                <a16:creationId xmlns:a16="http://schemas.microsoft.com/office/drawing/2014/main" id="{AE2A0EEB-2B84-ACFE-CF40-364A610BA48C}"/>
+                <a16:creationId xmlns:a16="http://schemas.microsoft.com/office/drawing/2014/main" id="{E3244B5A-BE23-7462-8728-020399473850}"/>
               </a:ext>
             </a:extLst>
           </p:cNvPr>
@@ -3112,7 +3170,7 @@
         </p:nvCxnSpPr>
         <p:spPr>
           <a:xfrm>
-            <a:off x="1979829" y="665224"/>
+            <a:off x="1755241" y="464698"/>
             <a:ext cx="609448" cy="0"/>
           </a:xfrm>
           <a:prstGeom prst="straightConnector1">
@@ -3142,10 +3200,10 @@
       </p:cxnSp>
       <p:cxnSp>
         <p:nvCxnSpPr>
-          <p:cNvPr id="42" name="Straight Arrow Connector 41">
+          <p:cNvPr id="92" name="Straight Arrow Connector 91">
             <a:extLst>
               <a:ext uri="{FF2B5EF4-FFF2-40B4-BE49-F238E27FC236}">
-                <a16:creationId xmlns:a16="http://schemas.microsoft.com/office/drawing/2014/main" id="{FD71CDD8-78AA-7AD4-EDCF-4EFFB22184C0}"/>
+                <a16:creationId xmlns:a16="http://schemas.microsoft.com/office/drawing/2014/main" id="{7147F5A4-FB3C-BFE0-43DF-689208879333}"/>
               </a:ext>
             </a:extLst>
           </p:cNvPr>
@@ -3156,7 +3214,7 @@
         </p:nvCxnSpPr>
         <p:spPr>
           <a:xfrm>
-            <a:off x="5266673" y="661414"/>
+            <a:off x="5042085" y="460888"/>
             <a:ext cx="432000" cy="0"/>
           </a:xfrm>
           <a:prstGeom prst="straightConnector1">
@@ -3186,10 +3244,10 @@
       </p:cxnSp>
       <p:cxnSp>
         <p:nvCxnSpPr>
-          <p:cNvPr id="43" name="Straight Arrow Connector 42">
+          <p:cNvPr id="93" name="Straight Arrow Connector 92">
             <a:extLst>
               <a:ext uri="{FF2B5EF4-FFF2-40B4-BE49-F238E27FC236}">
-                <a16:creationId xmlns:a16="http://schemas.microsoft.com/office/drawing/2014/main" id="{A1CF8F49-03DF-B6D3-09E5-6E8DFA5BF76A}"/>
+                <a16:creationId xmlns:a16="http://schemas.microsoft.com/office/drawing/2014/main" id="{4C9D279B-E6AD-CD79-C9D0-EC54E5008CC5}"/>
               </a:ext>
             </a:extLst>
           </p:cNvPr>
@@ -3200,7 +3258,7 @@
         </p:nvCxnSpPr>
         <p:spPr>
           <a:xfrm flipH="1">
-            <a:off x="2927818" y="661412"/>
+            <a:off x="2703230" y="460886"/>
             <a:ext cx="648000" cy="0"/>
           </a:xfrm>
           <a:prstGeom prst="straightConnector1">
@@ -3230,10 +3288,10 @@
       </p:cxnSp>
       <p:cxnSp>
         <p:nvCxnSpPr>
-          <p:cNvPr id="51" name="Straight Arrow Connector 50">
+          <p:cNvPr id="94" name="Straight Arrow Connector 93">
             <a:extLst>
               <a:ext uri="{FF2B5EF4-FFF2-40B4-BE49-F238E27FC236}">
-                <a16:creationId xmlns:a16="http://schemas.microsoft.com/office/drawing/2014/main" id="{E2B35E94-5E98-AEF0-9C38-FBCAB5F86DBD}"/>
+                <a16:creationId xmlns:a16="http://schemas.microsoft.com/office/drawing/2014/main" id="{354468F5-2731-B09D-D2DF-A62E822A7EF8}"/>
               </a:ext>
             </a:extLst>
           </p:cNvPr>
@@ -3244,7 +3302,7 @@
         </p:nvCxnSpPr>
         <p:spPr>
           <a:xfrm>
-            <a:off x="2474821" y="1320530"/>
+            <a:off x="2250233" y="1120004"/>
             <a:ext cx="612000" cy="0"/>
           </a:xfrm>
           <a:prstGeom prst="straightConnector1">
@@ -3274,10 +3332,10 @@
       </p:cxnSp>
       <p:sp>
         <p:nvSpPr>
-          <p:cNvPr id="52" name="TextBox 51">
+          <p:cNvPr id="95" name="TextBox 94">
             <a:extLst>
               <a:ext uri="{FF2B5EF4-FFF2-40B4-BE49-F238E27FC236}">
-                <a16:creationId xmlns:a16="http://schemas.microsoft.com/office/drawing/2014/main" id="{957AE4FB-4A61-68C6-7A91-82F04CCB23CF}"/>
+                <a16:creationId xmlns:a16="http://schemas.microsoft.com/office/drawing/2014/main" id="{E13F214A-39B9-4A90-C94C-5039FD5F21F9}"/>
               </a:ext>
             </a:extLst>
           </p:cNvPr>
@@ -3286,7 +3344,7 @@
         </p:nvSpPr>
         <p:spPr>
           <a:xfrm>
-            <a:off x="2296969" y="2293014"/>
+            <a:off x="2072381" y="2092488"/>
             <a:ext cx="4467698" cy="276999"/>
           </a:xfrm>
           <a:prstGeom prst="rect">
@@ -3312,10 +3370,10 @@
       </p:sp>
       <p:cxnSp>
         <p:nvCxnSpPr>
-          <p:cNvPr id="53" name="Straight Connector 52">
+          <p:cNvPr id="96" name="Straight Connector 95">
             <a:extLst>
               <a:ext uri="{FF2B5EF4-FFF2-40B4-BE49-F238E27FC236}">
-                <a16:creationId xmlns:a16="http://schemas.microsoft.com/office/drawing/2014/main" id="{B6C5074E-756B-8C0B-0D6A-979AE01102F6}"/>
+                <a16:creationId xmlns:a16="http://schemas.microsoft.com/office/drawing/2014/main" id="{E6DF7B1F-D290-B804-1FDD-9FB58C9603DF}"/>
               </a:ext>
             </a:extLst>
           </p:cNvPr>
@@ -3324,7 +3382,7 @@
         </p:nvCxnSpPr>
         <p:spPr>
           <a:xfrm>
-            <a:off x="6004486" y="298898"/>
+            <a:off x="5779898" y="98372"/>
             <a:ext cx="0" cy="2016000"/>
           </a:xfrm>
           <a:prstGeom prst="line">
@@ -3356,10 +3414,10 @@
       </p:cxnSp>
       <p:cxnSp>
         <p:nvCxnSpPr>
-          <p:cNvPr id="55" name="Straight Connector 54">
+          <p:cNvPr id="97" name="Straight Connector 96">
             <a:extLst>
               <a:ext uri="{FF2B5EF4-FFF2-40B4-BE49-F238E27FC236}">
-                <a16:creationId xmlns:a16="http://schemas.microsoft.com/office/drawing/2014/main" id="{281633B8-477C-11CD-AE1C-0CD1BE78E04F}"/>
+                <a16:creationId xmlns:a16="http://schemas.microsoft.com/office/drawing/2014/main" id="{2C2A5231-4A57-01E3-FAAC-AB81E5BE9520}"/>
               </a:ext>
             </a:extLst>
           </p:cNvPr>
@@ -3368,7 +3426,7 @@
         </p:nvCxnSpPr>
         <p:spPr>
           <a:xfrm>
-            <a:off x="4185212" y="294815"/>
+            <a:off x="3960624" y="94289"/>
             <a:ext cx="0" cy="2016000"/>
           </a:xfrm>
           <a:prstGeom prst="line">
@@ -3400,10 +3458,10 @@
       </p:cxnSp>
       <p:cxnSp>
         <p:nvCxnSpPr>
-          <p:cNvPr id="56" name="Straight Connector 55">
+          <p:cNvPr id="98" name="Straight Connector 97">
             <a:extLst>
               <a:ext uri="{FF2B5EF4-FFF2-40B4-BE49-F238E27FC236}">
-                <a16:creationId xmlns:a16="http://schemas.microsoft.com/office/drawing/2014/main" id="{A2368303-36F3-584B-0E05-88F6414DA375}"/>
+                <a16:creationId xmlns:a16="http://schemas.microsoft.com/office/drawing/2014/main" id="{D0D12A0F-36F9-788B-6F72-C1D8129A59EE}"/>
               </a:ext>
             </a:extLst>
           </p:cNvPr>
@@ -3412,7 +3470,7 @@
         </p:nvCxnSpPr>
         <p:spPr>
           <a:xfrm>
-            <a:off x="2382699" y="301661"/>
+            <a:off x="2158111" y="101135"/>
             <a:ext cx="0" cy="2016000"/>
           </a:xfrm>
           <a:prstGeom prst="line">
@@ -3444,10 +3502,10 @@
       </p:cxnSp>
       <p:sp>
         <p:nvSpPr>
-          <p:cNvPr id="60" name="TextBox 59">
+          <p:cNvPr id="99" name="TextBox 98">
             <a:extLst>
               <a:ext uri="{FF2B5EF4-FFF2-40B4-BE49-F238E27FC236}">
-                <a16:creationId xmlns:a16="http://schemas.microsoft.com/office/drawing/2014/main" id="{FFDB1C3D-9C8F-AB78-EF4C-52AF7CBB5270}"/>
+                <a16:creationId xmlns:a16="http://schemas.microsoft.com/office/drawing/2014/main" id="{42440F6C-FA85-913B-4013-3D58AE618B71}"/>
               </a:ext>
             </a:extLst>
           </p:cNvPr>
@@ -3456,7 +3514,7 @@
         </p:nvSpPr>
         <p:spPr>
           <a:xfrm>
-            <a:off x="1610571" y="700284"/>
+            <a:off x="1385983" y="499758"/>
             <a:ext cx="1128642" cy="276999"/>
           </a:xfrm>
           <a:prstGeom prst="rect">
@@ -3482,10 +3540,10 @@
       </p:sp>
       <p:sp>
         <p:nvSpPr>
-          <p:cNvPr id="62" name="TextBox 61">
+          <p:cNvPr id="100" name="TextBox 99">
             <a:extLst>
               <a:ext uri="{FF2B5EF4-FFF2-40B4-BE49-F238E27FC236}">
-                <a16:creationId xmlns:a16="http://schemas.microsoft.com/office/drawing/2014/main" id="{9A41501F-111B-DA27-FEE8-0654A96CFE01}"/>
+                <a16:creationId xmlns:a16="http://schemas.microsoft.com/office/drawing/2014/main" id="{AB9B0DCD-5CD9-96FF-18E4-8CC31480A150}"/>
               </a:ext>
             </a:extLst>
           </p:cNvPr>
@@ -3494,7 +3552,7 @@
         </p:nvSpPr>
         <p:spPr>
           <a:xfrm>
-            <a:off x="1945808" y="1361201"/>
+            <a:off x="1721220" y="1160675"/>
             <a:ext cx="2193036" cy="276999"/>
           </a:xfrm>
           <a:prstGeom prst="rect">
@@ -3520,10 +3578,10 @@
       </p:sp>
       <p:sp>
         <p:nvSpPr>
-          <p:cNvPr id="63" name="TextBox 62">
+          <p:cNvPr id="101" name="TextBox 100">
             <a:extLst>
               <a:ext uri="{FF2B5EF4-FFF2-40B4-BE49-F238E27FC236}">
-                <a16:creationId xmlns:a16="http://schemas.microsoft.com/office/drawing/2014/main" id="{4B9B3DFD-62E4-227C-B168-51EF839475F1}"/>
+                <a16:creationId xmlns:a16="http://schemas.microsoft.com/office/drawing/2014/main" id="{A77CF3E4-6F57-BE2E-627F-B92B737F763F}"/>
               </a:ext>
             </a:extLst>
           </p:cNvPr>
@@ -3532,7 +3590,7 @@
         </p:nvSpPr>
         <p:spPr>
           <a:xfrm>
-            <a:off x="2752185" y="700563"/>
+            <a:off x="2527597" y="500037"/>
             <a:ext cx="1657633" cy="276999"/>
           </a:xfrm>
           <a:prstGeom prst="rect">
@@ -3572,10 +3630,10 @@
       </p:sp>
       <p:sp>
         <p:nvSpPr>
-          <p:cNvPr id="74" name="TextBox 73">
+          <p:cNvPr id="102" name="TextBox 101">
             <a:extLst>
               <a:ext uri="{FF2B5EF4-FFF2-40B4-BE49-F238E27FC236}">
-                <a16:creationId xmlns:a16="http://schemas.microsoft.com/office/drawing/2014/main" id="{C7EEBC11-11DD-7063-2172-52E203615469}"/>
+                <a16:creationId xmlns:a16="http://schemas.microsoft.com/office/drawing/2014/main" id="{F7D9B270-0707-0A8F-50AE-472C017C7040}"/>
               </a:ext>
             </a:extLst>
           </p:cNvPr>
@@ -3584,7 +3642,7 @@
         </p:nvSpPr>
         <p:spPr>
           <a:xfrm>
-            <a:off x="4448192" y="693921"/>
+            <a:off x="4223604" y="493395"/>
             <a:ext cx="1615955" cy="276999"/>
           </a:xfrm>
           <a:prstGeom prst="rect">
@@ -3624,10 +3682,10 @@
       </p:sp>
       <p:sp>
         <p:nvSpPr>
-          <p:cNvPr id="75" name="TextBox 74">
+          <p:cNvPr id="103" name="TextBox 102">
             <a:extLst>
               <a:ext uri="{FF2B5EF4-FFF2-40B4-BE49-F238E27FC236}">
-                <a16:creationId xmlns:a16="http://schemas.microsoft.com/office/drawing/2014/main" id="{DF582A64-1B5B-4592-5A3A-678B5C15C815}"/>
+                <a16:creationId xmlns:a16="http://schemas.microsoft.com/office/drawing/2014/main" id="{18B2F6F4-B379-7ED0-E531-F996200795C3}"/>
               </a:ext>
             </a:extLst>
           </p:cNvPr>
@@ -3636,7 +3694,7 @@
         </p:nvSpPr>
         <p:spPr>
           <a:xfrm>
-            <a:off x="5929728" y="699411"/>
+            <a:off x="5705140" y="498885"/>
             <a:ext cx="1128642" cy="276999"/>
           </a:xfrm>
           <a:prstGeom prst="rect">
@@ -3662,10 +3720,10 @@
       </p:sp>
       <p:sp>
         <p:nvSpPr>
-          <p:cNvPr id="76" name="TextBox 75">
+          <p:cNvPr id="104" name="TextBox 103">
             <a:extLst>
               <a:ext uri="{FF2B5EF4-FFF2-40B4-BE49-F238E27FC236}">
-                <a16:creationId xmlns:a16="http://schemas.microsoft.com/office/drawing/2014/main" id="{4B98C486-1164-A7A5-E298-B9EAAE2AFFDF}"/>
+                <a16:creationId xmlns:a16="http://schemas.microsoft.com/office/drawing/2014/main" id="{55E0EF49-039B-263D-7C52-44C9CBD2FF79}"/>
               </a:ext>
             </a:extLst>
           </p:cNvPr>
@@ -3674,7 +3732,7 @@
         </p:nvSpPr>
         <p:spPr>
           <a:xfrm>
-            <a:off x="3242831" y="2420373"/>
+            <a:off x="3018243" y="2219847"/>
             <a:ext cx="779381" cy="276999"/>
           </a:xfrm>
           <a:prstGeom prst="rect">
@@ -3703,10 +3761,10 @@
       </p:sp>
       <p:sp>
         <p:nvSpPr>
-          <p:cNvPr id="77" name="TextBox 76">
+          <p:cNvPr id="105" name="TextBox 104">
             <a:extLst>
               <a:ext uri="{FF2B5EF4-FFF2-40B4-BE49-F238E27FC236}">
-                <a16:creationId xmlns:a16="http://schemas.microsoft.com/office/drawing/2014/main" id="{B4782F17-0017-9D2A-EDAA-5FB765E05E8A}"/>
+                <a16:creationId xmlns:a16="http://schemas.microsoft.com/office/drawing/2014/main" id="{736B630B-875B-7214-7CC5-BB10E4510353}"/>
               </a:ext>
             </a:extLst>
           </p:cNvPr>
@@ -3715,8 +3773,8 @@
         </p:nvSpPr>
         <p:spPr>
           <a:xfrm>
-            <a:off x="221279" y="328303"/>
-            <a:ext cx="338554" cy="369332"/>
+            <a:off x="481407" y="143819"/>
+            <a:ext cx="1040670" cy="338554"/>
           </a:xfrm>
           <a:prstGeom prst="rect">
             <a:avLst/>
@@ -3730,21 +3788,21 @@
           <a:lstStyle/>
           <a:p>
             <a:r>
-              <a:rPr lang="en-JP" dirty="0">
+              <a:rPr lang="en-JP" sz="1600" dirty="0">
                 <a:latin typeface="Arial" panose="020B0604020202020204" pitchFamily="34" charset="0"/>
                 <a:cs typeface="Arial" panose="020B0604020202020204" pitchFamily="34" charset="0"/>
               </a:rPr>
-              <a:t>A</a:t>
-            </a:r>
-          </a:p>
-        </p:txBody>
-      </p:sp>
-      <p:sp>
-        <p:nvSpPr>
-          <p:cNvPr id="78" name="TextBox 77">
+              <a:t>A: Genes</a:t>
+            </a:r>
+          </a:p>
+        </p:txBody>
+      </p:sp>
+      <p:sp>
+        <p:nvSpPr>
+          <p:cNvPr id="106" name="TextBox 105">
             <a:extLst>
               <a:ext uri="{FF2B5EF4-FFF2-40B4-BE49-F238E27FC236}">
-                <a16:creationId xmlns:a16="http://schemas.microsoft.com/office/drawing/2014/main" id="{F073A116-A048-9BD1-485D-3118DE68EF24}"/>
+                <a16:creationId xmlns:a16="http://schemas.microsoft.com/office/drawing/2014/main" id="{74ACA8E8-BF19-D4CF-5DAA-5E6F3D7B2A83}"/>
               </a:ext>
             </a:extLst>
           </p:cNvPr>
@@ -3753,8 +3811,8 @@
         </p:nvSpPr>
         <p:spPr>
           <a:xfrm>
-            <a:off x="229087" y="2600236"/>
-            <a:ext cx="338554" cy="369332"/>
+            <a:off x="710347" y="2544088"/>
+            <a:ext cx="2018373" cy="338554"/>
           </a:xfrm>
           <a:prstGeom prst="rect">
             <a:avLst/>
@@ -3768,21 +3826,21 @@
           <a:lstStyle/>
           <a:p>
             <a:r>
-              <a:rPr lang="en-JP" dirty="0">
+              <a:rPr lang="en-JP" sz="1600" dirty="0">
                 <a:latin typeface="Arial" panose="020B0604020202020204" pitchFamily="34" charset="0"/>
                 <a:cs typeface="Arial" panose="020B0604020202020204" pitchFamily="34" charset="0"/>
               </a:rPr>
-              <a:t>B</a:t>
+              <a:t>B: Aphid abundance</a:t>
             </a:r>
           </a:p>
         </p:txBody>
       </p:sp>
       <p:cxnSp>
         <p:nvCxnSpPr>
-          <p:cNvPr id="79" name="Straight Connector 78">
+          <p:cNvPr id="107" name="Straight Connector 106">
             <a:extLst>
               <a:ext uri="{FF2B5EF4-FFF2-40B4-BE49-F238E27FC236}">
-                <a16:creationId xmlns:a16="http://schemas.microsoft.com/office/drawing/2014/main" id="{D135AF88-4994-CCAE-F0FA-FEA44783BBB7}"/>
+                <a16:creationId xmlns:a16="http://schemas.microsoft.com/office/drawing/2014/main" id="{A5A829C4-0833-838B-CDC1-C7DA90183B1F}"/>
               </a:ext>
             </a:extLst>
           </p:cNvPr>
@@ -3791,7 +3849,7 @@
         </p:nvCxnSpPr>
         <p:spPr>
           <a:xfrm>
-            <a:off x="5979002" y="657487"/>
+            <a:off x="5754414" y="456961"/>
             <a:ext cx="108000" cy="0"/>
           </a:xfrm>
           <a:prstGeom prst="line">
@@ -3820,10 +3878,10 @@
       </p:cxnSp>
       <p:sp>
         <p:nvSpPr>
-          <p:cNvPr id="2" name="TextBox 1">
+          <p:cNvPr id="108" name="TextBox 107">
             <a:extLst>
               <a:ext uri="{FF2B5EF4-FFF2-40B4-BE49-F238E27FC236}">
-                <a16:creationId xmlns:a16="http://schemas.microsoft.com/office/drawing/2014/main" id="{787317D9-4A96-87FA-B5CD-E911702D02AB}"/>
+                <a16:creationId xmlns:a16="http://schemas.microsoft.com/office/drawing/2014/main" id="{73D1B8F6-65D2-2393-5CDE-6050920507B4}"/>
               </a:ext>
             </a:extLst>
           </p:cNvPr>
@@ -3832,8 +3890,8 @@
         </p:nvSpPr>
         <p:spPr>
           <a:xfrm rot="16200000">
-            <a:off x="-184792" y="3759562"/>
-            <a:ext cx="1790875" cy="338554"/>
+            <a:off x="-131022" y="3344415"/>
+            <a:ext cx="1386918" cy="276999"/>
           </a:xfrm>
           <a:prstGeom prst="rect">
             <a:avLst/>
@@ -3848,15 +3906,210 @@
           <a:p>
             <a:pPr algn="ctr"/>
             <a:r>
+              <a:rPr lang="en-JP" sz="1200" dirty="0">
+                <a:latin typeface="Arial" panose="020B0604020202020204" pitchFamily="34" charset="0"/>
+                <a:cs typeface="Arial" panose="020B0604020202020204" pitchFamily="34" charset="0"/>
+              </a:rPr>
+              <a:t>Association score</a:t>
+            </a:r>
+          </a:p>
+        </p:txBody>
+      </p:sp>
+      <p:sp>
+        <p:nvSpPr>
+          <p:cNvPr id="109" name="TextBox 108">
+            <a:extLst>
+              <a:ext uri="{FF2B5EF4-FFF2-40B4-BE49-F238E27FC236}">
+                <a16:creationId xmlns:a16="http://schemas.microsoft.com/office/drawing/2014/main" id="{67BB95AE-2CC1-6D78-7D1F-E630A994699B}"/>
+              </a:ext>
+            </a:extLst>
+          </p:cNvPr>
+          <p:cNvSpPr txBox="1"/>
+          <p:nvPr/>
+        </p:nvSpPr>
+        <p:spPr>
+          <a:xfrm>
+            <a:off x="697523" y="4292208"/>
+            <a:ext cx="1072730" cy="338554"/>
+          </a:xfrm>
+          <a:prstGeom prst="rect">
+            <a:avLst/>
+          </a:prstGeom>
+          <a:noFill/>
+        </p:spPr>
+        <p:txBody>
+          <a:bodyPr wrap="none" rtlCol="0">
+            <a:spAutoFit/>
+          </a:bodyPr>
+          <a:lstStyle/>
+          <a:p>
+            <a:r>
               <a:rPr lang="en-JP" sz="1600" dirty="0">
                 <a:latin typeface="Arial" panose="020B0604020202020204" pitchFamily="34" charset="0"/>
                 <a:cs typeface="Arial" panose="020B0604020202020204" pitchFamily="34" charset="0"/>
               </a:rPr>
+              <a:t>C: Bolting</a:t>
+            </a:r>
+          </a:p>
+        </p:txBody>
+      </p:sp>
+      <p:sp>
+        <p:nvSpPr>
+          <p:cNvPr id="110" name="TextBox 109">
+            <a:extLst>
+              <a:ext uri="{FF2B5EF4-FFF2-40B4-BE49-F238E27FC236}">
+                <a16:creationId xmlns:a16="http://schemas.microsoft.com/office/drawing/2014/main" id="{496CB7B2-9BA1-7F33-B6AE-5FE81170349A}"/>
+              </a:ext>
+            </a:extLst>
+          </p:cNvPr>
+          <p:cNvSpPr txBox="1"/>
+          <p:nvPr/>
+        </p:nvSpPr>
+        <p:spPr>
+          <a:xfrm>
+            <a:off x="696127" y="6048952"/>
+            <a:ext cx="1345240" cy="338554"/>
+          </a:xfrm>
+          <a:prstGeom prst="rect">
+            <a:avLst/>
+          </a:prstGeom>
+          <a:noFill/>
+        </p:spPr>
+        <p:txBody>
+          <a:bodyPr wrap="none" rtlCol="0">
+            <a:spAutoFit/>
+          </a:bodyPr>
+          <a:lstStyle/>
+          <a:p>
+            <a:r>
+              <a:rPr lang="en-JP" sz="1600" dirty="0">
+                <a:latin typeface="Arial" panose="020B0604020202020204" pitchFamily="34" charset="0"/>
+                <a:cs typeface="Arial" panose="020B0604020202020204" pitchFamily="34" charset="0"/>
+              </a:rPr>
+              <a:t>D: Residuals</a:t>
+            </a:r>
+          </a:p>
+        </p:txBody>
+      </p:sp>
+      <p:sp>
+        <p:nvSpPr>
+          <p:cNvPr id="111" name="TextBox 110">
+            <a:extLst>
+              <a:ext uri="{FF2B5EF4-FFF2-40B4-BE49-F238E27FC236}">
+                <a16:creationId xmlns:a16="http://schemas.microsoft.com/office/drawing/2014/main" id="{9560EAEF-CA60-52CD-8DF4-674D62DB2408}"/>
+              </a:ext>
+            </a:extLst>
+          </p:cNvPr>
+          <p:cNvSpPr txBox="1"/>
+          <p:nvPr/>
+        </p:nvSpPr>
+        <p:spPr>
+          <a:xfrm rot="16200000">
+            <a:off x="-125511" y="5095024"/>
+            <a:ext cx="1386918" cy="276999"/>
+          </a:xfrm>
+          <a:prstGeom prst="rect">
+            <a:avLst/>
+          </a:prstGeom>
+          <a:noFill/>
+        </p:spPr>
+        <p:txBody>
+          <a:bodyPr wrap="none" rtlCol="0">
+            <a:spAutoFit/>
+          </a:bodyPr>
+          <a:lstStyle/>
+          <a:p>
+            <a:pPr algn="ctr"/>
+            <a:r>
+              <a:rPr lang="en-JP" sz="1200" dirty="0">
+                <a:latin typeface="Arial" panose="020B0604020202020204" pitchFamily="34" charset="0"/>
+                <a:cs typeface="Arial" panose="020B0604020202020204" pitchFamily="34" charset="0"/>
+              </a:rPr>
               <a:t>Association score</a:t>
             </a:r>
           </a:p>
         </p:txBody>
       </p:sp>
+      <p:sp>
+        <p:nvSpPr>
+          <p:cNvPr id="112" name="TextBox 111">
+            <a:extLst>
+              <a:ext uri="{FF2B5EF4-FFF2-40B4-BE49-F238E27FC236}">
+                <a16:creationId xmlns:a16="http://schemas.microsoft.com/office/drawing/2014/main" id="{6CE2836A-09A6-344D-4CB8-8DE8FD61994C}"/>
+              </a:ext>
+            </a:extLst>
+          </p:cNvPr>
+          <p:cNvSpPr txBox="1"/>
+          <p:nvPr/>
+        </p:nvSpPr>
+        <p:spPr>
+          <a:xfrm rot="16200000">
+            <a:off x="-133588" y="6847236"/>
+            <a:ext cx="1386918" cy="276999"/>
+          </a:xfrm>
+          <a:prstGeom prst="rect">
+            <a:avLst/>
+          </a:prstGeom>
+          <a:noFill/>
+        </p:spPr>
+        <p:txBody>
+          <a:bodyPr wrap="none" rtlCol="0">
+            <a:spAutoFit/>
+          </a:bodyPr>
+          <a:lstStyle/>
+          <a:p>
+            <a:pPr algn="ctr"/>
+            <a:r>
+              <a:rPr lang="en-JP" sz="1200" dirty="0">
+                <a:latin typeface="Arial" panose="020B0604020202020204" pitchFamily="34" charset="0"/>
+                <a:cs typeface="Arial" panose="020B0604020202020204" pitchFamily="34" charset="0"/>
+              </a:rPr>
+              <a:t>Association score</a:t>
+            </a:r>
+          </a:p>
+        </p:txBody>
+      </p:sp>
+      <p:cxnSp>
+        <p:nvCxnSpPr>
+          <p:cNvPr id="113" name="Straight Connector 112">
+            <a:extLst>
+              <a:ext uri="{FF2B5EF4-FFF2-40B4-BE49-F238E27FC236}">
+                <a16:creationId xmlns:a16="http://schemas.microsoft.com/office/drawing/2014/main" id="{641DFC46-382A-9888-D7B8-D1448238F0ED}"/>
+              </a:ext>
+            </a:extLst>
+          </p:cNvPr>
+          <p:cNvCxnSpPr/>
+          <p:nvPr/>
+        </p:nvCxnSpPr>
+        <p:spPr>
+          <a:xfrm flipH="1">
+            <a:off x="3754710" y="2641075"/>
+            <a:ext cx="6863" cy="4860000"/>
+          </a:xfrm>
+          <a:prstGeom prst="line">
+            <a:avLst/>
+          </a:prstGeom>
+          <a:ln>
+            <a:solidFill>
+              <a:srgbClr val="FF0000"/>
+            </a:solidFill>
+          </a:ln>
+        </p:spPr>
+        <p:style>
+          <a:lnRef idx="1">
+            <a:schemeClr val="accent1"/>
+          </a:lnRef>
+          <a:fillRef idx="0">
+            <a:schemeClr val="accent1"/>
+          </a:fillRef>
+          <a:effectRef idx="0">
+            <a:schemeClr val="accent1"/>
+          </a:effectRef>
+          <a:fontRef idx="minor">
+            <a:schemeClr val="tx1"/>
+          </a:fontRef>
+        </p:style>
+      </p:cxnSp>
     </p:spTree>
     <p:extLst>
       <p:ext uri="{BB962C8B-B14F-4D97-AF65-F5344CB8AC3E}">
@@ -4125,7 +4378,7 @@
   <a:extraClrSchemeLst/>
   <a:extLst>
     <a:ext uri="{05A4C25C-085E-4340-85A3-A5531E510DB2}">
-      <thm15:themeFamily xmlns:thm15="http://schemas.microsoft.com/office/thememl/2012/main" name="Office Theme" id="{62F939B6-93AF-4DB8-9C6B-D6C7DFDC589F}" vid="{4A3C46E8-61CC-4603-A589-7422A47A8E4A}"/>
+      <thm15:themeFamily xmlns:thm15="http://schemas.microsoft.com/office/thememl/2012/main" name="Office Theme 2013 - 2022" id="{62F939B6-93AF-4DB8-9C6B-D6C7DFDC589F}" vid="{4A3C46E8-61CC-4603-A589-7422A47A8E4A}"/>
     </a:ext>
   </a:extLst>
 </a:theme>

--- a/figures/fig1_comb.pptx
+++ b/figures/fig1_comb.pptx
@@ -243,7 +243,7 @@
           <a:p>
             <a:fld id="{9915773D-6D45-A545-9BEA-022AEEFB4CE4}" type="datetimeFigureOut">
               <a:rPr lang="en-JP" smtClean="0"/>
-              <a:t>2023/02/24</a:t>
+              <a:t>2023/03/07</a:t>
             </a:fld>
             <a:endParaRPr lang="en-JP"/>
           </a:p>
@@ -413,7 +413,7 @@
           <a:p>
             <a:fld id="{9915773D-6D45-A545-9BEA-022AEEFB4CE4}" type="datetimeFigureOut">
               <a:rPr lang="en-JP" smtClean="0"/>
-              <a:t>2023/02/24</a:t>
+              <a:t>2023/03/07</a:t>
             </a:fld>
             <a:endParaRPr lang="en-JP"/>
           </a:p>
@@ -593,7 +593,7 @@
           <a:p>
             <a:fld id="{9915773D-6D45-A545-9BEA-022AEEFB4CE4}" type="datetimeFigureOut">
               <a:rPr lang="en-JP" smtClean="0"/>
-              <a:t>2023/02/24</a:t>
+              <a:t>2023/03/07</a:t>
             </a:fld>
             <a:endParaRPr lang="en-JP"/>
           </a:p>
@@ -763,7 +763,7 @@
           <a:p>
             <a:fld id="{9915773D-6D45-A545-9BEA-022AEEFB4CE4}" type="datetimeFigureOut">
               <a:rPr lang="en-JP" smtClean="0"/>
-              <a:t>2023/02/24</a:t>
+              <a:t>2023/03/07</a:t>
             </a:fld>
             <a:endParaRPr lang="en-JP"/>
           </a:p>
@@ -1007,7 +1007,7 @@
           <a:p>
             <a:fld id="{9915773D-6D45-A545-9BEA-022AEEFB4CE4}" type="datetimeFigureOut">
               <a:rPr lang="en-JP" smtClean="0"/>
-              <a:t>2023/02/24</a:t>
+              <a:t>2023/03/07</a:t>
             </a:fld>
             <a:endParaRPr lang="en-JP"/>
           </a:p>
@@ -1239,7 +1239,7 @@
           <a:p>
             <a:fld id="{9915773D-6D45-A545-9BEA-022AEEFB4CE4}" type="datetimeFigureOut">
               <a:rPr lang="en-JP" smtClean="0"/>
-              <a:t>2023/02/24</a:t>
+              <a:t>2023/03/07</a:t>
             </a:fld>
             <a:endParaRPr lang="en-JP"/>
           </a:p>
@@ -1606,7 +1606,7 @@
           <a:p>
             <a:fld id="{9915773D-6D45-A545-9BEA-022AEEFB4CE4}" type="datetimeFigureOut">
               <a:rPr lang="en-JP" smtClean="0"/>
-              <a:t>2023/02/24</a:t>
+              <a:t>2023/03/07</a:t>
             </a:fld>
             <a:endParaRPr lang="en-JP"/>
           </a:p>
@@ -1724,7 +1724,7 @@
           <a:p>
             <a:fld id="{9915773D-6D45-A545-9BEA-022AEEFB4CE4}" type="datetimeFigureOut">
               <a:rPr lang="en-JP" smtClean="0"/>
-              <a:t>2023/02/24</a:t>
+              <a:t>2023/03/07</a:t>
             </a:fld>
             <a:endParaRPr lang="en-JP"/>
           </a:p>
@@ -1819,7 +1819,7 @@
           <a:p>
             <a:fld id="{9915773D-6D45-A545-9BEA-022AEEFB4CE4}" type="datetimeFigureOut">
               <a:rPr lang="en-JP" smtClean="0"/>
-              <a:t>2023/02/24</a:t>
+              <a:t>2023/03/07</a:t>
             </a:fld>
             <a:endParaRPr lang="en-JP"/>
           </a:p>
@@ -2096,7 +2096,7 @@
           <a:p>
             <a:fld id="{9915773D-6D45-A545-9BEA-022AEEFB4CE4}" type="datetimeFigureOut">
               <a:rPr lang="en-JP" smtClean="0"/>
-              <a:t>2023/02/24</a:t>
+              <a:t>2023/03/07</a:t>
             </a:fld>
             <a:endParaRPr lang="en-JP"/>
           </a:p>
@@ -2353,7 +2353,7 @@
           <a:p>
             <a:fld id="{9915773D-6D45-A545-9BEA-022AEEFB4CE4}" type="datetimeFigureOut">
               <a:rPr lang="en-JP" smtClean="0"/>
-              <a:t>2023/02/24</a:t>
+              <a:t>2023/03/07</a:t>
             </a:fld>
             <a:endParaRPr lang="en-JP"/>
           </a:p>
@@ -2566,7 +2566,7 @@
           <a:p>
             <a:fld id="{9915773D-6D45-A545-9BEA-022AEEFB4CE4}" type="datetimeFigureOut">
               <a:rPr lang="en-JP" smtClean="0"/>
-              <a:t>2023/02/24</a:t>
+              <a:t>2023/03/07</a:t>
             </a:fld>
             <a:endParaRPr lang="en-JP"/>
           </a:p>
@@ -3774,7 +3774,7 @@
         <p:spPr>
           <a:xfrm>
             <a:off x="481407" y="143819"/>
-            <a:ext cx="1040670" cy="338554"/>
+            <a:ext cx="1098378" cy="338554"/>
           </a:xfrm>
           <a:prstGeom prst="rect">
             <a:avLst/>
@@ -3792,7 +3792,7 @@
                 <a:latin typeface="Arial" panose="020B0604020202020204" pitchFamily="34" charset="0"/>
                 <a:cs typeface="Arial" panose="020B0604020202020204" pitchFamily="34" charset="0"/>
               </a:rPr>
-              <a:t>A: Genes</a:t>
+              <a:t>(a) Genes</a:t>
             </a:r>
           </a:p>
         </p:txBody>
@@ -3812,7 +3812,7 @@
         <p:spPr>
           <a:xfrm>
             <a:off x="710347" y="2544088"/>
-            <a:ext cx="2018373" cy="338554"/>
+            <a:ext cx="2076081" cy="338554"/>
           </a:xfrm>
           <a:prstGeom prst="rect">
             <a:avLst/>
@@ -3830,7 +3830,7 @@
                 <a:latin typeface="Arial" panose="020B0604020202020204" pitchFamily="34" charset="0"/>
                 <a:cs typeface="Arial" panose="020B0604020202020204" pitchFamily="34" charset="0"/>
               </a:rPr>
-              <a:t>B: Aphid abundance</a:t>
+              <a:t>(b) Aphid abundance</a:t>
             </a:r>
           </a:p>
         </p:txBody>
@@ -3930,7 +3930,7 @@
         <p:spPr>
           <a:xfrm>
             <a:off x="697523" y="4292208"/>
-            <a:ext cx="1072730" cy="338554"/>
+            <a:ext cx="1107996" cy="338554"/>
           </a:xfrm>
           <a:prstGeom prst="rect">
             <a:avLst/>
@@ -3948,7 +3948,7 @@
                 <a:latin typeface="Arial" panose="020B0604020202020204" pitchFamily="34" charset="0"/>
                 <a:cs typeface="Arial" panose="020B0604020202020204" pitchFamily="34" charset="0"/>
               </a:rPr>
-              <a:t>C: Bolting</a:t>
+              <a:t>(c) Bolting</a:t>
             </a:r>
           </a:p>
         </p:txBody>
@@ -3968,7 +3968,7 @@
         <p:spPr>
           <a:xfrm>
             <a:off x="696127" y="6048952"/>
-            <a:ext cx="1345240" cy="338554"/>
+            <a:ext cx="1391728" cy="338554"/>
           </a:xfrm>
           <a:prstGeom prst="rect">
             <a:avLst/>
@@ -3986,7 +3986,7 @@
                 <a:latin typeface="Arial" panose="020B0604020202020204" pitchFamily="34" charset="0"/>
                 <a:cs typeface="Arial" panose="020B0604020202020204" pitchFamily="34" charset="0"/>
               </a:rPr>
-              <a:t>D: Residuals</a:t>
+              <a:t>(d) Residuals</a:t>
             </a:r>
           </a:p>
         </p:txBody>
